--- a/lecture/week_1/week_1_notes_1.pptx
+++ b/lecture/week_1/week_1_notes_1.pptx
@@ -258,7 +258,7 @@
           <a:p>
             <a:fld id="{AC8AFE44-E840-4CA3-A040-6A82550111D5}" type="datetimeFigureOut">
               <a:rPr lang="en-US" smtClean="0"/>
-              <a:t>8/14/2020</a:t>
+              <a:t>8/25/2020</a:t>
             </a:fld>
             <a:endParaRPr lang="en-US"/>
           </a:p>
@@ -1774,7 +1774,7 @@
           <a:p>
             <a:fld id="{1D8BD707-D9CF-40AE-B4C6-C98DA3205C09}" type="datetimeFigureOut">
               <a:rPr lang="en-US"/>
-              <a:t>8/14/2020</a:t>
+              <a:t>8/25/2020</a:t>
             </a:fld>
             <a:endParaRPr lang="en-US"/>
           </a:p>
@@ -1951,7 +1951,7 @@
           <a:p>
             <a:fld id="{1D8BD707-D9CF-40AE-B4C6-C98DA3205C09}" type="datetimeFigureOut">
               <a:rPr lang="en-US"/>
-              <a:t>8/14/2020</a:t>
+              <a:t>8/25/2020</a:t>
             </a:fld>
             <a:endParaRPr lang="en-US"/>
           </a:p>
@@ -2165,7 +2165,7 @@
           <a:p>
             <a:fld id="{1D8BD707-D9CF-40AE-B4C6-C98DA3205C09}" type="datetimeFigureOut">
               <a:rPr lang="en-US"/>
-              <a:t>8/14/2020</a:t>
+              <a:t>8/25/2020</a:t>
             </a:fld>
             <a:endParaRPr lang="en-US"/>
           </a:p>
@@ -2313,7 +2313,7 @@
           <a:p>
             <a:fld id="{1D8BD707-D9CF-40AE-B4C6-C98DA3205C09}" type="datetimeFigureOut">
               <a:rPr lang="en-US"/>
-              <a:t>8/14/2020</a:t>
+              <a:t>8/25/2020</a:t>
             </a:fld>
             <a:endParaRPr lang="en-US"/>
           </a:p>
@@ -2592,7 +2592,7 @@
           <a:p>
             <a:fld id="{1D8BD707-D9CF-40AE-B4C6-C98DA3205C09}" type="datetimeFigureOut">
               <a:rPr lang="en-US"/>
-              <a:t>8/14/2020</a:t>
+              <a:t>8/25/2020</a:t>
             </a:fld>
             <a:endParaRPr lang="en-US"/>
           </a:p>
@@ -2817,7 +2817,7 @@
           <a:p>
             <a:fld id="{1D8BD707-D9CF-40AE-B4C6-C98DA3205C09}" type="datetimeFigureOut">
               <a:rPr lang="en-US"/>
-              <a:t>8/14/2020</a:t>
+              <a:t>8/25/2020</a:t>
             </a:fld>
             <a:endParaRPr lang="en-US"/>
           </a:p>
@@ -6365,11 +6365,11 @@
   <p:clrMapOvr>
     <a:masterClrMapping/>
   </p:clrMapOvr>
-  <mc:AlternateContent xmlns:mc="http://schemas.openxmlformats.org/markup-compatibility/2006">
-    <mc:Choice xmlns:p14="http://schemas.microsoft.com/office/powerpoint/2010/main" Requires="p14">
+  <mc:AlternateContent xmlns:mc="http://schemas.openxmlformats.org/markup-compatibility/2006" xmlns:p14="http://schemas.microsoft.com/office/powerpoint/2010/main">
+    <mc:Choice Requires="p14">
       <p:transition spd="slow" p14:dur="2000"/>
     </mc:Choice>
-    <mc:Fallback>
+    <mc:Fallback xmlns="">
       <p:transition spd="slow"/>
     </mc:Fallback>
   </mc:AlternateContent>

--- a/lecture/week_1/week_1_notes_1.pptx
+++ b/lecture/week_1/week_1_notes_1.pptx
@@ -5,23 +5,24 @@
     <p:sldMasterId id="2147483648" r:id="rId1"/>
   </p:sldMasterIdLst>
   <p:notesMasterIdLst>
-    <p:notesMasterId r:id="rId16"/>
+    <p:notesMasterId r:id="rId17"/>
   </p:notesMasterIdLst>
   <p:sldIdLst>
     <p:sldId id="256" r:id="rId2"/>
     <p:sldId id="257" r:id="rId3"/>
-    <p:sldId id="261" r:id="rId4"/>
-    <p:sldId id="277" r:id="rId5"/>
-    <p:sldId id="279" r:id="rId6"/>
-    <p:sldId id="280" r:id="rId7"/>
-    <p:sldId id="281" r:id="rId8"/>
-    <p:sldId id="264" r:id="rId9"/>
-    <p:sldId id="266" r:id="rId10"/>
-    <p:sldId id="282" r:id="rId11"/>
-    <p:sldId id="267" r:id="rId12"/>
-    <p:sldId id="268" r:id="rId13"/>
-    <p:sldId id="271" r:id="rId14"/>
-    <p:sldId id="272" r:id="rId15"/>
+    <p:sldId id="367" r:id="rId4"/>
+    <p:sldId id="261" r:id="rId5"/>
+    <p:sldId id="277" r:id="rId6"/>
+    <p:sldId id="279" r:id="rId7"/>
+    <p:sldId id="280" r:id="rId8"/>
+    <p:sldId id="281" r:id="rId9"/>
+    <p:sldId id="264" r:id="rId10"/>
+    <p:sldId id="266" r:id="rId11"/>
+    <p:sldId id="282" r:id="rId12"/>
+    <p:sldId id="267" r:id="rId13"/>
+    <p:sldId id="268" r:id="rId14"/>
+    <p:sldId id="271" r:id="rId15"/>
+    <p:sldId id="272" r:id="rId16"/>
   </p:sldIdLst>
   <p:sldSz cx="13004800" cy="11404600"/>
   <p:notesSz cx="13004800" cy="11404600"/>
@@ -258,7 +259,7 @@
           <a:p>
             <a:fld id="{AC8AFE44-E840-4CA3-A040-6A82550111D5}" type="datetimeFigureOut">
               <a:rPr lang="en-US" smtClean="0"/>
-              <a:t>8/25/2020</a:t>
+              <a:t>1/22/21</a:t>
             </a:fld>
             <a:endParaRPr lang="en-US"/>
           </a:p>
@@ -588,18 +589,24 @@
           <a:bodyPr/>
           <a:lstStyle/>
           <a:p>
-            <a:fld id="{E3FB5458-7096-4ABB-810B-D4FB5505A567}" type="slidenum">
-              <a:rPr lang="en-US" smtClean="0"/>
-              <a:t>4</a:t>
+            <a:pPr>
+              <a:defRPr/>
+            </a:pPr>
+            <a:fld id="{882D32EE-287A-4F64-882B-21615488F17B}" type="slidenum">
+              <a:rPr lang="en-US" altLang="en-US" smtClean="0"/>
+              <a:pPr>
+                <a:defRPr/>
+              </a:pPr>
+              <a:t>3</a:t>
             </a:fld>
-            <a:endParaRPr lang="en-US"/>
+            <a:endParaRPr lang="en-US" altLang="en-US"/>
           </a:p>
         </p:txBody>
       </p:sp>
     </p:spTree>
     <p:extLst>
       <p:ext uri="{BB962C8B-B14F-4D97-AF65-F5344CB8AC3E}">
-        <p14:creationId xmlns:p14="http://schemas.microsoft.com/office/powerpoint/2010/main" val="3651688686"/>
+        <p14:creationId xmlns:p14="http://schemas.microsoft.com/office/powerpoint/2010/main" val="455029635"/>
       </p:ext>
     </p:extLst>
   </p:cSld>
@@ -683,7 +690,7 @@
     </p:spTree>
     <p:extLst>
       <p:ext uri="{BB962C8B-B14F-4D97-AF65-F5344CB8AC3E}">
-        <p14:creationId xmlns:p14="http://schemas.microsoft.com/office/powerpoint/2010/main" val="684179688"/>
+        <p14:creationId xmlns:p14="http://schemas.microsoft.com/office/powerpoint/2010/main" val="3651688686"/>
       </p:ext>
     </p:extLst>
   </p:cSld>
@@ -767,7 +774,7 @@
     </p:spTree>
     <p:extLst>
       <p:ext uri="{BB962C8B-B14F-4D97-AF65-F5344CB8AC3E}">
-        <p14:creationId xmlns:p14="http://schemas.microsoft.com/office/powerpoint/2010/main" val="3744534223"/>
+        <p14:creationId xmlns:p14="http://schemas.microsoft.com/office/powerpoint/2010/main" val="684179688"/>
       </p:ext>
     </p:extLst>
   </p:cSld>
@@ -821,229 +828,6 @@
           <a:bodyPr/>
           <a:lstStyle/>
           <a:p>
-            <a:pPr marL="12700">
-              <a:lnSpc>
-                <a:spcPts val="2620"/>
-              </a:lnSpc>
-              <a:spcBef>
-                <a:spcPts val="100"/>
-              </a:spcBef>
-            </a:pPr>
-            <a:r>
-              <a:rPr lang="en-US" sz="1200" dirty="0">
-                <a:latin typeface="Lucida Sans Unicode"/>
-                <a:cs typeface="Lucida Sans Unicode"/>
-              </a:rPr>
-              <a:t>-I </a:t>
-            </a:r>
-            <a:r>
-              <a:rPr lang="en-US" sz="1200" spc="-5" dirty="0">
-                <a:latin typeface="Lucida Sans Unicode"/>
-                <a:cs typeface="Lucida Sans Unicode"/>
-              </a:rPr>
-              <a:t>want to manage </a:t>
-            </a:r>
-            <a:r>
-              <a:rPr lang="en-US" sz="1200" dirty="0">
-                <a:latin typeface="Lucida Sans Unicode"/>
-                <a:cs typeface="Lucida Sans Unicode"/>
-              </a:rPr>
-              <a:t>some </a:t>
-            </a:r>
-            <a:r>
-              <a:rPr lang="en-US" sz="1200" spc="-5" dirty="0">
-                <a:latin typeface="Lucida Sans Unicode"/>
-                <a:cs typeface="Lucida Sans Unicode"/>
-              </a:rPr>
-              <a:t>expectations here</a:t>
-            </a:r>
-            <a:endParaRPr lang="en-US" sz="1200" dirty="0">
-              <a:latin typeface="Lucida Sans Unicode"/>
-              <a:cs typeface="Lucida Sans Unicode"/>
-            </a:endParaRPr>
-          </a:p>
-          <a:p>
-            <a:pPr marL="12700">
-              <a:lnSpc>
-                <a:spcPts val="2600"/>
-              </a:lnSpc>
-            </a:pPr>
-            <a:r>
-              <a:rPr lang="en-US" sz="1200" spc="-5" dirty="0">
-                <a:latin typeface="Lucida Sans Unicode"/>
-                <a:cs typeface="Lucida Sans Unicode"/>
-              </a:rPr>
-              <a:t>-Perception: </a:t>
-            </a:r>
-            <a:r>
-              <a:rPr lang="en-US" sz="1200" dirty="0">
-                <a:latin typeface="Lucida Sans Unicode"/>
-                <a:cs typeface="Lucida Sans Unicode"/>
-              </a:rPr>
-              <a:t>pure</a:t>
-            </a:r>
-            <a:r>
-              <a:rPr lang="en-US" sz="1200" spc="-5" dirty="0">
-                <a:latin typeface="Lucida Sans Unicode"/>
-                <a:cs typeface="Lucida Sans Unicode"/>
-              </a:rPr>
-              <a:t> typing</a:t>
-            </a:r>
-            <a:endParaRPr lang="en-US" sz="1200" dirty="0">
-              <a:latin typeface="Lucida Sans Unicode"/>
-              <a:cs typeface="Lucida Sans Unicode"/>
-            </a:endParaRPr>
-          </a:p>
-          <a:p>
-            <a:pPr marL="12700" marR="5080">
-              <a:lnSpc>
-                <a:spcPts val="2600"/>
-              </a:lnSpc>
-              <a:spcBef>
-                <a:spcPts val="100"/>
-              </a:spcBef>
-              <a:tabLst>
-                <a:tab pos="4653280" algn="l"/>
-              </a:tabLst>
-            </a:pPr>
-            <a:r>
-              <a:rPr lang="en-US" sz="1200" spc="-5" dirty="0">
-                <a:latin typeface="Lucida Sans Unicode"/>
-                <a:cs typeface="Lucida Sans Unicode"/>
-              </a:rPr>
-              <a:t>-Reality: mostly </a:t>
-            </a:r>
-            <a:r>
-              <a:rPr lang="en-US" sz="1200" dirty="0">
-                <a:latin typeface="Lucida Sans Unicode"/>
-                <a:cs typeface="Lucida Sans Unicode"/>
-              </a:rPr>
-              <a:t>not </a:t>
-            </a:r>
-            <a:r>
-              <a:rPr lang="en-US" sz="1200" spc="-5" dirty="0">
-                <a:latin typeface="Lucida Sans Unicode"/>
-                <a:cs typeface="Lucida Sans Unicode"/>
-              </a:rPr>
-              <a:t>typing</a:t>
-            </a:r>
-            <a:r>
-              <a:rPr lang="en-US" sz="1200" spc="50" dirty="0">
-                <a:latin typeface="Lucida Sans Unicode"/>
-                <a:cs typeface="Lucida Sans Unicode"/>
-              </a:rPr>
-              <a:t> </a:t>
-            </a:r>
-            <a:r>
-              <a:rPr lang="en-US" sz="1200" spc="-5" dirty="0">
-                <a:latin typeface="Lucida Sans Unicode"/>
-                <a:cs typeface="Lucida Sans Unicode"/>
-              </a:rPr>
-              <a:t>at</a:t>
-            </a:r>
-            <a:r>
-              <a:rPr lang="en-US" sz="1200" spc="10" dirty="0">
-                <a:latin typeface="Lucida Sans Unicode"/>
-                <a:cs typeface="Lucida Sans Unicode"/>
-              </a:rPr>
-              <a:t> </a:t>
-            </a:r>
-            <a:r>
-              <a:rPr lang="en-US" sz="1200" spc="-5" dirty="0">
-                <a:latin typeface="Lucida Sans Unicode"/>
-                <a:cs typeface="Lucida Sans Unicode"/>
-              </a:rPr>
-              <a:t>all.</a:t>
-            </a:r>
-          </a:p>
-          <a:p>
-            <a:pPr marL="12700" marR="5080">
-              <a:lnSpc>
-                <a:spcPts val="2600"/>
-              </a:lnSpc>
-              <a:spcBef>
-                <a:spcPts val="100"/>
-              </a:spcBef>
-              <a:tabLst>
-                <a:tab pos="4653280" algn="l"/>
-              </a:tabLst>
-            </a:pPr>
-            <a:r>
-              <a:rPr lang="en-US" sz="1200" dirty="0">
-                <a:latin typeface="Lucida Sans Unicode"/>
-                <a:cs typeface="Lucida Sans Unicode"/>
-              </a:rPr>
-              <a:t>If most of your </a:t>
-            </a:r>
-            <a:r>
-              <a:rPr lang="en-US" sz="1200" spc="-5" dirty="0">
-                <a:latin typeface="Lucida Sans Unicode"/>
-                <a:cs typeface="Lucida Sans Unicode"/>
-              </a:rPr>
-              <a:t>time </a:t>
-            </a:r>
-            <a:r>
-              <a:rPr lang="en-US" sz="1200" dirty="0">
-                <a:latin typeface="Lucida Sans Unicode"/>
-                <a:cs typeface="Lucida Sans Unicode"/>
-              </a:rPr>
-              <a:t>is </a:t>
-            </a:r>
-            <a:r>
-              <a:rPr lang="en-US" sz="1200" spc="-5" dirty="0">
-                <a:latin typeface="Lucida Sans Unicode"/>
-                <a:cs typeface="Lucida Sans Unicode"/>
-              </a:rPr>
-              <a:t>spent typing, </a:t>
-            </a:r>
-            <a:r>
-              <a:rPr lang="en-US" sz="1200" dirty="0">
-                <a:latin typeface="Lucida Sans Unicode"/>
-                <a:cs typeface="Lucida Sans Unicode"/>
-              </a:rPr>
-              <a:t>you’re </a:t>
-            </a:r>
-            <a:r>
-              <a:rPr lang="en-US" sz="1200" spc="-5" dirty="0">
-                <a:latin typeface="Lucida Sans Unicode"/>
-                <a:cs typeface="Lucida Sans Unicode"/>
-              </a:rPr>
-              <a:t>probably </a:t>
-            </a:r>
-            <a:r>
-              <a:rPr lang="en-US" sz="1200" dirty="0">
-                <a:latin typeface="Lucida Sans Unicode"/>
-                <a:cs typeface="Lucida Sans Unicode"/>
-              </a:rPr>
-              <a:t>doing  </a:t>
-            </a:r>
-            <a:r>
-              <a:rPr lang="en-US" sz="1200" spc="-5" dirty="0">
-                <a:latin typeface="Lucida Sans Unicode"/>
-                <a:cs typeface="Lucida Sans Unicode"/>
-              </a:rPr>
-              <a:t>something</a:t>
-            </a:r>
-            <a:r>
-              <a:rPr lang="en-US" sz="1200" spc="-10" dirty="0">
-                <a:latin typeface="Lucida Sans Unicode"/>
-                <a:cs typeface="Lucida Sans Unicode"/>
-              </a:rPr>
-              <a:t> </a:t>
-            </a:r>
-            <a:r>
-              <a:rPr lang="en-US" sz="1200" spc="-5" dirty="0">
-                <a:latin typeface="Lucida Sans Unicode"/>
-                <a:cs typeface="Lucida Sans Unicode"/>
-              </a:rPr>
-              <a:t>wrong.</a:t>
-            </a:r>
-            <a:endParaRPr lang="en-US" sz="1200" dirty="0">
-              <a:latin typeface="Lucida Sans Unicode"/>
-              <a:cs typeface="Lucida Sans Unicode"/>
-            </a:endParaRPr>
-          </a:p>
-          <a:p>
             <a:endParaRPr lang="en-US" dirty="0"/>
           </a:p>
         </p:txBody>
@@ -1055,7 +839,7 @@
             <a:spLocks noGrp="1"/>
           </p:cNvSpPr>
           <p:nvPr>
-            <p:ph type="sldNum" sz="quarter" idx="5"/>
+            <p:ph type="sldNum" sz="quarter" idx="10"/>
           </p:nvPr>
         </p:nvSpPr>
         <p:spPr/>
@@ -1065,7 +849,7 @@
           <a:p>
             <a:fld id="{E3FB5458-7096-4ABB-810B-D4FB5505A567}" type="slidenum">
               <a:rPr lang="en-US" smtClean="0"/>
-              <a:t>8</a:t>
+              <a:t>7</a:t>
             </a:fld>
             <a:endParaRPr lang="en-US"/>
           </a:p>
@@ -1074,7 +858,7 @@
     </p:spTree>
     <p:extLst>
       <p:ext uri="{BB962C8B-B14F-4D97-AF65-F5344CB8AC3E}">
-        <p14:creationId xmlns:p14="http://schemas.microsoft.com/office/powerpoint/2010/main" val="1716308229"/>
+        <p14:creationId xmlns:p14="http://schemas.microsoft.com/office/powerpoint/2010/main" val="3744534223"/>
       </p:ext>
     </p:extLst>
   </p:cSld>
@@ -1137,39 +921,64 @@
               </a:spcBef>
             </a:pPr>
             <a:r>
+              <a:rPr lang="en-US" sz="1200" dirty="0">
+                <a:latin typeface="Lucida Sans Unicode"/>
+                <a:cs typeface="Lucida Sans Unicode"/>
+              </a:rPr>
+              <a:t>-I </a:t>
+            </a:r>
+            <a:r>
               <a:rPr lang="en-US" sz="1200" spc="-5" dirty="0">
                 <a:latin typeface="Lucida Sans Unicode"/>
                 <a:cs typeface="Lucida Sans Unicode"/>
               </a:rPr>
-              <a:t>-Programming </a:t>
+              <a:t>want to manage </a:t>
             </a:r>
             <a:r>
               <a:rPr lang="en-US" sz="1200" dirty="0">
                 <a:latin typeface="Lucida Sans Unicode"/>
                 <a:cs typeface="Lucida Sans Unicode"/>
               </a:rPr>
-              <a:t>is </a:t>
+              <a:t>some </a:t>
             </a:r>
             <a:r>
               <a:rPr lang="en-US" sz="1200" spc="-5" dirty="0">
                 <a:latin typeface="Lucida Sans Unicode"/>
                 <a:cs typeface="Lucida Sans Unicode"/>
               </a:rPr>
-              <a:t>about </a:t>
+              <a:t>expectations here</a:t>
+            </a:r>
+            <a:endParaRPr lang="en-US" sz="1200" dirty="0">
+              <a:latin typeface="Lucida Sans Unicode"/>
+              <a:cs typeface="Lucida Sans Unicode"/>
+            </a:endParaRPr>
+          </a:p>
+          <a:p>
+            <a:pPr marL="12700">
+              <a:lnSpc>
+                <a:spcPts val="2600"/>
+              </a:lnSpc>
+            </a:pPr>
+            <a:r>
+              <a:rPr lang="en-US" sz="1200" spc="-5" dirty="0">
+                <a:latin typeface="Lucida Sans Unicode"/>
+                <a:cs typeface="Lucida Sans Unicode"/>
+              </a:rPr>
+              <a:t>-Perception: </a:t>
             </a:r>
             <a:r>
               <a:rPr lang="en-US" sz="1200" dirty="0">
                 <a:latin typeface="Lucida Sans Unicode"/>
                 <a:cs typeface="Lucida Sans Unicode"/>
               </a:rPr>
-              <a:t>solving</a:t>
+              <a:t>pure</a:t>
             </a:r>
             <a:r>
               <a:rPr lang="en-US" sz="1200" spc="-5" dirty="0">
                 <a:latin typeface="Lucida Sans Unicode"/>
                 <a:cs typeface="Lucida Sans Unicode"/>
               </a:rPr>
-              <a:t> problems.</a:t>
+              <a:t> typing</a:t>
             </a:r>
             <a:endParaRPr lang="en-US" sz="1200" dirty="0">
               <a:latin typeface="Lucida Sans Unicode"/>
@@ -1185,7 +994,7 @@
                 <a:spcPts val="100"/>
               </a:spcBef>
               <a:tabLst>
-                <a:tab pos="2992755" algn="l"/>
+                <a:tab pos="4653280" algn="l"/>
               </a:tabLst>
             </a:pPr>
             <a:r>
@@ -1193,105 +1002,49 @@
                 <a:latin typeface="Lucida Sans Unicode"/>
                 <a:cs typeface="Lucida Sans Unicode"/>
               </a:rPr>
-              <a:t>-You give </a:t>
+              <a:t>-Reality: mostly </a:t>
             </a:r>
             <a:r>
               <a:rPr lang="en-US" sz="1200" dirty="0">
                 <a:latin typeface="Lucida Sans Unicode"/>
                 <a:cs typeface="Lucida Sans Unicode"/>
               </a:rPr>
-              <a:t>a </a:t>
+              <a:t>not </a:t>
             </a:r>
             <a:r>
               <a:rPr lang="en-US" sz="1200" spc="-5" dirty="0">
                 <a:latin typeface="Lucida Sans Unicode"/>
                 <a:cs typeface="Lucida Sans Unicode"/>
               </a:rPr>
-              <a:t>series </a:t>
-            </a:r>
-            <a:r>
-              <a:rPr lang="en-US" sz="1200" dirty="0">
+              <a:t>typing</a:t>
+            </a:r>
+            <a:r>
+              <a:rPr lang="en-US" sz="1200" spc="50" dirty="0">
                 <a:latin typeface="Lucida Sans Unicode"/>
                 <a:cs typeface="Lucida Sans Unicode"/>
               </a:rPr>
-              <a:t>of </a:t>
+              <a:t> </a:t>
             </a:r>
             <a:r>
               <a:rPr lang="en-US" sz="1200" spc="-5" dirty="0">
                 <a:latin typeface="Lucida Sans Unicode"/>
                 <a:cs typeface="Lucida Sans Unicode"/>
               </a:rPr>
-              <a:t>instructions to </a:t>
-            </a:r>
-            <a:r>
-              <a:rPr lang="en-US" sz="1200" dirty="0">
+              <a:t>at</a:t>
+            </a:r>
+            <a:r>
+              <a:rPr lang="en-US" sz="1200" spc="10" dirty="0">
                 <a:latin typeface="Lucida Sans Unicode"/>
                 <a:cs typeface="Lucida Sans Unicode"/>
               </a:rPr>
-              <a:t>a </a:t>
+              <a:t> </a:t>
             </a:r>
             <a:r>
               <a:rPr lang="en-US" sz="1200" spc="-5" dirty="0">
                 <a:latin typeface="Lucida Sans Unicode"/>
                 <a:cs typeface="Lucida Sans Unicode"/>
               </a:rPr>
-              <a:t>machine </a:t>
-            </a:r>
-            <a:r>
-              <a:rPr lang="en-US" sz="1200" dirty="0">
-                <a:latin typeface="Lucida Sans Unicode"/>
-                <a:cs typeface="Lucida Sans Unicode"/>
-              </a:rPr>
-              <a:t>which will </a:t>
-            </a:r>
-            <a:r>
-              <a:rPr lang="en-US" sz="1200" spc="-5" dirty="0">
-                <a:latin typeface="Lucida Sans Unicode"/>
-                <a:cs typeface="Lucida Sans Unicode"/>
-              </a:rPr>
-              <a:t>diligently carry them </a:t>
-            </a:r>
-            <a:r>
-              <a:rPr lang="en-US" sz="1200" dirty="0">
-                <a:latin typeface="Lucida Sans Unicode"/>
-                <a:cs typeface="Lucida Sans Unicode"/>
-              </a:rPr>
-              <a:t>out </a:t>
-            </a:r>
-            <a:r>
-              <a:rPr lang="en-US" sz="1200" spc="-5" dirty="0">
-                <a:latin typeface="Lucida Sans Unicode"/>
-                <a:cs typeface="Lucida Sans Unicode"/>
-              </a:rPr>
-              <a:t>without concern</a:t>
-            </a:r>
-            <a:r>
-              <a:rPr lang="en-US" sz="1200" spc="15" dirty="0">
-                <a:latin typeface="Lucida Sans Unicode"/>
-                <a:cs typeface="Lucida Sans Unicode"/>
-              </a:rPr>
-              <a:t> </a:t>
-            </a:r>
-            <a:r>
-              <a:rPr lang="en-US" sz="1200" dirty="0">
-                <a:latin typeface="Lucida Sans Unicode"/>
-                <a:cs typeface="Lucida Sans Unicode"/>
-              </a:rPr>
-              <a:t>or</a:t>
-            </a:r>
-            <a:r>
-              <a:rPr lang="en-US" sz="1200" spc="15" dirty="0">
-                <a:latin typeface="Lucida Sans Unicode"/>
-                <a:cs typeface="Lucida Sans Unicode"/>
-              </a:rPr>
-              <a:t> </a:t>
-            </a:r>
-            <a:r>
-              <a:rPr lang="en-US" sz="1200" spc="-5" dirty="0">
-                <a:latin typeface="Lucida Sans Unicode"/>
-                <a:cs typeface="Lucida Sans Unicode"/>
-              </a:rPr>
-              <a:t>question.	</a:t>
+              <a:t>all.</a:t>
             </a:r>
           </a:p>
           <a:p>
@@ -1303,50 +1056,78 @@
                 <a:spcPts val="100"/>
               </a:spcBef>
               <a:tabLst>
-                <a:tab pos="2992755" algn="l"/>
+                <a:tab pos="4653280" algn="l"/>
               </a:tabLst>
             </a:pPr>
+            <a:r>
+              <a:rPr lang="en-US" sz="1200" dirty="0">
+                <a:latin typeface="Lucida Sans Unicode"/>
+                <a:cs typeface="Lucida Sans Unicode"/>
+              </a:rPr>
+              <a:t>If most of your </a:t>
+            </a:r>
             <a:r>
               <a:rPr lang="en-US" sz="1200" spc="-5" dirty="0">
                 <a:latin typeface="Lucida Sans Unicode"/>
                 <a:cs typeface="Lucida Sans Unicode"/>
               </a:rPr>
-              <a:t>This, again, </a:t>
+              <a:t>time </a:t>
             </a:r>
             <a:r>
               <a:rPr lang="en-US" sz="1200" dirty="0">
                 <a:latin typeface="Lucida Sans Unicode"/>
                 <a:cs typeface="Lucida Sans Unicode"/>
               </a:rPr>
-              <a:t>is for </a:t>
+              <a:t>is </a:t>
             </a:r>
             <a:r>
               <a:rPr lang="en-US" sz="1200" spc="-5" dirty="0">
                 <a:latin typeface="Lucida Sans Unicode"/>
                 <a:cs typeface="Lucida Sans Unicode"/>
               </a:rPr>
-              <a:t>better </a:t>
+              <a:t>spent typing, </a:t>
             </a:r>
             <a:r>
               <a:rPr lang="en-US" sz="1200" dirty="0">
                 <a:latin typeface="Lucida Sans Unicode"/>
                 <a:cs typeface="Lucida Sans Unicode"/>
               </a:rPr>
-              <a:t>or for</a:t>
-            </a:r>
-            <a:r>
-              <a:rPr lang="en-US" sz="1200" spc="10" dirty="0">
-                <a:latin typeface="Lucida Sans Unicode"/>
-                <a:cs typeface="Lucida Sans Unicode"/>
-              </a:rPr>
-              <a:t> </a:t>
+              <a:t>you’re </a:t>
             </a:r>
             <a:r>
               <a:rPr lang="en-US" sz="1200" spc="-5" dirty="0">
                 <a:latin typeface="Lucida Sans Unicode"/>
                 <a:cs typeface="Lucida Sans Unicode"/>
               </a:rPr>
-              <a:t>worse.</a:t>
+              <a:t>probably </a:t>
+            </a:r>
+            <a:r>
+              <a:rPr lang="en-US" sz="1200" dirty="0">
+                <a:latin typeface="Lucida Sans Unicode"/>
+                <a:cs typeface="Lucida Sans Unicode"/>
+              </a:rPr>
+              <a:t>doing  </a:t>
+            </a:r>
+            <a:r>
+              <a:rPr lang="en-US" sz="1200" spc="-5" dirty="0">
+                <a:latin typeface="Lucida Sans Unicode"/>
+                <a:cs typeface="Lucida Sans Unicode"/>
+              </a:rPr>
+              <a:t>something</a:t>
+            </a:r>
+            <a:r>
+              <a:rPr lang="en-US" sz="1200" spc="-10" dirty="0">
+                <a:latin typeface="Lucida Sans Unicode"/>
+                <a:cs typeface="Lucida Sans Unicode"/>
+              </a:rPr>
+              <a:t> </a:t>
+            </a:r>
+            <a:r>
+              <a:rPr lang="en-US" sz="1200" spc="-5" dirty="0">
+                <a:latin typeface="Lucida Sans Unicode"/>
+                <a:cs typeface="Lucida Sans Unicode"/>
+              </a:rPr>
+              <a:t>wrong.</a:t>
             </a:r>
             <a:endParaRPr lang="en-US" sz="1200" dirty="0">
               <a:latin typeface="Lucida Sans Unicode"/>
@@ -1384,7 +1165,7 @@
     </p:spTree>
     <p:extLst>
       <p:ext uri="{BB962C8B-B14F-4D97-AF65-F5344CB8AC3E}">
-        <p14:creationId xmlns:p14="http://schemas.microsoft.com/office/powerpoint/2010/main" val="311362653"/>
+        <p14:creationId xmlns:p14="http://schemas.microsoft.com/office/powerpoint/2010/main" val="1716308229"/>
       </p:ext>
     </p:extLst>
   </p:cSld>
@@ -1438,21 +1219,232 @@
           <a:bodyPr/>
           <a:lstStyle/>
           <a:p>
-            <a:r>
-              <a:rPr lang="en-US" dirty="0"/>
-              <a:t>*</a:t>
-            </a:r>
-            <a:r>
-              <a:rPr lang="en-US" sz="1200" b="0" i="0" u="none" strike="noStrike" kern="1200" baseline="0" dirty="0">
-                <a:solidFill>
-                  <a:schemeClr val="tx1"/>
-                </a:solidFill>
-                <a:latin typeface="+mn-lt"/>
-                <a:ea typeface="+mn-ea"/>
-                <a:cs typeface="+mn-cs"/>
-              </a:rPr>
-              <a:t>Michael Crichton, Electronic Life</a:t>
-            </a:r>
+            <a:pPr marL="12700">
+              <a:lnSpc>
+                <a:spcPts val="2620"/>
+              </a:lnSpc>
+              <a:spcBef>
+                <a:spcPts val="100"/>
+              </a:spcBef>
+            </a:pPr>
+            <a:r>
+              <a:rPr lang="en-US" sz="1200" spc="-5" dirty="0">
+                <a:latin typeface="Lucida Sans Unicode"/>
+                <a:cs typeface="Lucida Sans Unicode"/>
+              </a:rPr>
+              <a:t>-Programming </a:t>
+            </a:r>
+            <a:r>
+              <a:rPr lang="en-US" sz="1200" dirty="0">
+                <a:latin typeface="Lucida Sans Unicode"/>
+                <a:cs typeface="Lucida Sans Unicode"/>
+              </a:rPr>
+              <a:t>is </a:t>
+            </a:r>
+            <a:r>
+              <a:rPr lang="en-US" sz="1200" spc="-5" dirty="0">
+                <a:latin typeface="Lucida Sans Unicode"/>
+                <a:cs typeface="Lucida Sans Unicode"/>
+              </a:rPr>
+              <a:t>about </a:t>
+            </a:r>
+            <a:r>
+              <a:rPr lang="en-US" sz="1200" dirty="0">
+                <a:latin typeface="Lucida Sans Unicode"/>
+                <a:cs typeface="Lucida Sans Unicode"/>
+              </a:rPr>
+              <a:t>solving</a:t>
+            </a:r>
+            <a:r>
+              <a:rPr lang="en-US" sz="1200" spc="-5" dirty="0">
+                <a:latin typeface="Lucida Sans Unicode"/>
+                <a:cs typeface="Lucida Sans Unicode"/>
+              </a:rPr>
+              <a:t> problems.</a:t>
+            </a:r>
+            <a:endParaRPr lang="en-US" sz="1200" dirty="0">
+              <a:latin typeface="Lucida Sans Unicode"/>
+              <a:cs typeface="Lucida Sans Unicode"/>
+            </a:endParaRPr>
+          </a:p>
+          <a:p>
+            <a:pPr marL="12700" marR="5080">
+              <a:lnSpc>
+                <a:spcPts val="2600"/>
+              </a:lnSpc>
+              <a:spcBef>
+                <a:spcPts val="100"/>
+              </a:spcBef>
+              <a:tabLst>
+                <a:tab pos="2992755" algn="l"/>
+              </a:tabLst>
+            </a:pPr>
+            <a:r>
+              <a:rPr lang="en-US" sz="1200" spc="-5" dirty="0">
+                <a:latin typeface="Lucida Sans Unicode"/>
+                <a:cs typeface="Lucida Sans Unicode"/>
+              </a:rPr>
+              <a:t>-You give </a:t>
+            </a:r>
+            <a:r>
+              <a:rPr lang="en-US" sz="1200" dirty="0">
+                <a:latin typeface="Lucida Sans Unicode"/>
+                <a:cs typeface="Lucida Sans Unicode"/>
+              </a:rPr>
+              <a:t>a </a:t>
+            </a:r>
+            <a:r>
+              <a:rPr lang="en-US" sz="1200" spc="-5" dirty="0">
+                <a:latin typeface="Lucida Sans Unicode"/>
+                <a:cs typeface="Lucida Sans Unicode"/>
+              </a:rPr>
+              <a:t>series </a:t>
+            </a:r>
+            <a:r>
+              <a:rPr lang="en-US" sz="1200" dirty="0">
+                <a:latin typeface="Lucida Sans Unicode"/>
+                <a:cs typeface="Lucida Sans Unicode"/>
+              </a:rPr>
+              <a:t>of </a:t>
+            </a:r>
+            <a:r>
+              <a:rPr lang="en-US" sz="1200" spc="-5" dirty="0">
+                <a:latin typeface="Lucida Sans Unicode"/>
+                <a:cs typeface="Lucida Sans Unicode"/>
+              </a:rPr>
+              <a:t>instructions to </a:t>
+            </a:r>
+            <a:r>
+              <a:rPr lang="en-US" sz="1200" dirty="0">
+                <a:latin typeface="Lucida Sans Unicode"/>
+                <a:cs typeface="Lucida Sans Unicode"/>
+              </a:rPr>
+              <a:t>a </a:t>
+            </a:r>
+            <a:r>
+              <a:rPr lang="en-US" sz="1200" spc="-5" dirty="0">
+                <a:latin typeface="Lucida Sans Unicode"/>
+                <a:cs typeface="Lucida Sans Unicode"/>
+              </a:rPr>
+              <a:t>machine </a:t>
+            </a:r>
+            <a:r>
+              <a:rPr lang="en-US" sz="1200" dirty="0">
+                <a:latin typeface="Lucida Sans Unicode"/>
+                <a:cs typeface="Lucida Sans Unicode"/>
+              </a:rPr>
+              <a:t>which will </a:t>
+            </a:r>
+            <a:r>
+              <a:rPr lang="en-US" sz="1200" spc="-5" dirty="0">
+                <a:latin typeface="Lucida Sans Unicode"/>
+                <a:cs typeface="Lucida Sans Unicode"/>
+              </a:rPr>
+              <a:t>diligently carry them </a:t>
+            </a:r>
+            <a:r>
+              <a:rPr lang="en-US" sz="1200" dirty="0">
+                <a:latin typeface="Lucida Sans Unicode"/>
+                <a:cs typeface="Lucida Sans Unicode"/>
+              </a:rPr>
+              <a:t>out </a:t>
+            </a:r>
+            <a:r>
+              <a:rPr lang="en-US" sz="1200" spc="-5" dirty="0">
+                <a:latin typeface="Lucida Sans Unicode"/>
+                <a:cs typeface="Lucida Sans Unicode"/>
+              </a:rPr>
+              <a:t>without concern</a:t>
+            </a:r>
+            <a:r>
+              <a:rPr lang="en-US" sz="1200" spc="15" dirty="0">
+                <a:latin typeface="Lucida Sans Unicode"/>
+                <a:cs typeface="Lucida Sans Unicode"/>
+              </a:rPr>
+              <a:t> </a:t>
+            </a:r>
+            <a:r>
+              <a:rPr lang="en-US" sz="1200" dirty="0">
+                <a:latin typeface="Lucida Sans Unicode"/>
+                <a:cs typeface="Lucida Sans Unicode"/>
+              </a:rPr>
+              <a:t>or</a:t>
+            </a:r>
+            <a:r>
+              <a:rPr lang="en-US" sz="1200" spc="15" dirty="0">
+                <a:latin typeface="Lucida Sans Unicode"/>
+                <a:cs typeface="Lucida Sans Unicode"/>
+              </a:rPr>
+              <a:t> </a:t>
+            </a:r>
+            <a:r>
+              <a:rPr lang="en-US" sz="1200" spc="-5" dirty="0">
+                <a:latin typeface="Lucida Sans Unicode"/>
+                <a:cs typeface="Lucida Sans Unicode"/>
+              </a:rPr>
+              <a:t>question.	</a:t>
+            </a:r>
+          </a:p>
+          <a:p>
+            <a:pPr marL="12700" marR="5080">
+              <a:lnSpc>
+                <a:spcPts val="2600"/>
+              </a:lnSpc>
+              <a:spcBef>
+                <a:spcPts val="100"/>
+              </a:spcBef>
+              <a:tabLst>
+                <a:tab pos="2992755" algn="l"/>
+              </a:tabLst>
+            </a:pPr>
+            <a:r>
+              <a:rPr lang="en-US" sz="1200" spc="-5" dirty="0">
+                <a:latin typeface="Lucida Sans Unicode"/>
+                <a:cs typeface="Lucida Sans Unicode"/>
+              </a:rPr>
+              <a:t>This, again, </a:t>
+            </a:r>
+            <a:r>
+              <a:rPr lang="en-US" sz="1200" dirty="0">
+                <a:latin typeface="Lucida Sans Unicode"/>
+                <a:cs typeface="Lucida Sans Unicode"/>
+              </a:rPr>
+              <a:t>is for </a:t>
+            </a:r>
+            <a:r>
+              <a:rPr lang="en-US" sz="1200" spc="-5" dirty="0">
+                <a:latin typeface="Lucida Sans Unicode"/>
+                <a:cs typeface="Lucida Sans Unicode"/>
+              </a:rPr>
+              <a:t>better </a:t>
+            </a:r>
+            <a:r>
+              <a:rPr lang="en-US" sz="1200" dirty="0">
+                <a:latin typeface="Lucida Sans Unicode"/>
+                <a:cs typeface="Lucida Sans Unicode"/>
+              </a:rPr>
+              <a:t>or for</a:t>
+            </a:r>
+            <a:r>
+              <a:rPr lang="en-US" sz="1200" spc="10" dirty="0">
+                <a:latin typeface="Lucida Sans Unicode"/>
+                <a:cs typeface="Lucida Sans Unicode"/>
+              </a:rPr>
+              <a:t> </a:t>
+            </a:r>
+            <a:r>
+              <a:rPr lang="en-US" sz="1200" spc="-5" dirty="0">
+                <a:latin typeface="Lucida Sans Unicode"/>
+                <a:cs typeface="Lucida Sans Unicode"/>
+              </a:rPr>
+              <a:t>worse.</a:t>
+            </a:r>
+            <a:endParaRPr lang="en-US" sz="1200" dirty="0">
+              <a:latin typeface="Lucida Sans Unicode"/>
+              <a:cs typeface="Lucida Sans Unicode"/>
+            </a:endParaRPr>
+          </a:p>
+          <a:p>
             <a:endParaRPr lang="en-US" dirty="0"/>
           </a:p>
         </p:txBody>
@@ -1464,7 +1456,7 @@
             <a:spLocks noGrp="1"/>
           </p:cNvSpPr>
           <p:nvPr>
-            <p:ph type="sldNum" sz="quarter" idx="10"/>
+            <p:ph type="sldNum" sz="quarter" idx="5"/>
           </p:nvPr>
         </p:nvSpPr>
         <p:spPr/>
@@ -1483,7 +1475,7 @@
     </p:spTree>
     <p:extLst>
       <p:ext uri="{BB962C8B-B14F-4D97-AF65-F5344CB8AC3E}">
-        <p14:creationId xmlns:p14="http://schemas.microsoft.com/office/powerpoint/2010/main" val="1897739886"/>
+        <p14:creationId xmlns:p14="http://schemas.microsoft.com/office/powerpoint/2010/main" val="311362653"/>
       </p:ext>
     </p:extLst>
   </p:cSld>
@@ -1537,6 +1529,105 @@
           <a:bodyPr/>
           <a:lstStyle/>
           <a:p>
+            <a:r>
+              <a:rPr lang="en-US" dirty="0"/>
+              <a:t>*</a:t>
+            </a:r>
+            <a:r>
+              <a:rPr lang="en-US" sz="1200" b="0" i="0" u="none" strike="noStrike" kern="1200" baseline="0" dirty="0">
+                <a:solidFill>
+                  <a:schemeClr val="tx1"/>
+                </a:solidFill>
+                <a:latin typeface="+mn-lt"/>
+                <a:ea typeface="+mn-ea"/>
+                <a:cs typeface="+mn-cs"/>
+              </a:rPr>
+              <a:t>Michael Crichton, Electronic Life</a:t>
+            </a:r>
+            <a:endParaRPr lang="en-US" dirty="0"/>
+          </a:p>
+        </p:txBody>
+      </p:sp>
+      <p:sp>
+        <p:nvSpPr>
+          <p:cNvPr id="4" name="Slide Number Placeholder 3"/>
+          <p:cNvSpPr>
+            <a:spLocks noGrp="1"/>
+          </p:cNvSpPr>
+          <p:nvPr>
+            <p:ph type="sldNum" sz="quarter" idx="10"/>
+          </p:nvPr>
+        </p:nvSpPr>
+        <p:spPr/>
+        <p:txBody>
+          <a:bodyPr/>
+          <a:lstStyle/>
+          <a:p>
+            <a:fld id="{E3FB5458-7096-4ABB-810B-D4FB5505A567}" type="slidenum">
+              <a:rPr lang="en-US" smtClean="0"/>
+              <a:t>11</a:t>
+            </a:fld>
+            <a:endParaRPr lang="en-US"/>
+          </a:p>
+        </p:txBody>
+      </p:sp>
+    </p:spTree>
+    <p:extLst>
+      <p:ext uri="{BB962C8B-B14F-4D97-AF65-F5344CB8AC3E}">
+        <p14:creationId xmlns:p14="http://schemas.microsoft.com/office/powerpoint/2010/main" val="1897739886"/>
+      </p:ext>
+    </p:extLst>
+  </p:cSld>
+  <p:clrMapOvr>
+    <a:masterClrMapping/>
+  </p:clrMapOvr>
+</p:notes>
+</file>
+
+<file path=ppt/notesSlides/notesSlide8.xml><?xml version="1.0" encoding="utf-8"?>
+<p:notes xmlns:a="http://schemas.openxmlformats.org/drawingml/2006/main" xmlns:r="http://schemas.openxmlformats.org/officeDocument/2006/relationships" xmlns:p="http://schemas.openxmlformats.org/presentationml/2006/main">
+  <p:cSld>
+    <p:spTree>
+      <p:nvGrpSpPr>
+        <p:cNvPr id="1" name=""/>
+        <p:cNvGrpSpPr/>
+        <p:nvPr/>
+      </p:nvGrpSpPr>
+      <p:grpSpPr>
+        <a:xfrm>
+          <a:off x="0" y="0"/>
+          <a:ext cx="0" cy="0"/>
+          <a:chOff x="0" y="0"/>
+          <a:chExt cx="0" cy="0"/>
+        </a:xfrm>
+      </p:grpSpPr>
+      <p:sp>
+        <p:nvSpPr>
+          <p:cNvPr id="2" name="Slide Image Placeholder 1"/>
+          <p:cNvSpPr>
+            <a:spLocks noGrp="1" noRot="1" noChangeAspect="1"/>
+          </p:cNvSpPr>
+          <p:nvPr>
+            <p:ph type="sldImg"/>
+          </p:nvPr>
+        </p:nvSpPr>
+        <p:spPr/>
+      </p:sp>
+      <p:sp>
+        <p:nvSpPr>
+          <p:cNvPr id="3" name="Notes Placeholder 2"/>
+          <p:cNvSpPr>
+            <a:spLocks noGrp="1"/>
+          </p:cNvSpPr>
+          <p:nvPr>
+            <p:ph type="body" idx="1"/>
+          </p:nvPr>
+        </p:nvSpPr>
+        <p:spPr/>
+        <p:txBody>
+          <a:bodyPr/>
+          <a:lstStyle/>
+          <a:p>
             <a:pPr marL="0" marR="0" lvl="0" indent="0" algn="l" defTabSz="914400" rtl="0" eaLnBrk="1" fontAlgn="auto" latinLnBrk="0" hangingPunct="1">
               <a:lnSpc>
                 <a:spcPct val="100000"/>
@@ -1616,7 +1707,7 @@
           <a:p>
             <a:fld id="{E3FB5458-7096-4ABB-810B-D4FB5505A567}" type="slidenum">
               <a:rPr lang="en-US" smtClean="0"/>
-              <a:t>13</a:t>
+              <a:t>14</a:t>
             </a:fld>
             <a:endParaRPr lang="en-US"/>
           </a:p>
@@ -1774,7 +1865,7 @@
           <a:p>
             <a:fld id="{1D8BD707-D9CF-40AE-B4C6-C98DA3205C09}" type="datetimeFigureOut">
               <a:rPr lang="en-US"/>
-              <a:t>8/25/2020</a:t>
+              <a:t>1/22/21</a:t>
             </a:fld>
             <a:endParaRPr lang="en-US"/>
           </a:p>
@@ -1951,7 +2042,7 @@
           <a:p>
             <a:fld id="{1D8BD707-D9CF-40AE-B4C6-C98DA3205C09}" type="datetimeFigureOut">
               <a:rPr lang="en-US"/>
-              <a:t>8/25/2020</a:t>
+              <a:t>1/22/21</a:t>
             </a:fld>
             <a:endParaRPr lang="en-US"/>
           </a:p>
@@ -2165,7 +2256,7 @@
           <a:p>
             <a:fld id="{1D8BD707-D9CF-40AE-B4C6-C98DA3205C09}" type="datetimeFigureOut">
               <a:rPr lang="en-US"/>
-              <a:t>8/25/2020</a:t>
+              <a:t>1/22/21</a:t>
             </a:fld>
             <a:endParaRPr lang="en-US"/>
           </a:p>
@@ -2313,7 +2404,7 @@
           <a:p>
             <a:fld id="{1D8BD707-D9CF-40AE-B4C6-C98DA3205C09}" type="datetimeFigureOut">
               <a:rPr lang="en-US"/>
-              <a:t>8/25/2020</a:t>
+              <a:t>1/22/21</a:t>
             </a:fld>
             <a:endParaRPr lang="en-US"/>
           </a:p>
@@ -2592,7 +2683,7 @@
           <a:p>
             <a:fld id="{1D8BD707-D9CF-40AE-B4C6-C98DA3205C09}" type="datetimeFigureOut">
               <a:rPr lang="en-US"/>
-              <a:t>8/25/2020</a:t>
+              <a:t>1/22/21</a:t>
             </a:fld>
             <a:endParaRPr lang="en-US"/>
           </a:p>
@@ -2817,7 +2908,7 @@
           <a:p>
             <a:fld id="{1D8BD707-D9CF-40AE-B4C6-C98DA3205C09}" type="datetimeFigureOut">
               <a:rPr lang="en-US"/>
-              <a:t>8/25/2020</a:t>
+              <a:t>1/22/21</a:t>
             </a:fld>
             <a:endParaRPr lang="en-US"/>
           </a:p>
@@ -3106,45 +3197,21 @@
               <a:rPr lang="en-US" sz="3600" spc="-70" dirty="0" err="1"/>
               <a:t>Jalali</a:t>
             </a:r>
-            <a:r>
-              <a:rPr lang="en-US" sz="3600" spc="-70" dirty="0"/>
-              <a:t/>
-            </a:r>
             <a:br>
               <a:rPr lang="en-US" sz="3600" spc="-70" dirty="0"/>
             </a:br>
-            <a:r>
-              <a:rPr lang="en-US" sz="3600" spc="-70" dirty="0"/>
-              <a:t/>
-            </a:r>
             <a:br>
               <a:rPr lang="en-US" sz="3600" spc="-70" dirty="0"/>
             </a:br>
-            <a:r>
-              <a:rPr lang="en-US" sz="3600" spc="-70" dirty="0"/>
-              <a:t/>
-            </a:r>
             <a:br>
               <a:rPr lang="en-US" sz="3600" spc="-70" dirty="0"/>
             </a:br>
-            <a:r>
-              <a:rPr lang="en-US" sz="3600" spc="-70" dirty="0"/>
-              <a:t/>
-            </a:r>
             <a:br>
               <a:rPr lang="en-US" sz="3600" spc="-70" dirty="0"/>
             </a:br>
-            <a:r>
-              <a:rPr lang="en-US" sz="3600" spc="-70" dirty="0"/>
-              <a:t/>
-            </a:r>
             <a:br>
               <a:rPr lang="en-US" sz="3600" spc="-70" dirty="0"/>
             </a:br>
-            <a:r>
-              <a:rPr lang="en-US" sz="3600" spc="-70" dirty="0"/>
-              <a:t/>
-            </a:r>
             <a:br>
               <a:rPr lang="en-US" sz="3600" spc="-70" dirty="0"/>
             </a:br>
@@ -3217,7 +3284,7 @@
 </file>
 
 <file path=ppt/slides/slide10.xml><?xml version="1.0" encoding="utf-8"?>
-<p:sld xmlns:a="http://schemas.openxmlformats.org/drawingml/2006/main" xmlns:r="http://schemas.openxmlformats.org/officeDocument/2006/relationships" xmlns:p="http://schemas.openxmlformats.org/presentationml/2006/main">
+<p:sld xmlns:a="http://schemas.openxmlformats.org/drawingml/2006/main" xmlns:r="http://schemas.openxmlformats.org/officeDocument/2006/relationships" xmlns:p="http://schemas.openxmlformats.org/presentationml/2006/main" showMasterSp="0">
   <p:cSld>
     <p:spTree>
       <p:nvGrpSpPr>
@@ -3245,8 +3312,8 @@
         </p:nvSpPr>
         <p:spPr>
           <a:xfrm>
-            <a:off x="1923143" y="949983"/>
-            <a:ext cx="10515600" cy="1120820"/>
+            <a:off x="1606537" y="4165600"/>
+            <a:ext cx="9791700" cy="1305560"/>
           </a:xfrm>
           <a:prstGeom prst="rect">
             <a:avLst/>
@@ -3265,162 +3332,60 @@
               <a:spcBef>
                 <a:spcPts val="100"/>
               </a:spcBef>
-            </a:pPr>
-            <a:r>
-              <a:rPr lang="en-US" sz="7200" dirty="0"/>
-              <a:t>Wh</a:t>
-            </a:r>
-            <a:r>
-              <a:rPr lang="en-US" sz="7200" spc="-5" dirty="0"/>
-              <a:t>a</a:t>
-            </a:r>
-            <a:r>
-              <a:rPr lang="en-US" sz="7200" dirty="0"/>
-              <a:t>t</a:t>
-            </a:r>
-            <a:r>
-              <a:rPr lang="en-US" sz="7200" spc="-5" dirty="0"/>
-              <a:t> i</a:t>
-            </a:r>
-            <a:r>
-              <a:rPr lang="en-US" sz="7200" dirty="0"/>
-              <a:t>s p</a:t>
-            </a:r>
-            <a:r>
-              <a:rPr lang="en-US" sz="7200" spc="-210" dirty="0"/>
-              <a:t>r</a:t>
-            </a:r>
-            <a:r>
-              <a:rPr lang="en-US" sz="7200" dirty="0"/>
-              <a:t>ogr</a:t>
-            </a:r>
-            <a:r>
-              <a:rPr lang="en-US" sz="7200" spc="-5" dirty="0"/>
-              <a:t>a</a:t>
-            </a:r>
-            <a:r>
-              <a:rPr lang="en-US" sz="7200" dirty="0"/>
-              <a:t>mmin</a:t>
-            </a:r>
-            <a:r>
-              <a:rPr lang="en-US" sz="7200" spc="-5" dirty="0"/>
-              <a:t>g</a:t>
-            </a:r>
-            <a:r>
-              <a:rPr lang="en-US" sz="7200" dirty="0"/>
-              <a:t>?</a:t>
-            </a:r>
-            <a:endParaRPr sz="7200" spc="-5" dirty="0"/>
-          </a:p>
-        </p:txBody>
-      </p:sp>
-      <p:sp>
-        <p:nvSpPr>
-          <p:cNvPr id="3" name="object 3"/>
-          <p:cNvSpPr txBox="1"/>
-          <p:nvPr/>
-        </p:nvSpPr>
-        <p:spPr>
-          <a:xfrm>
-            <a:off x="635000" y="2959100"/>
-            <a:ext cx="11811000" cy="4347344"/>
-          </a:xfrm>
-          <a:prstGeom prst="rect">
-            <a:avLst/>
-          </a:prstGeom>
-        </p:spPr>
-        <p:txBody>
-          <a:bodyPr vert="horz" wrap="square" lIns="0" tIns="12700" rIns="0" bIns="0" rtlCol="0">
-            <a:spAutoFit/>
-          </a:bodyPr>
-          <a:lstStyle/>
-          <a:p>
-            <a:pPr marL="38100">
-              <a:lnSpc>
-                <a:spcPct val="100000"/>
-              </a:lnSpc>
-              <a:spcBef>
-                <a:spcPts val="100"/>
-              </a:spcBef>
-              <a:buSzPct val="170238"/>
               <a:tabLst>
-                <a:tab pos="609600" algn="l"/>
+                <a:tab pos="3704590" algn="l"/>
               </a:tabLst>
             </a:pPr>
             <a:r>
-              <a:rPr lang="en-US" sz="4000" spc="-5" dirty="0">
-                <a:latin typeface="Gill Sans MT"/>
-                <a:cs typeface="Gill Sans MT"/>
-              </a:rPr>
-              <a:t>“In my experience, you assert control over a computer–show it who’s the boss– by making it do something unique. That means programming it... </a:t>
-            </a:r>
-          </a:p>
-          <a:p>
-            <a:pPr marL="38100">
-              <a:lnSpc>
-                <a:spcPct val="100000"/>
-              </a:lnSpc>
-              <a:spcBef>
-                <a:spcPts val="100"/>
-              </a:spcBef>
-              <a:buSzPct val="170238"/>
-              <a:tabLst>
-                <a:tab pos="609600" algn="l"/>
-              </a:tabLst>
-            </a:pPr>
-            <a:r>
-              <a:rPr lang="en-US" sz="4000" spc="-5" dirty="0">
-                <a:latin typeface="Gill Sans MT"/>
-                <a:cs typeface="Gill Sans MT"/>
-              </a:rPr>
-              <a:t>If you devote a couple of hours to programming a new machine, you’ll feel better about it ever afterwards.”</a:t>
-            </a:r>
-          </a:p>
-          <a:p>
-            <a:pPr marL="38100">
-              <a:spcBef>
-                <a:spcPts val="100"/>
-              </a:spcBef>
-              <a:buSzPct val="170238"/>
-              <a:tabLst>
-                <a:tab pos="609600" algn="l"/>
-              </a:tabLst>
-            </a:pPr>
-            <a:r>
-              <a:rPr lang="en-US" sz="3200" i="1" spc="-5" dirty="0">
-                <a:latin typeface="Gill Sans MT"/>
-                <a:cs typeface="Gill Sans MT"/>
-              </a:rPr>
-              <a:t>-</a:t>
-            </a:r>
-            <a:r>
-              <a:rPr lang="en-US" sz="3200" i="1" dirty="0"/>
-              <a:t>Michael Crichton, Electronic Life</a:t>
-            </a:r>
-          </a:p>
-          <a:p>
-            <a:pPr marL="38100">
-              <a:lnSpc>
-                <a:spcPct val="100000"/>
-              </a:lnSpc>
-              <a:spcBef>
-                <a:spcPts val="100"/>
-              </a:spcBef>
-              <a:buSzPct val="170238"/>
-              <a:tabLst>
-                <a:tab pos="609600" algn="l"/>
-              </a:tabLst>
-            </a:pPr>
-            <a:endParaRPr sz="4000" dirty="0">
-              <a:latin typeface="Gill Sans MT"/>
-              <a:cs typeface="Gill Sans MT"/>
-            </a:endParaRPr>
-          </a:p>
-        </p:txBody>
-      </p:sp>
-      <p:sp>
-        <p:nvSpPr>
-          <p:cNvPr id="4" name="object 4"/>
+              <a:rPr dirty="0"/>
+              <a:t>Wh</a:t>
+            </a:r>
+            <a:r>
+              <a:rPr spc="-5" dirty="0"/>
+              <a:t>a</a:t>
+            </a:r>
+            <a:r>
+              <a:rPr dirty="0"/>
+              <a:t>t</a:t>
+            </a:r>
+            <a:r>
+              <a:rPr spc="-5" dirty="0"/>
+              <a:t> i</a:t>
+            </a:r>
+            <a:r>
+              <a:rPr dirty="0"/>
+              <a:t>s	p</a:t>
+            </a:r>
+            <a:r>
+              <a:rPr spc="-210" dirty="0"/>
+              <a:t>r</a:t>
+            </a:r>
+            <a:r>
+              <a:rPr dirty="0"/>
+              <a:t>ogr</a:t>
+            </a:r>
+            <a:r>
+              <a:rPr spc="-5" dirty="0"/>
+              <a:t>a</a:t>
+            </a:r>
+            <a:r>
+              <a:rPr dirty="0"/>
+              <a:t>mmin</a:t>
+            </a:r>
+            <a:r>
+              <a:rPr spc="-5" dirty="0"/>
+              <a:t>g</a:t>
+            </a:r>
+            <a:r>
+              <a:rPr dirty="0"/>
+              <a:t>?</a:t>
+            </a:r>
+          </a:p>
+        </p:txBody>
+      </p:sp>
+      <p:sp>
+        <p:nvSpPr>
+          <p:cNvPr id="3" name="object 3"/>
           <p:cNvSpPr/>
           <p:nvPr/>
         </p:nvSpPr>
@@ -3471,11 +3436,6 @@
         </p:txBody>
       </p:sp>
     </p:spTree>
-    <p:extLst>
-      <p:ext uri="{BB962C8B-B14F-4D97-AF65-F5344CB8AC3E}">
-        <p14:creationId xmlns:p14="http://schemas.microsoft.com/office/powerpoint/2010/main" val="2096067662"/>
-      </p:ext>
-    </p:extLst>
   </p:cSld>
   <p:clrMapOvr>
     <a:masterClrMapping/>
@@ -3484,7 +3444,7 @@
 </file>
 
 <file path=ppt/slides/slide11.xml><?xml version="1.0" encoding="utf-8"?>
-<p:sld xmlns:a="http://schemas.openxmlformats.org/drawingml/2006/main" xmlns:r="http://schemas.openxmlformats.org/officeDocument/2006/relationships" xmlns:p="http://schemas.openxmlformats.org/presentationml/2006/main" showMasterSp="0">
+<p:sld xmlns:a="http://schemas.openxmlformats.org/drawingml/2006/main" xmlns:r="http://schemas.openxmlformats.org/officeDocument/2006/relationships" xmlns:p="http://schemas.openxmlformats.org/presentationml/2006/main">
   <p:cSld>
     <p:spTree>
       <p:nvGrpSpPr>
@@ -3511,50 +3471,183 @@
           </p:nvPr>
         </p:nvSpPr>
         <p:spPr>
+          <a:xfrm>
+            <a:off x="1923143" y="949983"/>
+            <a:ext cx="10515600" cy="1120820"/>
+          </a:xfrm>
           <a:prstGeom prst="rect">
             <a:avLst/>
           </a:prstGeom>
         </p:spPr>
         <p:txBody>
-          <a:bodyPr vert="horz" wrap="square" lIns="0" tIns="104139" rIns="0" bIns="0" rtlCol="0">
+          <a:bodyPr vert="horz" wrap="square" lIns="0" tIns="12700" rIns="0" bIns="0" rtlCol="0">
             <a:spAutoFit/>
           </a:bodyPr>
           <a:lstStyle/>
           <a:p>
-            <a:pPr marL="3307079" marR="5080" indent="-1497965">
+            <a:pPr marL="12700">
               <a:lnSpc>
-                <a:spcPts val="9600"/>
+                <a:spcPct val="100000"/>
               </a:lnSpc>
               <a:spcBef>
-                <a:spcPts val="819"/>
+                <a:spcPts val="100"/>
               </a:spcBef>
             </a:pPr>
             <a:r>
-              <a:rPr spc="-55" dirty="0"/>
-              <a:t>Exercise: </a:t>
-            </a:r>
-            <a:r>
-              <a:rPr spc="-65" dirty="0"/>
-              <a:t>Make</a:t>
-            </a:r>
-            <a:r>
-              <a:rPr spc="-855" dirty="0"/>
-              <a:t> </a:t>
-            </a:r>
-            <a:r>
-              <a:rPr dirty="0"/>
-              <a:t>a  </a:t>
-            </a:r>
-            <a:r>
-              <a:rPr spc="-5" dirty="0"/>
-              <a:t>Sandwich</a:t>
-            </a:r>
+              <a:rPr lang="en-US" sz="7200" dirty="0"/>
+              <a:t>Wh</a:t>
+            </a:r>
+            <a:r>
+              <a:rPr lang="en-US" sz="7200" spc="-5" dirty="0"/>
+              <a:t>a</a:t>
+            </a:r>
+            <a:r>
+              <a:rPr lang="en-US" sz="7200" dirty="0"/>
+              <a:t>t</a:t>
+            </a:r>
+            <a:r>
+              <a:rPr lang="en-US" sz="7200" spc="-5" dirty="0"/>
+              <a:t> i</a:t>
+            </a:r>
+            <a:r>
+              <a:rPr lang="en-US" sz="7200" dirty="0"/>
+              <a:t>s p</a:t>
+            </a:r>
+            <a:r>
+              <a:rPr lang="en-US" sz="7200" spc="-210" dirty="0"/>
+              <a:t>r</a:t>
+            </a:r>
+            <a:r>
+              <a:rPr lang="en-US" sz="7200" dirty="0"/>
+              <a:t>ogr</a:t>
+            </a:r>
+            <a:r>
+              <a:rPr lang="en-US" sz="7200" spc="-5" dirty="0"/>
+              <a:t>a</a:t>
+            </a:r>
+            <a:r>
+              <a:rPr lang="en-US" sz="7200" dirty="0"/>
+              <a:t>mmin</a:t>
+            </a:r>
+            <a:r>
+              <a:rPr lang="en-US" sz="7200" spc="-5" dirty="0"/>
+              <a:t>g</a:t>
+            </a:r>
+            <a:r>
+              <a:rPr lang="en-US" sz="7200" dirty="0"/>
+              <a:t>?</a:t>
+            </a:r>
+            <a:endParaRPr sz="7200" spc="-5" dirty="0"/>
           </a:p>
         </p:txBody>
       </p:sp>
       <p:sp>
         <p:nvSpPr>
           <p:cNvPr id="3" name="object 3"/>
+          <p:cNvSpPr txBox="1"/>
+          <p:nvPr/>
+        </p:nvSpPr>
+        <p:spPr>
+          <a:xfrm>
+            <a:off x="635000" y="2959100"/>
+            <a:ext cx="11811000" cy="4347344"/>
+          </a:xfrm>
+          <a:prstGeom prst="rect">
+            <a:avLst/>
+          </a:prstGeom>
+        </p:spPr>
+        <p:txBody>
+          <a:bodyPr vert="horz" wrap="square" lIns="0" tIns="12700" rIns="0" bIns="0" rtlCol="0">
+            <a:spAutoFit/>
+          </a:bodyPr>
+          <a:lstStyle/>
+          <a:p>
+            <a:pPr marL="38100">
+              <a:lnSpc>
+                <a:spcPct val="100000"/>
+              </a:lnSpc>
+              <a:spcBef>
+                <a:spcPts val="100"/>
+              </a:spcBef>
+              <a:buSzPct val="170238"/>
+              <a:tabLst>
+                <a:tab pos="609600" algn="l"/>
+              </a:tabLst>
+            </a:pPr>
+            <a:r>
+              <a:rPr lang="en-US" sz="4000" spc="-5" dirty="0">
+                <a:latin typeface="Gill Sans MT"/>
+                <a:cs typeface="Gill Sans MT"/>
+              </a:rPr>
+              <a:t>“In my experience, you assert control over a computer–show it who’s the boss– by making it do something unique. That means programming it... </a:t>
+            </a:r>
+          </a:p>
+          <a:p>
+            <a:pPr marL="38100">
+              <a:lnSpc>
+                <a:spcPct val="100000"/>
+              </a:lnSpc>
+              <a:spcBef>
+                <a:spcPts val="100"/>
+              </a:spcBef>
+              <a:buSzPct val="170238"/>
+              <a:tabLst>
+                <a:tab pos="609600" algn="l"/>
+              </a:tabLst>
+            </a:pPr>
+            <a:r>
+              <a:rPr lang="en-US" sz="4000" spc="-5" dirty="0">
+                <a:latin typeface="Gill Sans MT"/>
+                <a:cs typeface="Gill Sans MT"/>
+              </a:rPr>
+              <a:t>If you devote a couple of hours to programming a new machine, you’ll feel better about it ever afterwards.”</a:t>
+            </a:r>
+          </a:p>
+          <a:p>
+            <a:pPr marL="38100">
+              <a:spcBef>
+                <a:spcPts val="100"/>
+              </a:spcBef>
+              <a:buSzPct val="170238"/>
+              <a:tabLst>
+                <a:tab pos="609600" algn="l"/>
+              </a:tabLst>
+            </a:pPr>
+            <a:r>
+              <a:rPr lang="en-US" sz="3200" i="1" spc="-5" dirty="0">
+                <a:latin typeface="Gill Sans MT"/>
+                <a:cs typeface="Gill Sans MT"/>
+              </a:rPr>
+              <a:t>-</a:t>
+            </a:r>
+            <a:r>
+              <a:rPr lang="en-US" sz="3200" i="1" dirty="0"/>
+              <a:t>Michael Crichton, Electronic Life</a:t>
+            </a:r>
+          </a:p>
+          <a:p>
+            <a:pPr marL="38100">
+              <a:lnSpc>
+                <a:spcPct val="100000"/>
+              </a:lnSpc>
+              <a:spcBef>
+                <a:spcPts val="100"/>
+              </a:spcBef>
+              <a:buSzPct val="170238"/>
+              <a:tabLst>
+                <a:tab pos="609600" algn="l"/>
+              </a:tabLst>
+            </a:pPr>
+            <a:endParaRPr sz="4000" dirty="0">
+              <a:latin typeface="Gill Sans MT"/>
+              <a:cs typeface="Gill Sans MT"/>
+            </a:endParaRPr>
+          </a:p>
+        </p:txBody>
+      </p:sp>
+      <p:sp>
+        <p:nvSpPr>
+          <p:cNvPr id="4" name="object 4"/>
           <p:cNvSpPr/>
           <p:nvPr/>
         </p:nvSpPr>
@@ -3605,6 +3698,11 @@
         </p:txBody>
       </p:sp>
     </p:spTree>
+    <p:extLst>
+      <p:ext uri="{BB962C8B-B14F-4D97-AF65-F5344CB8AC3E}">
+        <p14:creationId xmlns:p14="http://schemas.microsoft.com/office/powerpoint/2010/main" val="2096067662"/>
+      </p:ext>
+    </p:extLst>
   </p:cSld>
   <p:clrMapOvr>
     <a:masterClrMapping/>
@@ -3640,10 +3738,6 @@
           </p:nvPr>
         </p:nvSpPr>
         <p:spPr>
-          <a:xfrm>
-            <a:off x="2224323" y="203200"/>
-            <a:ext cx="8555990" cy="2524760"/>
-          </a:xfrm>
           <a:prstGeom prst="rect">
             <a:avLst/>
           </a:prstGeom>
@@ -3654,56 +3748,33 @@
           </a:bodyPr>
           <a:lstStyle/>
           <a:p>
-            <a:pPr marL="12700" marR="5080" indent="698500">
+            <a:pPr marL="3307079" marR="5080" indent="-1497965">
               <a:lnSpc>
                 <a:spcPts val="9600"/>
               </a:lnSpc>
               <a:spcBef>
                 <a:spcPts val="819"/>
               </a:spcBef>
-              <a:tabLst>
-                <a:tab pos="6359525" algn="l"/>
-              </a:tabLst>
             </a:pPr>
             <a:r>
+              <a:rPr spc="-55" dirty="0"/>
+              <a:t>Exercise: </a:t>
+            </a:r>
+            <a:r>
+              <a:rPr spc="-65" dirty="0"/>
+              <a:t>Make</a:t>
+            </a:r>
+            <a:r>
+              <a:rPr spc="-855" dirty="0"/>
+              <a:t> </a:t>
+            </a:r>
+            <a:r>
+              <a:rPr dirty="0"/>
+              <a:t>a  </a:t>
+            </a:r>
+            <a:r>
               <a:rPr spc="-5" dirty="0"/>
-              <a:t>Writing </a:t>
-            </a:r>
-            <a:r>
-              <a:rPr spc="-40" dirty="0"/>
-              <a:t>Correct  </a:t>
-            </a:r>
-            <a:r>
-              <a:rPr dirty="0"/>
-              <a:t>In</a:t>
-            </a:r>
-            <a:r>
-              <a:rPr spc="-5" dirty="0"/>
-              <a:t>struct</a:t>
-            </a:r>
-            <a:r>
-              <a:rPr dirty="0"/>
-              <a:t>ions</a:t>
-            </a:r>
-            <a:r>
-              <a:rPr spc="-5" dirty="0"/>
-              <a:t> i</a:t>
-            </a:r>
-            <a:r>
-              <a:rPr dirty="0"/>
-              <a:t>s	H</a:t>
-            </a:r>
-            <a:r>
-              <a:rPr spc="-5" dirty="0"/>
-              <a:t>a</a:t>
-            </a:r>
-            <a:r>
-              <a:rPr spc="-130" dirty="0"/>
-              <a:t>r</a:t>
-            </a:r>
-            <a:r>
-              <a:rPr dirty="0"/>
-              <a:t>d</a:t>
+              <a:t>Sandwich</a:t>
             </a:r>
           </a:p>
         </p:txBody>
@@ -3711,250 +3782,6 @@
       <p:sp>
         <p:nvSpPr>
           <p:cNvPr id="3" name="object 3"/>
-          <p:cNvSpPr txBox="1"/>
-          <p:nvPr/>
-        </p:nvSpPr>
-        <p:spPr>
-          <a:xfrm>
-            <a:off x="1612900" y="3873500"/>
-            <a:ext cx="10017760" cy="3522979"/>
-          </a:xfrm>
-          <a:prstGeom prst="rect">
-            <a:avLst/>
-          </a:prstGeom>
-        </p:spPr>
-        <p:txBody>
-          <a:bodyPr vert="horz" wrap="square" lIns="0" tIns="12700" rIns="0" bIns="0" rtlCol="0">
-            <a:spAutoFit/>
-          </a:bodyPr>
-          <a:lstStyle/>
-          <a:p>
-            <a:pPr marL="596900" indent="-571500">
-              <a:lnSpc>
-                <a:spcPct val="100000"/>
-              </a:lnSpc>
-              <a:spcBef>
-                <a:spcPts val="100"/>
-              </a:spcBef>
-              <a:buSzPct val="170238"/>
-              <a:buChar char="•"/>
-              <a:tabLst>
-                <a:tab pos="596900" algn="l"/>
-                <a:tab pos="3005455" algn="l"/>
-              </a:tabLst>
-            </a:pPr>
-            <a:r>
-              <a:rPr sz="4200" spc="-5" dirty="0">
-                <a:latin typeface="Gill Sans MT"/>
-                <a:cs typeface="Gill Sans MT"/>
-              </a:rPr>
-              <a:t>Computer	</a:t>
-            </a:r>
-            <a:r>
-              <a:rPr sz="4200" spc="-25" dirty="0">
-                <a:latin typeface="Gill Sans MT"/>
-                <a:cs typeface="Gill Sans MT"/>
-              </a:rPr>
-              <a:t>requires </a:t>
-            </a:r>
-            <a:r>
-              <a:rPr sz="4200" spc="-5" dirty="0">
-                <a:latin typeface="Gill Sans MT"/>
-                <a:cs typeface="Gill Sans MT"/>
-              </a:rPr>
-              <a:t>unambiguous</a:t>
-            </a:r>
-            <a:r>
-              <a:rPr sz="4200" dirty="0">
-                <a:latin typeface="Gill Sans MT"/>
-                <a:cs typeface="Gill Sans MT"/>
-              </a:rPr>
-              <a:t> </a:t>
-            </a:r>
-            <a:r>
-              <a:rPr sz="4200" spc="-10" dirty="0">
-                <a:latin typeface="Gill Sans MT"/>
-                <a:cs typeface="Gill Sans MT"/>
-              </a:rPr>
-              <a:t>direction</a:t>
-            </a:r>
-            <a:endParaRPr sz="4200" dirty="0">
-              <a:latin typeface="Gill Sans MT"/>
-              <a:cs typeface="Gill Sans MT"/>
-            </a:endParaRPr>
-          </a:p>
-          <a:p>
-            <a:pPr marL="1485900" lvl="1" indent="-571500">
-              <a:lnSpc>
-                <a:spcPct val="100000"/>
-              </a:lnSpc>
-              <a:spcBef>
-                <a:spcPts val="2260"/>
-              </a:spcBef>
-              <a:buSzPct val="170238"/>
-              <a:buChar char="•"/>
-              <a:tabLst>
-                <a:tab pos="1485900" algn="l"/>
-              </a:tabLst>
-            </a:pPr>
-            <a:r>
-              <a:rPr sz="4200" spc="-5" dirty="0">
-                <a:latin typeface="Gill Sans MT"/>
-                <a:cs typeface="Gill Sans MT"/>
-              </a:rPr>
-              <a:t>Humans can </a:t>
-            </a:r>
-            <a:r>
-              <a:rPr sz="4200" spc="5" dirty="0">
-                <a:latin typeface="Gill Sans MT"/>
-                <a:cs typeface="Gill Sans MT"/>
-              </a:rPr>
-              <a:t>“figure </a:t>
-            </a:r>
-            <a:r>
-              <a:rPr sz="4200" spc="-5" dirty="0">
-                <a:latin typeface="Gill Sans MT"/>
-                <a:cs typeface="Gill Sans MT"/>
-              </a:rPr>
-              <a:t>it</a:t>
-            </a:r>
-            <a:r>
-              <a:rPr sz="4200" spc="-445" dirty="0">
-                <a:latin typeface="Gill Sans MT"/>
-                <a:cs typeface="Gill Sans MT"/>
-              </a:rPr>
-              <a:t> </a:t>
-            </a:r>
-            <a:r>
-              <a:rPr sz="4200" dirty="0">
-                <a:latin typeface="Gill Sans MT"/>
-                <a:cs typeface="Gill Sans MT"/>
-              </a:rPr>
-              <a:t>out”</a:t>
-            </a:r>
-          </a:p>
-          <a:p>
-            <a:pPr marL="596900" indent="-571500">
-              <a:lnSpc>
-                <a:spcPct val="100000"/>
-              </a:lnSpc>
-              <a:spcBef>
-                <a:spcPts val="2260"/>
-              </a:spcBef>
-              <a:buSzPct val="170238"/>
-              <a:buChar char="•"/>
-              <a:tabLst>
-                <a:tab pos="596900" algn="l"/>
-                <a:tab pos="1878330" algn="l"/>
-              </a:tabLst>
-            </a:pPr>
-            <a:r>
-              <a:rPr sz="4200" spc="-25" dirty="0">
-                <a:latin typeface="Gill Sans MT"/>
-                <a:cs typeface="Gill Sans MT"/>
-              </a:rPr>
-              <a:t>Many	</a:t>
-            </a:r>
-            <a:r>
-              <a:rPr sz="4200" spc="-5" dirty="0">
-                <a:latin typeface="Gill Sans MT"/>
-                <a:cs typeface="Gill Sans MT"/>
-              </a:rPr>
-              <a:t>commonly-used</a:t>
-            </a:r>
-            <a:r>
-              <a:rPr sz="4200" spc="-10" dirty="0">
-                <a:latin typeface="Gill Sans MT"/>
-                <a:cs typeface="Gill Sans MT"/>
-              </a:rPr>
-              <a:t> </a:t>
-            </a:r>
-            <a:r>
-              <a:rPr sz="4200" spc="-5" dirty="0">
-                <a:latin typeface="Gill Sans MT"/>
-                <a:cs typeface="Gill Sans MT"/>
-              </a:rPr>
-              <a:t>operations</a:t>
-            </a:r>
-            <a:endParaRPr sz="4200" dirty="0">
-              <a:latin typeface="Gill Sans MT"/>
-              <a:cs typeface="Gill Sans MT"/>
-            </a:endParaRPr>
-          </a:p>
-          <a:p>
-            <a:pPr marL="596900" indent="-571500">
-              <a:lnSpc>
-                <a:spcPct val="100000"/>
-              </a:lnSpc>
-              <a:spcBef>
-                <a:spcPts val="2260"/>
-              </a:spcBef>
-              <a:buSzPct val="170238"/>
-              <a:buChar char="•"/>
-              <a:tabLst>
-                <a:tab pos="596900" algn="l"/>
-                <a:tab pos="7452359" algn="l"/>
-              </a:tabLst>
-            </a:pPr>
-            <a:r>
-              <a:rPr sz="4200" spc="-5" dirty="0">
-                <a:latin typeface="Gill Sans MT"/>
-                <a:cs typeface="Gill Sans MT"/>
-              </a:rPr>
-              <a:t>IKEA instructions</a:t>
-            </a:r>
-            <a:r>
-              <a:rPr sz="4200" spc="55" dirty="0">
-                <a:latin typeface="Gill Sans MT"/>
-                <a:cs typeface="Gill Sans MT"/>
-              </a:rPr>
-              <a:t> </a:t>
-            </a:r>
-            <a:r>
-              <a:rPr sz="4200" spc="-5" dirty="0">
-                <a:latin typeface="Gill Sans MT"/>
-                <a:cs typeface="Gill Sans MT"/>
-              </a:rPr>
-              <a:t>vs.</a:t>
-            </a:r>
-            <a:r>
-              <a:rPr sz="4200" spc="-409" dirty="0">
-                <a:latin typeface="Gill Sans MT"/>
-                <a:cs typeface="Gill Sans MT"/>
-              </a:rPr>
-              <a:t> </a:t>
-            </a:r>
-            <a:r>
-              <a:rPr sz="4200" spc="-5" dirty="0">
-                <a:latin typeface="Gill Sans MT"/>
-                <a:cs typeface="Gill Sans MT"/>
-              </a:rPr>
-              <a:t>computer</a:t>
-            </a:r>
-            <a:r>
-              <a:rPr lang="en-US" sz="4200" spc="-5" dirty="0">
-                <a:latin typeface="Gill Sans MT"/>
-                <a:cs typeface="Gill Sans MT"/>
-              </a:rPr>
-              <a:t> </a:t>
-            </a:r>
-            <a:r>
-              <a:rPr sz="4200" spc="-5" dirty="0">
-                <a:latin typeface="Gill Sans MT"/>
-                <a:cs typeface="Gill Sans MT"/>
-              </a:rPr>
-              <a:t>instructions</a:t>
-            </a:r>
-            <a:endParaRPr sz="4200" dirty="0">
-              <a:latin typeface="Gill Sans MT"/>
-              <a:cs typeface="Gill Sans MT"/>
-            </a:endParaRPr>
-          </a:p>
-        </p:txBody>
-      </p:sp>
-      <p:sp>
-        <p:nvSpPr>
-          <p:cNvPr id="4" name="object 4"/>
           <p:cNvSpPr/>
           <p:nvPr/>
         </p:nvSpPr>
@@ -4041,74 +3868,69 @@
         </p:nvSpPr>
         <p:spPr>
           <a:xfrm>
-            <a:off x="1780257" y="762000"/>
-            <a:ext cx="9444355" cy="1305560"/>
+            <a:off x="2224323" y="203200"/>
+            <a:ext cx="8555990" cy="2524760"/>
           </a:xfrm>
           <a:prstGeom prst="rect">
             <a:avLst/>
           </a:prstGeom>
         </p:spPr>
         <p:txBody>
-          <a:bodyPr vert="horz" wrap="square" lIns="0" tIns="12700" rIns="0" bIns="0" rtlCol="0">
+          <a:bodyPr vert="horz" wrap="square" lIns="0" tIns="104139" rIns="0" bIns="0" rtlCol="0">
             <a:spAutoFit/>
           </a:bodyPr>
           <a:lstStyle/>
           <a:p>
-            <a:pPr marL="12700">
+            <a:pPr marL="12700" marR="5080" indent="698500">
               <a:lnSpc>
-                <a:spcPct val="100000"/>
+                <a:spcPts val="9600"/>
               </a:lnSpc>
               <a:spcBef>
-                <a:spcPts val="100"/>
+                <a:spcPts val="819"/>
               </a:spcBef>
               <a:tabLst>
-                <a:tab pos="6978015" algn="l"/>
-                <a:tab pos="7729855" algn="l"/>
+                <a:tab pos="6359525" algn="l"/>
               </a:tabLst>
             </a:pPr>
             <a:r>
+              <a:rPr spc="-5" dirty="0"/>
+              <a:t>Writing </a:t>
+            </a:r>
+            <a:r>
+              <a:rPr spc="-40" dirty="0"/>
+              <a:t>Correct  </a:t>
+            </a:r>
+            <a:r>
               <a:rPr dirty="0"/>
-              <a:t>P</a:t>
-            </a:r>
-            <a:r>
-              <a:rPr spc="-210" dirty="0"/>
-              <a:t>r</a:t>
+              <a:t>In</a:t>
+            </a:r>
+            <a:r>
+              <a:rPr spc="-5" dirty="0"/>
+              <a:t>struct</a:t>
             </a:r>
             <a:r>
               <a:rPr dirty="0"/>
-              <a:t>ogr</a:t>
+              <a:t>ions</a:t>
+            </a:r>
+            <a:r>
+              <a:rPr spc="-5" dirty="0"/>
+              <a:t> i</a:t>
+            </a:r>
+            <a:r>
+              <a:rPr dirty="0"/>
+              <a:t>s	H</a:t>
             </a:r>
             <a:r>
               <a:rPr spc="-5" dirty="0"/>
               <a:t>a</a:t>
             </a:r>
             <a:r>
+              <a:rPr spc="-130" dirty="0"/>
+              <a:t>r</a:t>
+            </a:r>
+            <a:r>
               <a:rPr dirty="0"/>
-              <a:t>mming</a:t>
-            </a:r>
-            <a:r>
-              <a:rPr spc="-5" dirty="0"/>
-              <a:t> i</a:t>
-            </a:r>
-            <a:r>
-              <a:rPr dirty="0"/>
-              <a:t>s	a	</a:t>
-            </a:r>
-            <a:r>
-              <a:rPr spc="-5" dirty="0"/>
-              <a:t>Sk</a:t>
-            </a:r>
-            <a:r>
-              <a:rPr dirty="0"/>
-              <a:t>i</a:t>
-            </a:r>
-            <a:r>
-              <a:rPr spc="-5" dirty="0"/>
-              <a:t>l</a:t>
-            </a:r>
-            <a:r>
-              <a:rPr dirty="0"/>
-              <a:t>l</a:t>
+              <a:t>d</a:t>
             </a:r>
           </a:p>
         </p:txBody>
@@ -4121,8 +3943,8 @@
         </p:nvSpPr>
         <p:spPr>
           <a:xfrm>
-            <a:off x="1409700" y="4025900"/>
-            <a:ext cx="10447655" cy="3218180"/>
+            <a:off x="1612900" y="3873500"/>
+            <a:ext cx="10017760" cy="3522979"/>
           </a:xfrm>
           <a:prstGeom prst="rect">
             <a:avLst/>
@@ -4134,7 +3956,7 @@
           </a:bodyPr>
           <a:lstStyle/>
           <a:p>
-            <a:pPr marL="622300" indent="-571500">
+            <a:pPr marL="596900" indent="-571500">
               <a:lnSpc>
                 <a:spcPct val="100000"/>
               </a:lnSpc>
@@ -4144,44 +3966,44 @@
               <a:buSzPct val="170238"/>
               <a:buChar char="•"/>
               <a:tabLst>
-                <a:tab pos="622300" algn="l"/>
-                <a:tab pos="4369435" algn="l"/>
+                <a:tab pos="596900" algn="l"/>
+                <a:tab pos="3005455" algn="l"/>
               </a:tabLst>
             </a:pPr>
             <a:r>
-              <a:rPr sz="4200" spc="-114" dirty="0">
+              <a:rPr sz="4200" spc="-5" dirty="0">
                 <a:latin typeface="Gill Sans MT"/>
                 <a:cs typeface="Gill Sans MT"/>
               </a:rPr>
-              <a:t>Years</a:t>
-            </a:r>
-            <a:r>
-              <a:rPr sz="4200" spc="10" dirty="0">
+              <a:t>Computer	</a:t>
+            </a:r>
+            <a:r>
+              <a:rPr sz="4200" spc="-25" dirty="0">
                 <a:latin typeface="Gill Sans MT"/>
                 <a:cs typeface="Gill Sans MT"/>
               </a:rPr>
-              <a:t> </a:t>
+              <a:t>requires </a:t>
+            </a:r>
+            <a:r>
+              <a:rPr sz="4200" spc="-5" dirty="0">
+                <a:latin typeface="Gill Sans MT"/>
+                <a:cs typeface="Gill Sans MT"/>
+              </a:rPr>
+              <a:t>unambiguous</a:t>
             </a:r>
             <a:r>
               <a:rPr sz="4200" dirty="0">
                 <a:latin typeface="Gill Sans MT"/>
                 <a:cs typeface="Gill Sans MT"/>
               </a:rPr>
-              <a:t>of</a:t>
-            </a:r>
-            <a:r>
-              <a:rPr sz="4200" spc="15" dirty="0">
+              <a:t> </a:t>
+            </a:r>
+            <a:r>
+              <a:rPr sz="4200" spc="-10" dirty="0">
                 <a:latin typeface="Gill Sans MT"/>
                 <a:cs typeface="Gill Sans MT"/>
               </a:rPr>
-              <a:t> </a:t>
-            </a:r>
-            <a:r>
-              <a:rPr sz="4200" spc="-5" dirty="0">
-                <a:latin typeface="Gill Sans MT"/>
-                <a:cs typeface="Gill Sans MT"/>
-              </a:rPr>
-              <a:t>practice	needed</a:t>
+              <a:t>direction</a:t>
             </a:r>
             <a:endParaRPr sz="4200" dirty="0">
               <a:latin typeface="Gill Sans MT"/>
@@ -4189,132 +4011,86 @@
             </a:endParaRPr>
           </a:p>
           <a:p>
-            <a:pPr marL="622300" marR="508000" indent="-571500">
+            <a:pPr marL="1485900" lvl="1" indent="-571500">
               <a:lnSpc>
-                <a:spcPts val="4900"/>
+                <a:spcPct val="100000"/>
               </a:lnSpc>
               <a:spcBef>
-                <a:spcPts val="2540"/>
+                <a:spcPts val="2260"/>
               </a:spcBef>
               <a:buSzPct val="170238"/>
               <a:buChar char="•"/>
               <a:tabLst>
-                <a:tab pos="622300" algn="l"/>
+                <a:tab pos="1485900" algn="l"/>
               </a:tabLst>
             </a:pPr>
             <a:r>
-              <a:rPr sz="4200" spc="-200" dirty="0">
+              <a:rPr sz="4200" spc="-5" dirty="0">
                 <a:latin typeface="Gill Sans MT"/>
                 <a:cs typeface="Gill Sans MT"/>
               </a:rPr>
-              <a:t>You </a:t>
-            </a:r>
-            <a:r>
-              <a:rPr sz="4200" spc="-55" dirty="0">
+              <a:t>Humans can </a:t>
+            </a:r>
+            <a:r>
+              <a:rPr sz="4200" spc="5" dirty="0">
                 <a:latin typeface="Gill Sans MT"/>
                 <a:cs typeface="Gill Sans MT"/>
               </a:rPr>
-              <a:t>won’t </a:t>
+              <a:t>“figure </a:t>
+            </a:r>
+            <a:r>
+              <a:rPr sz="4200" spc="-5" dirty="0">
+                <a:latin typeface="Gill Sans MT"/>
+                <a:cs typeface="Gill Sans MT"/>
+              </a:rPr>
+              <a:t>it</a:t>
+            </a:r>
+            <a:r>
+              <a:rPr sz="4200" spc="-445" dirty="0">
+                <a:latin typeface="Gill Sans MT"/>
+                <a:cs typeface="Gill Sans MT"/>
+              </a:rPr>
+              <a:t> </a:t>
             </a:r>
             <a:r>
               <a:rPr sz="4200" dirty="0">
                 <a:latin typeface="Gill Sans MT"/>
                 <a:cs typeface="Gill Sans MT"/>
               </a:rPr>
-              <a:t>be able to </a:t>
-            </a:r>
-            <a:r>
-              <a:rPr sz="4200" spc="-5" dirty="0">
-                <a:latin typeface="Gill Sans MT"/>
-                <a:cs typeface="Gill Sans MT"/>
-              </a:rPr>
-              <a:t>write Facebook when  </a:t>
-            </a:r>
-            <a:r>
-              <a:rPr sz="4200" spc="-85" dirty="0">
-                <a:latin typeface="Gill Sans MT"/>
-                <a:cs typeface="Gill Sans MT"/>
-              </a:rPr>
-              <a:t>you’re </a:t>
-            </a:r>
-            <a:r>
-              <a:rPr sz="4200" dirty="0">
-                <a:latin typeface="Gill Sans MT"/>
-                <a:cs typeface="Gill Sans MT"/>
-              </a:rPr>
-              <a:t>done </a:t>
-            </a:r>
-            <a:r>
-              <a:rPr sz="4200" spc="-5" dirty="0">
-                <a:latin typeface="Gill Sans MT"/>
-                <a:cs typeface="Gill Sans MT"/>
-              </a:rPr>
-              <a:t>with the</a:t>
-            </a:r>
-            <a:r>
-              <a:rPr sz="4200" spc="55" dirty="0">
-                <a:latin typeface="Gill Sans MT"/>
-                <a:cs typeface="Gill Sans MT"/>
-              </a:rPr>
-              <a:t> </a:t>
-            </a:r>
-            <a:r>
-              <a:rPr sz="4200" dirty="0">
-                <a:latin typeface="Gill Sans MT"/>
-                <a:cs typeface="Gill Sans MT"/>
-              </a:rPr>
-              <a:t>class</a:t>
-            </a:r>
-          </a:p>
-          <a:p>
-            <a:pPr marL="622300" indent="-571500">
+              <a:t>out”</a:t>
+            </a:r>
+          </a:p>
+          <a:p>
+            <a:pPr marL="596900" indent="-571500">
               <a:lnSpc>
                 <a:spcPct val="100000"/>
               </a:lnSpc>
               <a:spcBef>
-                <a:spcPts val="2120"/>
+                <a:spcPts val="2260"/>
               </a:spcBef>
               <a:buSzPct val="170238"/>
               <a:buChar char="•"/>
               <a:tabLst>
-                <a:tab pos="622300" algn="l"/>
-                <a:tab pos="1681480" algn="l"/>
-                <a:tab pos="2818130" algn="l"/>
-                <a:tab pos="4370705" algn="l"/>
-                <a:tab pos="5568950" algn="l"/>
-                <a:tab pos="9835515" algn="l"/>
+                <a:tab pos="596900" algn="l"/>
+                <a:tab pos="1878330" algn="l"/>
               </a:tabLst>
             </a:pPr>
             <a:r>
-              <a:rPr sz="4200" dirty="0">
+              <a:rPr sz="4200" spc="-25" dirty="0">
                 <a:latin typeface="Gill Sans MT"/>
                 <a:cs typeface="Gill Sans MT"/>
               </a:rPr>
-              <a:t>This	class	</a:t>
-            </a:r>
-            <a:r>
-              <a:rPr sz="4200" spc="-20" dirty="0">
-                <a:latin typeface="Gill Sans MT"/>
-                <a:cs typeface="Gill Sans MT"/>
-              </a:rPr>
-              <a:t>gives</a:t>
-            </a:r>
-            <a:r>
-              <a:rPr sz="4200" dirty="0">
-                <a:latin typeface="Gill Sans MT"/>
-                <a:cs typeface="Gill Sans MT"/>
-              </a:rPr>
-              <a:t> a	</a:t>
+              <a:t>Many	</a:t>
             </a:r>
             <a:r>
               <a:rPr sz="4200" spc="-5" dirty="0">
                 <a:latin typeface="Gill Sans MT"/>
                 <a:cs typeface="Gill Sans MT"/>
               </a:rPr>
-              <a:t>basic</a:t>
-            </a:r>
-            <a:r>
-              <a:rPr lang="fa-IR" sz="4200" spc="-5" dirty="0">
+              <a:t>commonly-used</a:t>
+            </a:r>
+            <a:r>
+              <a:rPr sz="4200" spc="-10" dirty="0">
                 <a:latin typeface="Gill Sans MT"/>
                 <a:cs typeface="Gill Sans MT"/>
               </a:rPr>
@@ -4325,29 +4101,81 @@
                 <a:latin typeface="Gill Sans MT"/>
                 <a:cs typeface="Gill Sans MT"/>
               </a:rPr>
-              <a:t>foundation</a:t>
-            </a:r>
-            <a:r>
-              <a:rPr sz="4200" dirty="0">
-                <a:latin typeface="Gill Sans MT"/>
-                <a:cs typeface="Gill Sans MT"/>
-              </a:rPr>
-              <a:t> to </a:t>
-            </a:r>
+              <a:t>operations</a:t>
+            </a:r>
+            <a:endParaRPr sz="4200" dirty="0">
+              <a:latin typeface="Gill Sans MT"/>
+              <a:cs typeface="Gill Sans MT"/>
+            </a:endParaRPr>
+          </a:p>
+          <a:p>
+            <a:pPr marL="596900" indent="-571500">
+              <a:lnSpc>
+                <a:spcPct val="100000"/>
+              </a:lnSpc>
+              <a:spcBef>
+                <a:spcPts val="2260"/>
+              </a:spcBef>
+              <a:buSzPct val="170238"/>
+              <a:buChar char="•"/>
+              <a:tabLst>
+                <a:tab pos="596900" algn="l"/>
+                <a:tab pos="7452359" algn="l"/>
+              </a:tabLst>
+            </a:pPr>
             <a:r>
               <a:rPr sz="4200" spc="-5" dirty="0">
                 <a:latin typeface="Gill Sans MT"/>
                 <a:cs typeface="Gill Sans MT"/>
               </a:rPr>
-              <a:t>build	</a:t>
-            </a:r>
-            <a:r>
-              <a:rPr sz="4200" dirty="0">
+              <a:t>IKEA instructions</a:t>
+            </a:r>
+            <a:r>
+              <a:rPr sz="4200" spc="55" dirty="0">
                 <a:latin typeface="Gill Sans MT"/>
                 <a:cs typeface="Gill Sans MT"/>
               </a:rPr>
-              <a:t>on</a:t>
-            </a:r>
+              <a:t> </a:t>
+            </a:r>
+            <a:r>
+              <a:rPr sz="4200" spc="-5" dirty="0">
+                <a:latin typeface="Gill Sans MT"/>
+                <a:cs typeface="Gill Sans MT"/>
+              </a:rPr>
+              <a:t>vs.</a:t>
+            </a:r>
+            <a:r>
+              <a:rPr sz="4200" spc="-409" dirty="0">
+                <a:latin typeface="Gill Sans MT"/>
+                <a:cs typeface="Gill Sans MT"/>
+              </a:rPr>
+              <a:t> </a:t>
+            </a:r>
+            <a:r>
+              <a:rPr sz="4200" spc="-5" dirty="0">
+                <a:latin typeface="Gill Sans MT"/>
+                <a:cs typeface="Gill Sans MT"/>
+              </a:rPr>
+              <a:t>computer</a:t>
+            </a:r>
+            <a:r>
+              <a:rPr lang="en-US" sz="4200" spc="-5" dirty="0">
+                <a:latin typeface="Gill Sans MT"/>
+                <a:cs typeface="Gill Sans MT"/>
+              </a:rPr>
+              <a:t> </a:t>
+            </a:r>
+            <a:r>
+              <a:rPr sz="4200" spc="-5" dirty="0">
+                <a:latin typeface="Gill Sans MT"/>
+                <a:cs typeface="Gill Sans MT"/>
+              </a:rPr>
+              <a:t>instructions</a:t>
+            </a:r>
+            <a:endParaRPr sz="4200" dirty="0">
+              <a:latin typeface="Gill Sans MT"/>
+              <a:cs typeface="Gill Sans MT"/>
+            </a:endParaRPr>
           </a:p>
         </p:txBody>
       </p:sp>
@@ -4440,8 +4268,8 @@
         </p:nvSpPr>
         <p:spPr>
           <a:xfrm>
-            <a:off x="4811626" y="4165600"/>
-            <a:ext cx="3382010" cy="1305560"/>
+            <a:off x="1780257" y="762000"/>
+            <a:ext cx="9444355" cy="1305560"/>
           </a:xfrm>
           <a:prstGeom prst="rect">
             <a:avLst/>
@@ -4460,10 +4288,54 @@
               <a:spcBef>
                 <a:spcPts val="100"/>
               </a:spcBef>
+              <a:tabLst>
+                <a:tab pos="6978015" algn="l"/>
+                <a:tab pos="7729855" algn="l"/>
+              </a:tabLst>
             </a:pPr>
             <a:r>
+              <a:rPr dirty="0"/>
+              <a:t>P</a:t>
+            </a:r>
+            <a:r>
+              <a:rPr spc="-210" dirty="0"/>
+              <a:t>r</a:t>
+            </a:r>
+            <a:r>
+              <a:rPr dirty="0"/>
+              <a:t>ogr</a:t>
+            </a:r>
+            <a:r>
               <a:rPr spc="-5" dirty="0"/>
-              <a:t>Syllabus</a:t>
+              <a:t>a</a:t>
+            </a:r>
+            <a:r>
+              <a:rPr dirty="0"/>
+              <a:t>mming</a:t>
+            </a:r>
+            <a:r>
+              <a:rPr spc="-5" dirty="0"/>
+              <a:t> i</a:t>
+            </a:r>
+            <a:r>
+              <a:rPr dirty="0"/>
+              <a:t>s	a	</a:t>
+            </a:r>
+            <a:r>
+              <a:rPr spc="-5" dirty="0"/>
+              <a:t>Sk</a:t>
+            </a:r>
+            <a:r>
+              <a:rPr dirty="0"/>
+              <a:t>i</a:t>
+            </a:r>
+            <a:r>
+              <a:rPr spc="-5" dirty="0"/>
+              <a:t>l</a:t>
+            </a:r>
+            <a:r>
+              <a:rPr dirty="0"/>
+              <a:t>l</a:t>
             </a:r>
           </a:p>
         </p:txBody>
@@ -4471,6 +4343,244 @@
       <p:sp>
         <p:nvSpPr>
           <p:cNvPr id="3" name="object 3"/>
+          <p:cNvSpPr txBox="1"/>
+          <p:nvPr/>
+        </p:nvSpPr>
+        <p:spPr>
+          <a:xfrm>
+            <a:off x="1409700" y="4025900"/>
+            <a:ext cx="10447655" cy="3218180"/>
+          </a:xfrm>
+          <a:prstGeom prst="rect">
+            <a:avLst/>
+          </a:prstGeom>
+        </p:spPr>
+        <p:txBody>
+          <a:bodyPr vert="horz" wrap="square" lIns="0" tIns="12700" rIns="0" bIns="0" rtlCol="0">
+            <a:spAutoFit/>
+          </a:bodyPr>
+          <a:lstStyle/>
+          <a:p>
+            <a:pPr marL="622300" indent="-571500">
+              <a:lnSpc>
+                <a:spcPct val="100000"/>
+              </a:lnSpc>
+              <a:spcBef>
+                <a:spcPts val="100"/>
+              </a:spcBef>
+              <a:buSzPct val="170238"/>
+              <a:buChar char="•"/>
+              <a:tabLst>
+                <a:tab pos="622300" algn="l"/>
+                <a:tab pos="4369435" algn="l"/>
+              </a:tabLst>
+            </a:pPr>
+            <a:r>
+              <a:rPr sz="4200" spc="-114" dirty="0">
+                <a:latin typeface="Gill Sans MT"/>
+                <a:cs typeface="Gill Sans MT"/>
+              </a:rPr>
+              <a:t>Years</a:t>
+            </a:r>
+            <a:r>
+              <a:rPr sz="4200" spc="10" dirty="0">
+                <a:latin typeface="Gill Sans MT"/>
+                <a:cs typeface="Gill Sans MT"/>
+              </a:rPr>
+              <a:t> </a:t>
+            </a:r>
+            <a:r>
+              <a:rPr sz="4200" dirty="0">
+                <a:latin typeface="Gill Sans MT"/>
+                <a:cs typeface="Gill Sans MT"/>
+              </a:rPr>
+              <a:t>of</a:t>
+            </a:r>
+            <a:r>
+              <a:rPr sz="4200" spc="15" dirty="0">
+                <a:latin typeface="Gill Sans MT"/>
+                <a:cs typeface="Gill Sans MT"/>
+              </a:rPr>
+              <a:t> </a:t>
+            </a:r>
+            <a:r>
+              <a:rPr sz="4200" spc="-5" dirty="0">
+                <a:latin typeface="Gill Sans MT"/>
+                <a:cs typeface="Gill Sans MT"/>
+              </a:rPr>
+              <a:t>practice	needed</a:t>
+            </a:r>
+            <a:endParaRPr sz="4200" dirty="0">
+              <a:latin typeface="Gill Sans MT"/>
+              <a:cs typeface="Gill Sans MT"/>
+            </a:endParaRPr>
+          </a:p>
+          <a:p>
+            <a:pPr marL="622300" marR="508000" indent="-571500">
+              <a:lnSpc>
+                <a:spcPts val="4900"/>
+              </a:lnSpc>
+              <a:spcBef>
+                <a:spcPts val="2540"/>
+              </a:spcBef>
+              <a:buSzPct val="170238"/>
+              <a:buChar char="•"/>
+              <a:tabLst>
+                <a:tab pos="622300" algn="l"/>
+              </a:tabLst>
+            </a:pPr>
+            <a:r>
+              <a:rPr sz="4200" spc="-200" dirty="0">
+                <a:latin typeface="Gill Sans MT"/>
+                <a:cs typeface="Gill Sans MT"/>
+              </a:rPr>
+              <a:t>You </a:t>
+            </a:r>
+            <a:r>
+              <a:rPr sz="4200" spc="-55" dirty="0">
+                <a:latin typeface="Gill Sans MT"/>
+                <a:cs typeface="Gill Sans MT"/>
+              </a:rPr>
+              <a:t>won’t </a:t>
+            </a:r>
+            <a:r>
+              <a:rPr sz="4200" dirty="0">
+                <a:latin typeface="Gill Sans MT"/>
+                <a:cs typeface="Gill Sans MT"/>
+              </a:rPr>
+              <a:t>be able to </a:t>
+            </a:r>
+            <a:r>
+              <a:rPr sz="4200" spc="-5" dirty="0">
+                <a:latin typeface="Gill Sans MT"/>
+                <a:cs typeface="Gill Sans MT"/>
+              </a:rPr>
+              <a:t>write Facebook when  </a:t>
+            </a:r>
+            <a:r>
+              <a:rPr sz="4200" spc="-85" dirty="0">
+                <a:latin typeface="Gill Sans MT"/>
+                <a:cs typeface="Gill Sans MT"/>
+              </a:rPr>
+              <a:t>you’re </a:t>
+            </a:r>
+            <a:r>
+              <a:rPr sz="4200" dirty="0">
+                <a:latin typeface="Gill Sans MT"/>
+                <a:cs typeface="Gill Sans MT"/>
+              </a:rPr>
+              <a:t>done </a:t>
+            </a:r>
+            <a:r>
+              <a:rPr sz="4200" spc="-5" dirty="0">
+                <a:latin typeface="Gill Sans MT"/>
+                <a:cs typeface="Gill Sans MT"/>
+              </a:rPr>
+              <a:t>with the</a:t>
+            </a:r>
+            <a:r>
+              <a:rPr sz="4200" spc="55" dirty="0">
+                <a:latin typeface="Gill Sans MT"/>
+                <a:cs typeface="Gill Sans MT"/>
+              </a:rPr>
+              <a:t> </a:t>
+            </a:r>
+            <a:r>
+              <a:rPr sz="4200" dirty="0">
+                <a:latin typeface="Gill Sans MT"/>
+                <a:cs typeface="Gill Sans MT"/>
+              </a:rPr>
+              <a:t>class</a:t>
+            </a:r>
+          </a:p>
+          <a:p>
+            <a:pPr marL="622300" indent="-571500">
+              <a:lnSpc>
+                <a:spcPct val="100000"/>
+              </a:lnSpc>
+              <a:spcBef>
+                <a:spcPts val="2120"/>
+              </a:spcBef>
+              <a:buSzPct val="170238"/>
+              <a:buChar char="•"/>
+              <a:tabLst>
+                <a:tab pos="622300" algn="l"/>
+                <a:tab pos="1681480" algn="l"/>
+                <a:tab pos="2818130" algn="l"/>
+                <a:tab pos="4370705" algn="l"/>
+                <a:tab pos="5568950" algn="l"/>
+                <a:tab pos="9835515" algn="l"/>
+              </a:tabLst>
+            </a:pPr>
+            <a:r>
+              <a:rPr sz="4200" dirty="0">
+                <a:latin typeface="Gill Sans MT"/>
+                <a:cs typeface="Gill Sans MT"/>
+              </a:rPr>
+              <a:t>This	class	</a:t>
+            </a:r>
+            <a:r>
+              <a:rPr sz="4200" spc="-20" dirty="0">
+                <a:latin typeface="Gill Sans MT"/>
+                <a:cs typeface="Gill Sans MT"/>
+              </a:rPr>
+              <a:t>gives</a:t>
+            </a:r>
+            <a:r>
+              <a:rPr sz="4200" dirty="0">
+                <a:latin typeface="Gill Sans MT"/>
+                <a:cs typeface="Gill Sans MT"/>
+              </a:rPr>
+              <a:t> a	</a:t>
+            </a:r>
+            <a:r>
+              <a:rPr sz="4200" spc="-5" dirty="0">
+                <a:latin typeface="Gill Sans MT"/>
+                <a:cs typeface="Gill Sans MT"/>
+              </a:rPr>
+              <a:t>basic</a:t>
+            </a:r>
+            <a:r>
+              <a:rPr lang="fa-IR" sz="4200" spc="-5" dirty="0">
+                <a:latin typeface="Gill Sans MT"/>
+                <a:cs typeface="Gill Sans MT"/>
+              </a:rPr>
+              <a:t> </a:t>
+            </a:r>
+            <a:r>
+              <a:rPr sz="4200" spc="-5" dirty="0">
+                <a:latin typeface="Gill Sans MT"/>
+                <a:cs typeface="Gill Sans MT"/>
+              </a:rPr>
+              <a:t>foundation</a:t>
+            </a:r>
+            <a:r>
+              <a:rPr sz="4200" dirty="0">
+                <a:latin typeface="Gill Sans MT"/>
+                <a:cs typeface="Gill Sans MT"/>
+              </a:rPr>
+              <a:t> to </a:t>
+            </a:r>
+            <a:r>
+              <a:rPr sz="4200" spc="-5" dirty="0">
+                <a:latin typeface="Gill Sans MT"/>
+                <a:cs typeface="Gill Sans MT"/>
+              </a:rPr>
+              <a:t>build	</a:t>
+            </a:r>
+            <a:r>
+              <a:rPr sz="4200" dirty="0">
+                <a:latin typeface="Gill Sans MT"/>
+                <a:cs typeface="Gill Sans MT"/>
+              </a:rPr>
+              <a:t>on</a:t>
+            </a:r>
+          </a:p>
+        </p:txBody>
+      </p:sp>
+      <p:sp>
+        <p:nvSpPr>
+          <p:cNvPr id="4" name="object 4"/>
           <p:cNvSpPr/>
           <p:nvPr/>
         </p:nvSpPr>
@@ -4528,7 +4638,7 @@
 </p:sld>
 </file>
 
-<file path=ppt/slides/slide2.xml><?xml version="1.0" encoding="utf-8"?>
+<file path=ppt/slides/slide15.xml><?xml version="1.0" encoding="utf-8"?>
 <p:sld xmlns:a="http://schemas.openxmlformats.org/drawingml/2006/main" xmlns:r="http://schemas.openxmlformats.org/officeDocument/2006/relationships" xmlns:p="http://schemas.openxmlformats.org/presentationml/2006/main" showMasterSp="0">
   <p:cSld>
     <p:spTree>
@@ -4557,8 +4667,8 @@
         </p:nvSpPr>
         <p:spPr>
           <a:xfrm>
-            <a:off x="4308438" y="762000"/>
-            <a:ext cx="4387850" cy="1305560"/>
+            <a:off x="4811626" y="4165600"/>
+            <a:ext cx="3382010" cy="1305560"/>
           </a:xfrm>
           <a:prstGeom prst="rect">
             <a:avLst/>
@@ -4580,15 +4690,7 @@
             </a:pPr>
             <a:r>
               <a:rPr spc="-5" dirty="0"/>
-              <a:t>About</a:t>
-            </a:r>
-            <a:r>
-              <a:rPr spc="-85" dirty="0"/>
-              <a:t> </a:t>
-            </a:r>
-            <a:r>
-              <a:rPr dirty="0"/>
-              <a:t>Me</a:t>
+              <a:t>Syllabus</a:t>
             </a:r>
           </a:p>
         </p:txBody>
@@ -4596,171 +4698,6 @@
       <p:sp>
         <p:nvSpPr>
           <p:cNvPr id="3" name="object 3"/>
-          <p:cNvSpPr txBox="1"/>
-          <p:nvPr/>
-        </p:nvSpPr>
-        <p:spPr>
-          <a:xfrm>
-            <a:off x="1587500" y="4025900"/>
-            <a:ext cx="9563100" cy="2534027"/>
-          </a:xfrm>
-          <a:prstGeom prst="rect">
-            <a:avLst/>
-          </a:prstGeom>
-        </p:spPr>
-        <p:txBody>
-          <a:bodyPr vert="horz" wrap="square" lIns="0" tIns="48260" rIns="0" bIns="0" rtlCol="0">
-            <a:spAutoFit/>
-          </a:bodyPr>
-          <a:lstStyle/>
-          <a:p>
-            <a:pPr marL="622300" marR="17780" indent="-571500">
-              <a:lnSpc>
-                <a:spcPts val="4900"/>
-              </a:lnSpc>
-              <a:spcBef>
-                <a:spcPts val="380"/>
-              </a:spcBef>
-              <a:buSzPct val="170238"/>
-              <a:buChar char="•"/>
-              <a:tabLst>
-                <a:tab pos="622300" algn="l"/>
-                <a:tab pos="2712720" algn="l"/>
-                <a:tab pos="2894330" algn="l"/>
-              </a:tabLst>
-            </a:pPr>
-            <a:r>
-              <a:rPr sz="4200" dirty="0">
-                <a:latin typeface="Gill Sans MT"/>
-                <a:cs typeface="Gill Sans MT"/>
-              </a:rPr>
-              <a:t>I</a:t>
-            </a:r>
-            <a:r>
-              <a:rPr sz="4200" spc="-5" dirty="0">
-                <a:latin typeface="Gill Sans MT"/>
-                <a:cs typeface="Gill Sans MT"/>
-              </a:rPr>
-              <a:t> </a:t>
-            </a:r>
-            <a:r>
-              <a:rPr sz="4200" spc="-25" dirty="0">
-                <a:latin typeface="Gill Sans MT"/>
-                <a:cs typeface="Gill Sans MT"/>
-              </a:rPr>
-              <a:t>research	</a:t>
-            </a:r>
-            <a:r>
-              <a:rPr lang="en-US" sz="4200" spc="-5" dirty="0">
-                <a:latin typeface="Gill Sans MT"/>
-                <a:cs typeface="Gill Sans MT"/>
-              </a:rPr>
-              <a:t>network function virtualization </a:t>
-            </a:r>
-            <a:endParaRPr sz="4200" dirty="0">
-              <a:latin typeface="Gill Sans MT"/>
-              <a:cs typeface="Gill Sans MT"/>
-            </a:endParaRPr>
-          </a:p>
-          <a:p>
-            <a:pPr marL="622300" indent="-571500">
-              <a:lnSpc>
-                <a:spcPct val="100000"/>
-              </a:lnSpc>
-              <a:spcBef>
-                <a:spcPts val="2120"/>
-              </a:spcBef>
-              <a:buSzPct val="170238"/>
-              <a:buChar char="•"/>
-              <a:tabLst>
-                <a:tab pos="622300" algn="l"/>
-                <a:tab pos="1681480" algn="l"/>
-                <a:tab pos="2151380" algn="l"/>
-                <a:tab pos="2926080" algn="l"/>
-              </a:tabLst>
-            </a:pPr>
-            <a:r>
-              <a:rPr sz="4200" dirty="0">
-                <a:latin typeface="Gill Sans MT"/>
-                <a:cs typeface="Gill Sans MT"/>
-              </a:rPr>
-              <a:t>This	</a:t>
-            </a:r>
-            <a:r>
-              <a:rPr sz="4200" spc="-5" dirty="0">
-                <a:latin typeface="Gill Sans MT"/>
-                <a:cs typeface="Gill Sans MT"/>
-              </a:rPr>
-              <a:t>is	</a:t>
-            </a:r>
-            <a:r>
-              <a:rPr sz="4200" spc="-75" dirty="0">
-                <a:latin typeface="Gill Sans MT"/>
-                <a:cs typeface="Gill Sans MT"/>
-              </a:rPr>
-              <a:t>my	</a:t>
-            </a:r>
-            <a:r>
-              <a:rPr lang="en-US" sz="4200" spc="-5" dirty="0">
-                <a:latin typeface="Gill Sans MT"/>
-                <a:cs typeface="Gill Sans MT"/>
-              </a:rPr>
-              <a:t>first</a:t>
-            </a:r>
-            <a:r>
-              <a:rPr sz="4200" spc="-5" dirty="0">
-                <a:latin typeface="Gill Sans MT"/>
-                <a:cs typeface="Gill Sans MT"/>
-              </a:rPr>
-              <a:t> semester </a:t>
-            </a:r>
-            <a:r>
-              <a:rPr sz="4200" dirty="0">
-                <a:latin typeface="Gill Sans MT"/>
-                <a:cs typeface="Gill Sans MT"/>
-              </a:rPr>
-              <a:t>at</a:t>
-            </a:r>
-            <a:r>
-              <a:rPr sz="4200" spc="-25" dirty="0">
-                <a:latin typeface="Gill Sans MT"/>
-                <a:cs typeface="Gill Sans MT"/>
-              </a:rPr>
-              <a:t> </a:t>
-            </a:r>
-            <a:r>
-              <a:rPr sz="4200" dirty="0">
-                <a:latin typeface="Gill Sans MT"/>
-                <a:cs typeface="Gill Sans MT"/>
-              </a:rPr>
-              <a:t>CSUN</a:t>
-            </a:r>
-          </a:p>
-          <a:p>
-            <a:pPr marL="50800">
-              <a:lnSpc>
-                <a:spcPct val="100000"/>
-              </a:lnSpc>
-              <a:spcBef>
-                <a:spcPts val="2260"/>
-              </a:spcBef>
-              <a:buSzPct val="170238"/>
-              <a:tabLst>
-                <a:tab pos="622300" algn="l"/>
-                <a:tab pos="4565650" algn="l"/>
-                <a:tab pos="7400925" algn="l"/>
-              </a:tabLst>
-            </a:pPr>
-            <a:endParaRPr sz="4200" dirty="0">
-              <a:latin typeface="Gill Sans MT"/>
-              <a:cs typeface="Gill Sans MT"/>
-            </a:endParaRPr>
-          </a:p>
-        </p:txBody>
-      </p:sp>
-      <p:sp>
-        <p:nvSpPr>
-          <p:cNvPr id="4" name="object 4"/>
           <p:cNvSpPr/>
           <p:nvPr/>
         </p:nvSpPr>
@@ -4818,7 +4755,7 @@
 </p:sld>
 </file>
 
-<file path=ppt/slides/slide3.xml><?xml version="1.0" encoding="utf-8"?>
+<file path=ppt/slides/slide2.xml><?xml version="1.0" encoding="utf-8"?>
 <p:sld xmlns:a="http://schemas.openxmlformats.org/drawingml/2006/main" xmlns:r="http://schemas.openxmlformats.org/officeDocument/2006/relationships" xmlns:p="http://schemas.openxmlformats.org/presentationml/2006/main" showMasterSp="0">
   <p:cSld>
     <p:spTree>
@@ -4847,8 +4784,8 @@
         </p:nvSpPr>
         <p:spPr>
           <a:xfrm>
-            <a:off x="4262338" y="762000"/>
-            <a:ext cx="4480560" cy="1305560"/>
+            <a:off x="4308438" y="762000"/>
+            <a:ext cx="4387850" cy="1305560"/>
           </a:xfrm>
           <a:prstGeom prst="rect">
             <a:avLst/>
@@ -4870,7 +4807,15 @@
             </a:pPr>
             <a:r>
               <a:rPr spc="-5" dirty="0"/>
-              <a:t>Questions</a:t>
+              <a:t>About</a:t>
+            </a:r>
+            <a:r>
+              <a:rPr spc="-85" dirty="0"/>
+              <a:t> </a:t>
+            </a:r>
+            <a:r>
+              <a:rPr dirty="0"/>
+              <a:t>Me</a:t>
             </a:r>
           </a:p>
         </p:txBody>
@@ -4883,60 +4828,143 @@
         </p:nvSpPr>
         <p:spPr>
           <a:xfrm>
-            <a:off x="1600200" y="4343400"/>
-            <a:ext cx="6222365" cy="2595880"/>
+            <a:off x="1587500" y="4025900"/>
+            <a:ext cx="9563100" cy="2534027"/>
           </a:xfrm>
           <a:prstGeom prst="rect">
             <a:avLst/>
           </a:prstGeom>
         </p:spPr>
         <p:txBody>
-          <a:bodyPr vert="horz" wrap="square" lIns="0" tIns="12700" rIns="0" bIns="0" rtlCol="0">
+          <a:bodyPr vert="horz" wrap="square" lIns="0" tIns="48260" rIns="0" bIns="0" rtlCol="0">
             <a:spAutoFit/>
           </a:bodyPr>
           <a:lstStyle/>
           <a:p>
-            <a:pPr marL="609600" indent="-571500">
+            <a:pPr marL="622300" marR="17780" indent="-571500">
+              <a:lnSpc>
+                <a:spcPts val="4900"/>
+              </a:lnSpc>
+              <a:spcBef>
+                <a:spcPts val="380"/>
+              </a:spcBef>
+              <a:buSzPct val="170238"/>
+              <a:buChar char="•"/>
+              <a:tabLst>
+                <a:tab pos="622300" algn="l"/>
+                <a:tab pos="2712720" algn="l"/>
+                <a:tab pos="2894330" algn="l"/>
+              </a:tabLst>
+            </a:pPr>
+            <a:r>
+              <a:rPr sz="4200" dirty="0">
+                <a:latin typeface="Gill Sans MT"/>
+                <a:cs typeface="Gill Sans MT"/>
+              </a:rPr>
+              <a:t>I</a:t>
+            </a:r>
+            <a:r>
+              <a:rPr sz="4200" spc="-5" dirty="0">
+                <a:latin typeface="Gill Sans MT"/>
+                <a:cs typeface="Gill Sans MT"/>
+              </a:rPr>
+              <a:t> </a:t>
+            </a:r>
+            <a:r>
+              <a:rPr sz="4200" spc="-25" dirty="0">
+                <a:latin typeface="Gill Sans MT"/>
+                <a:cs typeface="Gill Sans MT"/>
+              </a:rPr>
+              <a:t>research	</a:t>
+            </a:r>
+            <a:r>
+              <a:rPr lang="en-US" sz="4200" spc="-5" dirty="0">
+                <a:latin typeface="Gill Sans MT"/>
+                <a:cs typeface="Gill Sans MT"/>
+              </a:rPr>
+              <a:t>network function virtualization </a:t>
+            </a:r>
+            <a:endParaRPr sz="4200" dirty="0">
+              <a:latin typeface="Gill Sans MT"/>
+              <a:cs typeface="Gill Sans MT"/>
+            </a:endParaRPr>
+          </a:p>
+          <a:p>
+            <a:pPr marL="622300" indent="-571500">
               <a:lnSpc>
                 <a:spcPct val="100000"/>
               </a:lnSpc>
               <a:spcBef>
-                <a:spcPts val="100"/>
+                <a:spcPts val="2120"/>
               </a:spcBef>
               <a:buSzPct val="170238"/>
               <a:buChar char="•"/>
               <a:tabLst>
-                <a:tab pos="609600" algn="l"/>
+                <a:tab pos="622300" algn="l"/>
+                <a:tab pos="1681480" algn="l"/>
+                <a:tab pos="2151380" algn="l"/>
+                <a:tab pos="2926080" algn="l"/>
               </a:tabLst>
             </a:pPr>
+            <a:r>
+              <a:rPr sz="4200" dirty="0">
+                <a:latin typeface="Gill Sans MT"/>
+                <a:cs typeface="Gill Sans MT"/>
+              </a:rPr>
+              <a:t>This	</a:t>
+            </a:r>
             <a:r>
               <a:rPr sz="4200" spc="-5" dirty="0">
                 <a:latin typeface="Gill Sans MT"/>
                 <a:cs typeface="Gill Sans MT"/>
               </a:rPr>
-              <a:t>CS</a:t>
-            </a:r>
-            <a:r>
-              <a:rPr sz="4200" spc="-15" dirty="0">
+              <a:t>is	</a:t>
+            </a:r>
+            <a:r>
+              <a:rPr sz="4200" spc="-75" dirty="0">
                 <a:latin typeface="Gill Sans MT"/>
                 <a:cs typeface="Gill Sans MT"/>
               </a:rPr>
-              <a:t> </a:t>
+              <a:t>my	</a:t>
+            </a:r>
+            <a:r>
+              <a:rPr lang="en-US" sz="4200" spc="-5" dirty="0">
+                <a:latin typeface="Gill Sans MT"/>
+                <a:cs typeface="Gill Sans MT"/>
+              </a:rPr>
+              <a:t>second</a:t>
             </a:r>
             <a:r>
               <a:rPr sz="4200" spc="-5" dirty="0">
                 <a:latin typeface="Gill Sans MT"/>
                 <a:cs typeface="Gill Sans MT"/>
               </a:rPr>
-              <a:t>Major/Non-major?</a:t>
-            </a:r>
-            <a:endParaRPr sz="4200" dirty="0">
-              <a:latin typeface="Gill Sans MT"/>
-              <a:cs typeface="Gill Sans MT"/>
-            </a:endParaRPr>
-          </a:p>
-          <a:p>
-            <a:pPr marL="609600" indent="-571500">
+              <a:t> semester </a:t>
+            </a:r>
+            <a:r>
+              <a:rPr sz="4200" dirty="0">
+                <a:latin typeface="Gill Sans MT"/>
+                <a:cs typeface="Gill Sans MT"/>
+              </a:rPr>
+              <a:t>at</a:t>
+            </a:r>
+            <a:r>
+              <a:rPr sz="4200" spc="-25" dirty="0">
+                <a:latin typeface="Gill Sans MT"/>
+                <a:cs typeface="Gill Sans MT"/>
+              </a:rPr>
+              <a:t> </a:t>
+            </a:r>
+            <a:r>
+              <a:rPr sz="4200" dirty="0">
+                <a:latin typeface="Gill Sans MT"/>
+                <a:cs typeface="Gill Sans MT"/>
+              </a:rPr>
+              <a:t>CSUN</a:t>
+            </a:r>
+          </a:p>
+          <a:p>
+            <a:pPr marL="50800">
               <a:lnSpc>
                 <a:spcPct val="100000"/>
               </a:lnSpc>
@@ -4944,75 +4972,12 @@
                 <a:spcPts val="2260"/>
               </a:spcBef>
               <a:buSzPct val="170238"/>
-              <a:buChar char="•"/>
               <a:tabLst>
-                <a:tab pos="609600" algn="l"/>
+                <a:tab pos="622300" algn="l"/>
+                <a:tab pos="4565650" algn="l"/>
+                <a:tab pos="7400925" algn="l"/>
               </a:tabLst>
             </a:pPr>
-            <a:r>
-              <a:rPr sz="4200" spc="-10" dirty="0">
-                <a:latin typeface="Gill Sans MT"/>
-                <a:cs typeface="Gill Sans MT"/>
-              </a:rPr>
-              <a:t>Programming</a:t>
-            </a:r>
-            <a:r>
-              <a:rPr sz="4200" spc="-85" dirty="0">
-                <a:latin typeface="Gill Sans MT"/>
-                <a:cs typeface="Gill Sans MT"/>
-              </a:rPr>
-              <a:t> </a:t>
-            </a:r>
-            <a:r>
-              <a:rPr sz="4200" dirty="0">
-                <a:latin typeface="Gill Sans MT"/>
-                <a:cs typeface="Gill Sans MT"/>
-              </a:rPr>
-              <a:t>experience?</a:t>
-            </a:r>
-          </a:p>
-          <a:p>
-            <a:pPr marL="609600" indent="-571500">
-              <a:lnSpc>
-                <a:spcPct val="100000"/>
-              </a:lnSpc>
-              <a:spcBef>
-                <a:spcPts val="2260"/>
-              </a:spcBef>
-              <a:buSzPct val="170238"/>
-              <a:buChar char="•"/>
-              <a:tabLst>
-                <a:tab pos="609600" algn="l"/>
-              </a:tabLst>
-            </a:pPr>
-            <a:r>
-              <a:rPr sz="4200" dirty="0">
-                <a:latin typeface="Gill Sans MT"/>
-                <a:cs typeface="Gill Sans MT"/>
-              </a:rPr>
-              <a:t>Not </a:t>
-            </a:r>
-            <a:r>
-              <a:rPr sz="4200" spc="20" dirty="0">
-                <a:latin typeface="Gill Sans MT"/>
-                <a:cs typeface="Gill Sans MT"/>
-              </a:rPr>
-              <a:t>first</a:t>
-            </a:r>
-            <a:r>
-              <a:rPr sz="4200" spc="-20" dirty="0">
-                <a:latin typeface="Gill Sans MT"/>
-                <a:cs typeface="Gill Sans MT"/>
-              </a:rPr>
-              <a:t> </a:t>
-            </a:r>
-            <a:r>
-              <a:rPr sz="4200" spc="-5" dirty="0">
-                <a:latin typeface="Gill Sans MT"/>
-                <a:cs typeface="Gill Sans MT"/>
-              </a:rPr>
-              <a:t>semester?</a:t>
-            </a:r>
             <a:endParaRPr sz="4200" dirty="0">
               <a:latin typeface="Gill Sans MT"/>
               <a:cs typeface="Gill Sans MT"/>
@@ -5080,7 +5045,7 @@
 </p:sld>
 </file>
 
-<file path=ppt/slides/slide4.xml><?xml version="1.0" encoding="utf-8"?>
+<file path=ppt/slides/slide3.xml><?xml version="1.0" encoding="utf-8"?>
 <p:sld xmlns:a="http://schemas.openxmlformats.org/drawingml/2006/main" xmlns:r="http://schemas.openxmlformats.org/officeDocument/2006/relationships" xmlns:p="http://schemas.openxmlformats.org/presentationml/2006/main">
   <p:cSld>
     <p:spTree>
@@ -5099,6 +5064,3059 @@
       </p:grpSpPr>
       <p:sp>
         <p:nvSpPr>
+          <p:cNvPr id="37" name="Oval 36"/>
+          <p:cNvSpPr/>
+          <p:nvPr/>
+        </p:nvSpPr>
+        <p:spPr>
+          <a:xfrm>
+            <a:off x="7337430" y="5771592"/>
+            <a:ext cx="1766155" cy="1398147"/>
+          </a:xfrm>
+          <a:prstGeom prst="ellipse">
+            <a:avLst/>
+          </a:prstGeom>
+          <a:noFill/>
+          <a:ln w="57150">
+            <a:solidFill>
+              <a:srgbClr val="FF0000"/>
+            </a:solidFill>
+            <a:prstDash val="sysDot"/>
+          </a:ln>
+        </p:spPr>
+        <p:style>
+          <a:lnRef idx="2">
+            <a:schemeClr val="accent1">
+              <a:shade val="50000"/>
+            </a:schemeClr>
+          </a:lnRef>
+          <a:fillRef idx="1">
+            <a:schemeClr val="accent1"/>
+          </a:fillRef>
+          <a:effectRef idx="0">
+            <a:schemeClr val="accent1"/>
+          </a:effectRef>
+          <a:fontRef idx="minor">
+            <a:schemeClr val="lt1"/>
+          </a:fontRef>
+        </p:style>
+        <p:txBody>
+          <a:bodyPr rtlCol="0" anchor="ctr"/>
+          <a:lstStyle/>
+          <a:p>
+            <a:pPr algn="ctr"/>
+            <a:endParaRPr lang="en-US" sz="2560"/>
+          </a:p>
+        </p:txBody>
+      </p:sp>
+      <p:sp>
+        <p:nvSpPr>
+          <p:cNvPr id="2" name="Title 1"/>
+          <p:cNvSpPr>
+            <a:spLocks noGrp="1"/>
+          </p:cNvSpPr>
+          <p:nvPr>
+            <p:ph type="title"/>
+          </p:nvPr>
+        </p:nvSpPr>
+        <p:spPr>
+          <a:xfrm>
+            <a:off x="671683" y="1288213"/>
+            <a:ext cx="11704320" cy="787908"/>
+          </a:xfrm>
+        </p:spPr>
+        <p:txBody>
+          <a:bodyPr/>
+          <a:lstStyle/>
+          <a:p>
+            <a:r>
+              <a:rPr lang="en-US" sz="5120" dirty="0"/>
+              <a:t>Network Function Virtualization</a:t>
+            </a:r>
+          </a:p>
+        </p:txBody>
+      </p:sp>
+      <p:sp>
+        <p:nvSpPr>
+          <p:cNvPr id="4" name="Slide Number Placeholder 3"/>
+          <p:cNvSpPr>
+            <a:spLocks noGrp="1"/>
+          </p:cNvSpPr>
+          <p:nvPr>
+            <p:ph type="sldNum" sz="quarter" idx="12"/>
+          </p:nvPr>
+        </p:nvSpPr>
+        <p:spPr>
+          <a:xfrm>
+            <a:off x="6553200" y="6356350"/>
+            <a:ext cx="2133600" cy="365125"/>
+          </a:xfrm>
+          <a:prstGeom prst="rect">
+            <a:avLst/>
+          </a:prstGeom>
+        </p:spPr>
+        <p:txBody>
+          <a:bodyPr vert="horz" lIns="91440" tIns="45720" rIns="91440" bIns="45720" rtlCol="0" anchor="ctr"/>
+          <a:lstStyle>
+            <a:defPPr>
+              <a:defRPr lang="en-US"/>
+            </a:defPPr>
+            <a:lvl1pPr marL="0" algn="r" defTabSz="914400" rtl="0" eaLnBrk="1" latinLnBrk="0" hangingPunct="1">
+              <a:defRPr sz="1200" kern="1200">
+                <a:solidFill>
+                  <a:schemeClr val="tx1">
+                    <a:tint val="75000"/>
+                  </a:schemeClr>
+                </a:solidFill>
+                <a:latin typeface="+mn-lt"/>
+                <a:ea typeface="+mn-ea"/>
+                <a:cs typeface="+mn-cs"/>
+              </a:defRPr>
+            </a:lvl1pPr>
+            <a:lvl2pPr marL="457200" algn="l" defTabSz="914400" rtl="0" eaLnBrk="1" latinLnBrk="0" hangingPunct="1">
+              <a:defRPr sz="1800" kern="1200">
+                <a:solidFill>
+                  <a:schemeClr val="tx1"/>
+                </a:solidFill>
+                <a:latin typeface="+mn-lt"/>
+                <a:ea typeface="+mn-ea"/>
+                <a:cs typeface="+mn-cs"/>
+              </a:defRPr>
+            </a:lvl2pPr>
+            <a:lvl3pPr marL="914400" algn="l" defTabSz="914400" rtl="0" eaLnBrk="1" latinLnBrk="0" hangingPunct="1">
+              <a:defRPr sz="1800" kern="1200">
+                <a:solidFill>
+                  <a:schemeClr val="tx1"/>
+                </a:solidFill>
+                <a:latin typeface="+mn-lt"/>
+                <a:ea typeface="+mn-ea"/>
+                <a:cs typeface="+mn-cs"/>
+              </a:defRPr>
+            </a:lvl3pPr>
+            <a:lvl4pPr marL="1371600" algn="l" defTabSz="914400" rtl="0" eaLnBrk="1" latinLnBrk="0" hangingPunct="1">
+              <a:defRPr sz="1800" kern="1200">
+                <a:solidFill>
+                  <a:schemeClr val="tx1"/>
+                </a:solidFill>
+                <a:latin typeface="+mn-lt"/>
+                <a:ea typeface="+mn-ea"/>
+                <a:cs typeface="+mn-cs"/>
+              </a:defRPr>
+            </a:lvl4pPr>
+            <a:lvl5pPr marL="1828800" algn="l" defTabSz="914400" rtl="0" eaLnBrk="1" latinLnBrk="0" hangingPunct="1">
+              <a:defRPr sz="1800" kern="1200">
+                <a:solidFill>
+                  <a:schemeClr val="tx1"/>
+                </a:solidFill>
+                <a:latin typeface="+mn-lt"/>
+                <a:ea typeface="+mn-ea"/>
+                <a:cs typeface="+mn-cs"/>
+              </a:defRPr>
+            </a:lvl5pPr>
+            <a:lvl6pPr marL="2286000" algn="l" defTabSz="914400" rtl="0" eaLnBrk="1" latinLnBrk="0" hangingPunct="1">
+              <a:defRPr sz="1800" kern="1200">
+                <a:solidFill>
+                  <a:schemeClr val="tx1"/>
+                </a:solidFill>
+                <a:latin typeface="+mn-lt"/>
+                <a:ea typeface="+mn-ea"/>
+                <a:cs typeface="+mn-cs"/>
+              </a:defRPr>
+            </a:lvl6pPr>
+            <a:lvl7pPr marL="2743200" algn="l" defTabSz="914400" rtl="0" eaLnBrk="1" latinLnBrk="0" hangingPunct="1">
+              <a:defRPr sz="1800" kern="1200">
+                <a:solidFill>
+                  <a:schemeClr val="tx1"/>
+                </a:solidFill>
+                <a:latin typeface="+mn-lt"/>
+                <a:ea typeface="+mn-ea"/>
+                <a:cs typeface="+mn-cs"/>
+              </a:defRPr>
+            </a:lvl7pPr>
+            <a:lvl8pPr marL="3200400" algn="l" defTabSz="914400" rtl="0" eaLnBrk="1" latinLnBrk="0" hangingPunct="1">
+              <a:defRPr sz="1800" kern="1200">
+                <a:solidFill>
+                  <a:schemeClr val="tx1"/>
+                </a:solidFill>
+                <a:latin typeface="+mn-lt"/>
+                <a:ea typeface="+mn-ea"/>
+                <a:cs typeface="+mn-cs"/>
+              </a:defRPr>
+            </a:lvl8pPr>
+            <a:lvl9pPr marL="3657600" algn="l" defTabSz="914400" rtl="0" eaLnBrk="1" latinLnBrk="0" hangingPunct="1">
+              <a:defRPr sz="1800" kern="1200">
+                <a:solidFill>
+                  <a:schemeClr val="tx1"/>
+                </a:solidFill>
+                <a:latin typeface="+mn-lt"/>
+                <a:ea typeface="+mn-ea"/>
+                <a:cs typeface="+mn-cs"/>
+              </a:defRPr>
+            </a:lvl9pPr>
+          </a:lstStyle>
+          <a:p>
+            <a:pPr algn="r" defTabSz="1300460" fontAlgn="base">
+              <a:spcBef>
+                <a:spcPct val="0"/>
+              </a:spcBef>
+              <a:spcAft>
+                <a:spcPct val="0"/>
+              </a:spcAft>
+              <a:defRPr/>
+            </a:pPr>
+            <a:fld id="{4BD0C80B-3240-49E4-96B5-B7997D4E4AAB}" type="slidenum">
+              <a:rPr lang="en-US" smtClean="0"/>
+              <a:pPr algn="r" defTabSz="1300460" fontAlgn="base">
+                <a:spcBef>
+                  <a:spcPct val="0"/>
+                </a:spcBef>
+                <a:spcAft>
+                  <a:spcPct val="0"/>
+                </a:spcAft>
+                <a:defRPr/>
+              </a:pPr>
+              <a:t>3</a:t>
+            </a:fld>
+            <a:endParaRPr lang="en-US" altLang="en-US" sz="2276" dirty="0">
+              <a:solidFill>
+                <a:srgbClr val="000000"/>
+              </a:solidFill>
+              <a:latin typeface="Gill Sans"/>
+              <a:cs typeface="Arial"/>
+            </a:endParaRPr>
+          </a:p>
+        </p:txBody>
+      </p:sp>
+      <p:sp>
+        <p:nvSpPr>
+          <p:cNvPr id="6" name="Rectangle 5"/>
+          <p:cNvSpPr/>
+          <p:nvPr/>
+        </p:nvSpPr>
+        <p:spPr bwMode="auto">
+          <a:xfrm>
+            <a:off x="1942511" y="5771592"/>
+            <a:ext cx="2279762" cy="823424"/>
+          </a:xfrm>
+          <a:prstGeom prst="rect">
+            <a:avLst/>
+          </a:prstGeom>
+          <a:solidFill>
+            <a:srgbClr val="C00000"/>
+          </a:solidFill>
+          <a:ln w="25400" cap="flat" cmpd="sng" algn="ctr">
+            <a:solidFill>
+              <a:srgbClr val="FF0000"/>
+            </a:solidFill>
+            <a:prstDash val="solid"/>
+          </a:ln>
+          <a:effectLst/>
+          <a:scene3d>
+            <a:camera prst="obliqueTopRight"/>
+            <a:lightRig rig="threePt" dir="t"/>
+          </a:scene3d>
+          <a:sp3d extrusionH="635000"/>
+        </p:spPr>
+        <p:txBody>
+          <a:bodyPr anchor="ctr"/>
+          <a:lstStyle/>
+          <a:p>
+            <a:pPr algn="ctr" defTabSz="1300460">
+              <a:defRPr/>
+            </a:pPr>
+            <a:r>
+              <a:rPr lang="en-US" sz="2276" kern="0" dirty="0">
+                <a:solidFill>
+                  <a:prstClr val="white"/>
+                </a:solidFill>
+                <a:latin typeface="+mj-lt"/>
+              </a:rPr>
+              <a:t>Cisco Router</a:t>
+            </a:r>
+          </a:p>
+          <a:p>
+            <a:pPr algn="ctr" defTabSz="1300460">
+              <a:defRPr/>
+            </a:pPr>
+            <a:r>
+              <a:rPr lang="en-US" sz="1991" kern="0" dirty="0">
+                <a:solidFill>
+                  <a:prstClr val="white"/>
+                </a:solidFill>
+                <a:latin typeface="+mj-lt"/>
+              </a:rPr>
+              <a:t>(Router+ DPI)</a:t>
+            </a:r>
+          </a:p>
+        </p:txBody>
+      </p:sp>
+      <p:sp>
+        <p:nvSpPr>
+          <p:cNvPr id="27" name="Rectangle 26"/>
+          <p:cNvSpPr/>
+          <p:nvPr/>
+        </p:nvSpPr>
+        <p:spPr bwMode="auto">
+          <a:xfrm>
+            <a:off x="5580325" y="7417764"/>
+            <a:ext cx="3327474" cy="808600"/>
+          </a:xfrm>
+          <a:prstGeom prst="rect">
+            <a:avLst/>
+          </a:prstGeom>
+          <a:solidFill>
+            <a:srgbClr val="0070C0"/>
+          </a:solidFill>
+          <a:ln>
+            <a:solidFill>
+              <a:srgbClr val="0066FF"/>
+            </a:solidFill>
+          </a:ln>
+          <a:scene3d>
+            <a:camera prst="obliqueTopRight"/>
+            <a:lightRig rig="threePt" dir="t"/>
+          </a:scene3d>
+          <a:sp3d extrusionH="635000"/>
+        </p:spPr>
+        <p:style>
+          <a:lnRef idx="2">
+            <a:schemeClr val="accent1">
+              <a:shade val="50000"/>
+            </a:schemeClr>
+          </a:lnRef>
+          <a:fillRef idx="1">
+            <a:schemeClr val="accent1"/>
+          </a:fillRef>
+          <a:effectRef idx="0">
+            <a:schemeClr val="accent1"/>
+          </a:effectRef>
+          <a:fontRef idx="minor">
+            <a:schemeClr val="lt1"/>
+          </a:fontRef>
+        </p:style>
+        <p:txBody>
+          <a:bodyPr anchor="ctr"/>
+          <a:lstStyle/>
+          <a:p>
+            <a:pPr algn="ctr">
+              <a:defRPr/>
+            </a:pPr>
+            <a:r>
+              <a:rPr kumimoji="1" lang="en-US" altLang="zh-CN" sz="2844" kern="0" dirty="0">
+                <a:solidFill>
+                  <a:schemeClr val="bg1"/>
+                </a:solidFill>
+                <a:latin typeface="+mj-lt"/>
+                <a:ea typeface="宋体" panose="02010600030101010101" pitchFamily="2" charset="-122"/>
+              </a:rPr>
+              <a:t>Physical node</a:t>
+            </a:r>
+            <a:endParaRPr kumimoji="1" lang="zh-CN" altLang="en-US" sz="2844" kern="0" dirty="0">
+              <a:solidFill>
+                <a:schemeClr val="bg1"/>
+              </a:solidFill>
+              <a:latin typeface="+mj-lt"/>
+              <a:ea typeface="宋体" panose="02010600030101010101" pitchFamily="2" charset="-122"/>
+            </a:endParaRPr>
+          </a:p>
+        </p:txBody>
+      </p:sp>
+      <p:sp>
+        <p:nvSpPr>
+          <p:cNvPr id="70" name="Rectangle 69"/>
+          <p:cNvSpPr/>
+          <p:nvPr/>
+        </p:nvSpPr>
+        <p:spPr>
+          <a:xfrm>
+            <a:off x="528829" y="2313714"/>
+            <a:ext cx="11495118" cy="486287"/>
+          </a:xfrm>
+          <a:prstGeom prst="rect">
+            <a:avLst/>
+          </a:prstGeom>
+        </p:spPr>
+        <p:txBody>
+          <a:bodyPr wrap="square">
+            <a:spAutoFit/>
+          </a:bodyPr>
+          <a:lstStyle/>
+          <a:p>
+            <a:pPr marL="487672" indent="-487672">
+              <a:spcBef>
+                <a:spcPct val="20000"/>
+              </a:spcBef>
+              <a:buClr>
+                <a:srgbClr val="00007D"/>
+              </a:buClr>
+              <a:buSzPct val="75000"/>
+              <a:buFont typeface="Wingdings" panose="05000000000000000000" pitchFamily="2" charset="2"/>
+              <a:buChar char="n"/>
+            </a:pPr>
+            <a:r>
+              <a:rPr lang="en-US" altLang="en-US" sz="2560" dirty="0">
+                <a:solidFill>
+                  <a:srgbClr val="000000"/>
+                </a:solidFill>
+                <a:latin typeface="Garamond"/>
+              </a:rPr>
+              <a:t>Network function: m</a:t>
+            </a:r>
+            <a:r>
+              <a:rPr lang="en-US" sz="2276" dirty="0">
+                <a:solidFill>
+                  <a:srgbClr val="000000"/>
+                </a:solidFill>
+                <a:latin typeface="Garamond"/>
+              </a:rPr>
+              <a:t>achine that does </a:t>
+            </a:r>
+            <a:r>
+              <a:rPr lang="en-US" sz="2276" dirty="0">
+                <a:solidFill>
+                  <a:srgbClr val="FF0000"/>
+                </a:solidFill>
+                <a:latin typeface="Garamond"/>
+              </a:rPr>
+              <a:t>SOMETHING (e.g., drop, modify)</a:t>
+            </a:r>
+            <a:r>
+              <a:rPr lang="en-US" sz="2276" dirty="0">
+                <a:solidFill>
+                  <a:srgbClr val="000000"/>
+                </a:solidFill>
+                <a:latin typeface="Garamond"/>
+              </a:rPr>
+              <a:t> to network data</a:t>
+            </a:r>
+          </a:p>
+        </p:txBody>
+      </p:sp>
+      <p:sp>
+        <p:nvSpPr>
+          <p:cNvPr id="71" name="TextBox 70"/>
+          <p:cNvSpPr txBox="1">
+            <a:spLocks noChangeArrowheads="1"/>
+          </p:cNvSpPr>
+          <p:nvPr/>
+        </p:nvSpPr>
+        <p:spPr bwMode="auto">
+          <a:xfrm>
+            <a:off x="1348420" y="3687804"/>
+            <a:ext cx="3757567" cy="530017"/>
+          </a:xfrm>
+          <a:prstGeom prst="rect">
+            <a:avLst/>
+          </a:prstGeom>
+          <a:noFill/>
+          <a:ln>
+            <a:noFill/>
+          </a:ln>
+          <a:extLst>
+            <a:ext uri="{909E8E84-426E-40DD-AFC4-6F175D3DCCD1}">
+              <a14:hiddenFill xmlns:a14="http://schemas.microsoft.com/office/drawing/2010/main">
+                <a:solidFill>
+                  <a:srgbClr val="FFFFFF"/>
+                </a:solidFill>
+              </a14:hiddenFill>
+            </a:ext>
+            <a:ext uri="{91240B29-F687-4F45-9708-019B960494DF}">
+              <a14:hiddenLine xmlns:a14="http://schemas.microsoft.com/office/drawing/2010/main" w="9525">
+                <a:solidFill>
+                  <a:srgbClr val="000000"/>
+                </a:solidFill>
+                <a:miter lim="800000"/>
+                <a:headEnd/>
+                <a:tailEnd/>
+              </a14:hiddenLine>
+            </a:ext>
+          </a:extLst>
+        </p:spPr>
+        <p:txBody>
+          <a:bodyPr wrap="none">
+            <a:spAutoFit/>
+          </a:bodyPr>
+          <a:lstStyle>
+            <a:lvl1pPr>
+              <a:defRPr sz="400">
+                <a:solidFill>
+                  <a:schemeClr val="tx1"/>
+                </a:solidFill>
+                <a:latin typeface="Arial" panose="020B0604020202020204" pitchFamily="34" charset="0"/>
+                <a:ea typeface="ＭＳ Ｐゴシック" panose="020B0600070205080204" pitchFamily="34" charset="-128"/>
+              </a:defRPr>
+            </a:lvl1pPr>
+            <a:lvl2pPr marL="742950" indent="-285750">
+              <a:defRPr sz="400">
+                <a:solidFill>
+                  <a:schemeClr val="tx1"/>
+                </a:solidFill>
+                <a:latin typeface="Arial" panose="020B0604020202020204" pitchFamily="34" charset="0"/>
+                <a:ea typeface="ＭＳ Ｐゴシック" panose="020B0600070205080204" pitchFamily="34" charset="-128"/>
+              </a:defRPr>
+            </a:lvl2pPr>
+            <a:lvl3pPr marL="1143000" indent="-228600">
+              <a:defRPr sz="400">
+                <a:solidFill>
+                  <a:schemeClr val="tx1"/>
+                </a:solidFill>
+                <a:latin typeface="Arial" panose="020B0604020202020204" pitchFamily="34" charset="0"/>
+                <a:ea typeface="ＭＳ Ｐゴシック" panose="020B0600070205080204" pitchFamily="34" charset="-128"/>
+              </a:defRPr>
+            </a:lvl3pPr>
+            <a:lvl4pPr marL="1600200" indent="-228600">
+              <a:defRPr sz="400">
+                <a:solidFill>
+                  <a:schemeClr val="tx1"/>
+                </a:solidFill>
+                <a:latin typeface="Arial" panose="020B0604020202020204" pitchFamily="34" charset="0"/>
+                <a:ea typeface="ＭＳ Ｐゴシック" panose="020B0600070205080204" pitchFamily="34" charset="-128"/>
+              </a:defRPr>
+            </a:lvl4pPr>
+            <a:lvl5pPr marL="2057400" indent="-228600">
+              <a:defRPr sz="400">
+                <a:solidFill>
+                  <a:schemeClr val="tx1"/>
+                </a:solidFill>
+                <a:latin typeface="Arial" panose="020B0604020202020204" pitchFamily="34" charset="0"/>
+                <a:ea typeface="ＭＳ Ｐゴシック" panose="020B0600070205080204" pitchFamily="34" charset="-128"/>
+              </a:defRPr>
+            </a:lvl5pPr>
+            <a:lvl6pPr marL="2514600" indent="-228600" eaLnBrk="0" fontAlgn="base" hangingPunct="0">
+              <a:spcBef>
+                <a:spcPct val="0"/>
+              </a:spcBef>
+              <a:spcAft>
+                <a:spcPct val="0"/>
+              </a:spcAft>
+              <a:defRPr sz="400">
+                <a:solidFill>
+                  <a:schemeClr val="tx1"/>
+                </a:solidFill>
+                <a:latin typeface="Arial" panose="020B0604020202020204" pitchFamily="34" charset="0"/>
+                <a:ea typeface="ＭＳ Ｐゴシック" panose="020B0600070205080204" pitchFamily="34" charset="-128"/>
+              </a:defRPr>
+            </a:lvl6pPr>
+            <a:lvl7pPr marL="2971800" indent="-228600" eaLnBrk="0" fontAlgn="base" hangingPunct="0">
+              <a:spcBef>
+                <a:spcPct val="0"/>
+              </a:spcBef>
+              <a:spcAft>
+                <a:spcPct val="0"/>
+              </a:spcAft>
+              <a:defRPr sz="400">
+                <a:solidFill>
+                  <a:schemeClr val="tx1"/>
+                </a:solidFill>
+                <a:latin typeface="Arial" panose="020B0604020202020204" pitchFamily="34" charset="0"/>
+                <a:ea typeface="ＭＳ Ｐゴシック" panose="020B0600070205080204" pitchFamily="34" charset="-128"/>
+              </a:defRPr>
+            </a:lvl7pPr>
+            <a:lvl8pPr marL="3429000" indent="-228600" eaLnBrk="0" fontAlgn="base" hangingPunct="0">
+              <a:spcBef>
+                <a:spcPct val="0"/>
+              </a:spcBef>
+              <a:spcAft>
+                <a:spcPct val="0"/>
+              </a:spcAft>
+              <a:defRPr sz="400">
+                <a:solidFill>
+                  <a:schemeClr val="tx1"/>
+                </a:solidFill>
+                <a:latin typeface="Arial" panose="020B0604020202020204" pitchFamily="34" charset="0"/>
+                <a:ea typeface="ＭＳ Ｐゴシック" panose="020B0600070205080204" pitchFamily="34" charset="-128"/>
+              </a:defRPr>
+            </a:lvl8pPr>
+            <a:lvl9pPr marL="3886200" indent="-228600" eaLnBrk="0" fontAlgn="base" hangingPunct="0">
+              <a:spcBef>
+                <a:spcPct val="0"/>
+              </a:spcBef>
+              <a:spcAft>
+                <a:spcPct val="0"/>
+              </a:spcAft>
+              <a:defRPr sz="400">
+                <a:solidFill>
+                  <a:schemeClr val="tx1"/>
+                </a:solidFill>
+                <a:latin typeface="Arial" panose="020B0604020202020204" pitchFamily="34" charset="0"/>
+                <a:ea typeface="ＭＳ Ｐゴシック" panose="020B0600070205080204" pitchFamily="34" charset="-128"/>
+              </a:defRPr>
+            </a:lvl9pPr>
+          </a:lstStyle>
+          <a:p>
+            <a:r>
+              <a:rPr lang="en-US" altLang="en-US" sz="2844" b="1" dirty="0">
+                <a:latin typeface="+mj-lt"/>
+              </a:rPr>
+              <a:t>Traditional Deployment</a:t>
+            </a:r>
+          </a:p>
+        </p:txBody>
+      </p:sp>
+      <p:sp>
+        <p:nvSpPr>
+          <p:cNvPr id="5" name="Rectangle 4"/>
+          <p:cNvSpPr/>
+          <p:nvPr/>
+        </p:nvSpPr>
+        <p:spPr>
+          <a:xfrm>
+            <a:off x="1300480" y="7100211"/>
+            <a:ext cx="3496470" cy="1843453"/>
+          </a:xfrm>
+          <a:prstGeom prst="rect">
+            <a:avLst/>
+          </a:prstGeom>
+        </p:spPr>
+        <p:txBody>
+          <a:bodyPr wrap="none">
+            <a:spAutoFit/>
+          </a:bodyPr>
+          <a:lstStyle/>
+          <a:p>
+            <a:pPr marL="406394" indent="-406394">
+              <a:buFont typeface="Arial" panose="020B0604020202020204" pitchFamily="34" charset="0"/>
+              <a:buChar char="•"/>
+              <a:defRPr/>
+            </a:pPr>
+            <a:r>
+              <a:rPr lang="en-US" sz="2276" kern="0" dirty="0">
+                <a:latin typeface="Garamond"/>
+              </a:rPr>
+              <a:t>Vendor specific hardware</a:t>
+            </a:r>
+          </a:p>
+          <a:p>
+            <a:pPr marL="406394" indent="-406394">
+              <a:buFont typeface="Arial" panose="020B0604020202020204" pitchFamily="34" charset="0"/>
+              <a:buChar char="•"/>
+              <a:defRPr/>
+            </a:pPr>
+            <a:r>
+              <a:rPr lang="en-US" sz="2276" kern="0" dirty="0">
+                <a:latin typeface="Garamond"/>
+              </a:rPr>
+              <a:t>No Sharing </a:t>
+            </a:r>
+          </a:p>
+          <a:p>
+            <a:pPr marL="406394" indent="-406394">
+              <a:buFont typeface="Arial" panose="020B0604020202020204" pitchFamily="34" charset="0"/>
+              <a:buChar char="•"/>
+              <a:defRPr/>
+            </a:pPr>
+            <a:r>
+              <a:rPr lang="en-US" sz="2276" kern="0" dirty="0">
+                <a:latin typeface="Garamond"/>
+              </a:rPr>
+              <a:t>Hard to update</a:t>
+            </a:r>
+          </a:p>
+          <a:p>
+            <a:pPr marL="406394" indent="-406394">
+              <a:buFont typeface="Arial" panose="020B0604020202020204" pitchFamily="34" charset="0"/>
+              <a:buChar char="•"/>
+              <a:defRPr/>
+            </a:pPr>
+            <a:r>
+              <a:rPr lang="en-US" sz="2276" kern="0" dirty="0">
+                <a:latin typeface="Garamond"/>
+              </a:rPr>
+              <a:t>High cost </a:t>
+            </a:r>
+          </a:p>
+          <a:p>
+            <a:pPr marL="406394" indent="-406394">
+              <a:buFont typeface="Arial" panose="020B0604020202020204" pitchFamily="34" charset="0"/>
+              <a:buChar char="•"/>
+              <a:defRPr/>
+            </a:pPr>
+            <a:endParaRPr lang="en-US" sz="2276" kern="0" dirty="0">
+              <a:latin typeface="Garamond"/>
+            </a:endParaRPr>
+          </a:p>
+        </p:txBody>
+      </p:sp>
+      <p:sp>
+        <p:nvSpPr>
+          <p:cNvPr id="25" name="Rectangle 24"/>
+          <p:cNvSpPr/>
+          <p:nvPr/>
+        </p:nvSpPr>
+        <p:spPr>
+          <a:xfrm>
+            <a:off x="5801368" y="4444953"/>
+            <a:ext cx="1359568" cy="2750071"/>
+          </a:xfrm>
+          <a:prstGeom prst="rect">
+            <a:avLst/>
+          </a:prstGeom>
+          <a:noFill/>
+          <a:ln>
+            <a:solidFill>
+              <a:srgbClr val="FFC000"/>
+            </a:solidFill>
+          </a:ln>
+          <a:effectLst>
+            <a:glow rad="228600">
+              <a:srgbClr val="92D050">
+                <a:alpha val="40000"/>
+              </a:srgbClr>
+            </a:glow>
+            <a:innerShdw blurRad="63500" dist="50800" dir="10800000">
+              <a:prstClr val="black">
+                <a:alpha val="50000"/>
+              </a:prstClr>
+            </a:innerShdw>
+          </a:effectLst>
+          <a:scene3d>
+            <a:camera prst="obliqueTopRight"/>
+            <a:lightRig rig="threePt" dir="t"/>
+          </a:scene3d>
+          <a:sp3d extrusionH="635000" contourW="12700" prstMaterial="translucentPowder">
+            <a:bevelT/>
+            <a:extrusionClr>
+              <a:srgbClr val="92D050"/>
+            </a:extrusionClr>
+            <a:contourClr>
+              <a:srgbClr val="92D050"/>
+            </a:contourClr>
+          </a:sp3d>
+        </p:spPr>
+        <p:style>
+          <a:lnRef idx="2">
+            <a:schemeClr val="accent1">
+              <a:shade val="50000"/>
+            </a:schemeClr>
+          </a:lnRef>
+          <a:fillRef idx="1">
+            <a:schemeClr val="accent1"/>
+          </a:fillRef>
+          <a:effectRef idx="0">
+            <a:schemeClr val="accent1"/>
+          </a:effectRef>
+          <a:fontRef idx="minor">
+            <a:schemeClr val="lt1"/>
+          </a:fontRef>
+        </p:style>
+        <p:txBody>
+          <a:bodyPr anchor="ctr"/>
+          <a:lstStyle/>
+          <a:p>
+            <a:pPr algn="ctr">
+              <a:defRPr/>
+            </a:pPr>
+            <a:r>
+              <a:rPr lang="en-US" sz="3413" dirty="0"/>
+              <a:t> </a:t>
+            </a:r>
+          </a:p>
+        </p:txBody>
+      </p:sp>
+      <p:sp>
+        <p:nvSpPr>
+          <p:cNvPr id="30" name="Rectangle 29"/>
+          <p:cNvSpPr/>
+          <p:nvPr/>
+        </p:nvSpPr>
+        <p:spPr bwMode="auto">
+          <a:xfrm>
+            <a:off x="5996739" y="6327109"/>
+            <a:ext cx="903956" cy="571746"/>
+          </a:xfrm>
+          <a:prstGeom prst="rect">
+            <a:avLst/>
+          </a:prstGeom>
+          <a:solidFill>
+            <a:srgbClr val="7030A0"/>
+          </a:solidFill>
+          <a:ln w="25400" cap="flat" cmpd="sng" algn="ctr">
+            <a:solidFill>
+              <a:srgbClr val="7030A0"/>
+            </a:solidFill>
+            <a:prstDash val="solid"/>
+          </a:ln>
+          <a:effectLst/>
+          <a:scene3d>
+            <a:camera prst="obliqueTopRight"/>
+            <a:lightRig rig="threePt" dir="t"/>
+          </a:scene3d>
+          <a:sp3d extrusionH="635000"/>
+        </p:spPr>
+        <p:txBody>
+          <a:bodyPr anchor="ctr"/>
+          <a:lstStyle/>
+          <a:p>
+            <a:pPr algn="ctr" defTabSz="1300460">
+              <a:defRPr/>
+            </a:pPr>
+            <a:r>
+              <a:rPr lang="en-US" sz="1707" kern="0" dirty="0">
+                <a:solidFill>
+                  <a:prstClr val="white"/>
+                </a:solidFill>
+                <a:latin typeface="+mj-lt"/>
+              </a:rPr>
+              <a:t>DPI</a:t>
+            </a:r>
+            <a:endParaRPr lang="en-US" sz="1991" kern="0" dirty="0">
+              <a:solidFill>
+                <a:prstClr val="white"/>
+              </a:solidFill>
+              <a:latin typeface="+mj-lt"/>
+            </a:endParaRPr>
+          </a:p>
+        </p:txBody>
+      </p:sp>
+      <p:sp>
+        <p:nvSpPr>
+          <p:cNvPr id="32" name="Rectangle 31"/>
+          <p:cNvSpPr/>
+          <p:nvPr/>
+        </p:nvSpPr>
+        <p:spPr bwMode="auto">
+          <a:xfrm>
+            <a:off x="1942511" y="4677457"/>
+            <a:ext cx="2279762" cy="823424"/>
+          </a:xfrm>
+          <a:prstGeom prst="rect">
+            <a:avLst/>
+          </a:prstGeom>
+          <a:solidFill>
+            <a:schemeClr val="accent6">
+              <a:lumMod val="75000"/>
+            </a:schemeClr>
+          </a:solidFill>
+          <a:ln w="25400" cap="flat" cmpd="sng" algn="ctr">
+            <a:solidFill>
+              <a:schemeClr val="accent6">
+                <a:lumMod val="75000"/>
+              </a:schemeClr>
+            </a:solidFill>
+            <a:prstDash val="solid"/>
+          </a:ln>
+          <a:effectLst/>
+          <a:scene3d>
+            <a:camera prst="obliqueTopRight"/>
+            <a:lightRig rig="threePt" dir="t"/>
+          </a:scene3d>
+          <a:sp3d extrusionH="635000"/>
+        </p:spPr>
+        <p:txBody>
+          <a:bodyPr anchor="ctr"/>
+          <a:lstStyle/>
+          <a:p>
+            <a:pPr algn="ctr" defTabSz="1300460">
+              <a:defRPr/>
+            </a:pPr>
+            <a:r>
+              <a:rPr lang="en-US" sz="2276" kern="0" dirty="0">
+                <a:solidFill>
+                  <a:prstClr val="white"/>
+                </a:solidFill>
+                <a:latin typeface="+mj-lt"/>
+              </a:rPr>
+              <a:t>Juniper LB</a:t>
+            </a:r>
+            <a:endParaRPr lang="en-US" sz="1991" kern="0" dirty="0">
+              <a:solidFill>
+                <a:prstClr val="white"/>
+              </a:solidFill>
+              <a:latin typeface="+mj-lt"/>
+            </a:endParaRPr>
+          </a:p>
+        </p:txBody>
+      </p:sp>
+      <p:sp>
+        <p:nvSpPr>
+          <p:cNvPr id="34" name="Rectangle 33"/>
+          <p:cNvSpPr/>
+          <p:nvPr/>
+        </p:nvSpPr>
+        <p:spPr bwMode="auto">
+          <a:xfrm>
+            <a:off x="6037651" y="4729865"/>
+            <a:ext cx="903957" cy="571746"/>
+          </a:xfrm>
+          <a:prstGeom prst="rect">
+            <a:avLst/>
+          </a:prstGeom>
+          <a:solidFill>
+            <a:srgbClr val="7030A0"/>
+          </a:solidFill>
+          <a:ln w="25400" cap="flat" cmpd="sng" algn="ctr">
+            <a:solidFill>
+              <a:srgbClr val="7030A0"/>
+            </a:solidFill>
+            <a:prstDash val="solid"/>
+          </a:ln>
+          <a:effectLst/>
+          <a:scene3d>
+            <a:camera prst="obliqueTopRight"/>
+            <a:lightRig rig="threePt" dir="t"/>
+          </a:scene3d>
+          <a:sp3d extrusionH="635000"/>
+        </p:spPr>
+        <p:txBody>
+          <a:bodyPr anchor="ctr"/>
+          <a:lstStyle/>
+          <a:p>
+            <a:pPr algn="ctr" defTabSz="1300460">
+              <a:defRPr/>
+            </a:pPr>
+            <a:r>
+              <a:rPr lang="en-US" sz="1707" kern="0" dirty="0">
+                <a:solidFill>
+                  <a:prstClr val="white"/>
+                </a:solidFill>
+                <a:latin typeface="+mj-lt"/>
+              </a:rPr>
+              <a:t>DPI</a:t>
+            </a:r>
+            <a:endParaRPr lang="en-US" sz="1564" kern="0" dirty="0">
+              <a:solidFill>
+                <a:prstClr val="white"/>
+              </a:solidFill>
+              <a:latin typeface="+mj-lt"/>
+            </a:endParaRPr>
+          </a:p>
+        </p:txBody>
+      </p:sp>
+      <p:sp>
+        <p:nvSpPr>
+          <p:cNvPr id="35" name="Rectangle 34"/>
+          <p:cNvSpPr/>
+          <p:nvPr/>
+        </p:nvSpPr>
+        <p:spPr>
+          <a:xfrm>
+            <a:off x="7956229" y="8482575"/>
+            <a:ext cx="2180405" cy="1493229"/>
+          </a:xfrm>
+          <a:prstGeom prst="rect">
+            <a:avLst/>
+          </a:prstGeom>
+        </p:spPr>
+        <p:txBody>
+          <a:bodyPr wrap="none">
+            <a:spAutoFit/>
+          </a:bodyPr>
+          <a:lstStyle/>
+          <a:p>
+            <a:pPr marL="406394" indent="-406394">
+              <a:buFont typeface="Arial" panose="020B0604020202020204" pitchFamily="34" charset="0"/>
+              <a:buChar char="•"/>
+              <a:defRPr/>
+            </a:pPr>
+            <a:r>
+              <a:rPr lang="en-US" sz="2276" kern="0" dirty="0">
+                <a:latin typeface="Garamond"/>
+              </a:rPr>
+              <a:t>Easy to share </a:t>
+            </a:r>
+          </a:p>
+          <a:p>
+            <a:pPr marL="406394" indent="-406394">
+              <a:buFont typeface="Arial" panose="020B0604020202020204" pitchFamily="34" charset="0"/>
+              <a:buChar char="•"/>
+              <a:defRPr/>
+            </a:pPr>
+            <a:r>
+              <a:rPr lang="en-US" sz="2276" kern="0" dirty="0">
+                <a:latin typeface="Garamond"/>
+              </a:rPr>
+              <a:t>Scalable </a:t>
+            </a:r>
+          </a:p>
+          <a:p>
+            <a:pPr marL="406394" indent="-406394">
+              <a:buFont typeface="Arial" panose="020B0604020202020204" pitchFamily="34" charset="0"/>
+              <a:buChar char="•"/>
+              <a:defRPr/>
+            </a:pPr>
+            <a:r>
+              <a:rPr lang="en-US" sz="2276" kern="0" dirty="0">
+                <a:latin typeface="Garamond"/>
+              </a:rPr>
+              <a:t>Low cost </a:t>
+            </a:r>
+          </a:p>
+          <a:p>
+            <a:pPr marL="406394" indent="-406394">
+              <a:buFont typeface="Arial" panose="020B0604020202020204" pitchFamily="34" charset="0"/>
+              <a:buChar char="•"/>
+              <a:defRPr/>
+            </a:pPr>
+            <a:endParaRPr lang="en-US" sz="2276" kern="0" dirty="0">
+              <a:latin typeface="Garamond"/>
+            </a:endParaRPr>
+          </a:p>
+        </p:txBody>
+      </p:sp>
+      <p:sp>
+        <p:nvSpPr>
+          <p:cNvPr id="31" name="Rectangle 30"/>
+          <p:cNvSpPr/>
+          <p:nvPr/>
+        </p:nvSpPr>
+        <p:spPr bwMode="auto">
+          <a:xfrm>
+            <a:off x="5977862" y="5538128"/>
+            <a:ext cx="941712" cy="571746"/>
+          </a:xfrm>
+          <a:prstGeom prst="rect">
+            <a:avLst/>
+          </a:prstGeom>
+          <a:solidFill>
+            <a:srgbClr val="C00000"/>
+          </a:solidFill>
+          <a:ln w="25400" cap="flat" cmpd="sng" algn="ctr">
+            <a:solidFill>
+              <a:srgbClr val="FF0000"/>
+            </a:solidFill>
+            <a:prstDash val="solid"/>
+          </a:ln>
+          <a:effectLst/>
+          <a:scene3d>
+            <a:camera prst="obliqueTopRight"/>
+            <a:lightRig rig="threePt" dir="t"/>
+          </a:scene3d>
+          <a:sp3d extrusionH="635000"/>
+        </p:spPr>
+        <p:txBody>
+          <a:bodyPr anchor="ctr"/>
+          <a:lstStyle/>
+          <a:p>
+            <a:pPr algn="ctr" defTabSz="1300460">
+              <a:defRPr/>
+            </a:pPr>
+            <a:r>
+              <a:rPr lang="en-US" sz="1707" kern="0" dirty="0">
+                <a:solidFill>
+                  <a:prstClr val="white"/>
+                </a:solidFill>
+                <a:latin typeface="+mj-lt"/>
+              </a:rPr>
+              <a:t>Router</a:t>
+            </a:r>
+            <a:endParaRPr lang="en-US" sz="1564" kern="0" dirty="0">
+              <a:solidFill>
+                <a:prstClr val="white"/>
+              </a:solidFill>
+              <a:latin typeface="+mj-lt"/>
+            </a:endParaRPr>
+          </a:p>
+        </p:txBody>
+      </p:sp>
+      <p:sp>
+        <p:nvSpPr>
+          <p:cNvPr id="38" name="Rectangle 37"/>
+          <p:cNvSpPr/>
+          <p:nvPr/>
+        </p:nvSpPr>
+        <p:spPr>
+          <a:xfrm>
+            <a:off x="7499545" y="4444953"/>
+            <a:ext cx="1359568" cy="2750071"/>
+          </a:xfrm>
+          <a:prstGeom prst="rect">
+            <a:avLst/>
+          </a:prstGeom>
+          <a:noFill/>
+          <a:ln>
+            <a:solidFill>
+              <a:srgbClr val="FFC000"/>
+            </a:solidFill>
+          </a:ln>
+          <a:effectLst>
+            <a:glow rad="228600">
+              <a:srgbClr val="92D050">
+                <a:alpha val="40000"/>
+              </a:srgbClr>
+            </a:glow>
+            <a:innerShdw blurRad="63500" dist="50800" dir="10800000">
+              <a:prstClr val="black">
+                <a:alpha val="50000"/>
+              </a:prstClr>
+            </a:innerShdw>
+          </a:effectLst>
+          <a:scene3d>
+            <a:camera prst="obliqueTopRight"/>
+            <a:lightRig rig="threePt" dir="t"/>
+          </a:scene3d>
+          <a:sp3d extrusionH="635000" contourW="12700" prstMaterial="translucentPowder">
+            <a:bevelT/>
+            <a:extrusionClr>
+              <a:srgbClr val="92D050"/>
+            </a:extrusionClr>
+            <a:contourClr>
+              <a:srgbClr val="92D050"/>
+            </a:contourClr>
+          </a:sp3d>
+        </p:spPr>
+        <p:style>
+          <a:lnRef idx="2">
+            <a:schemeClr val="accent1">
+              <a:shade val="50000"/>
+            </a:schemeClr>
+          </a:lnRef>
+          <a:fillRef idx="1">
+            <a:schemeClr val="accent1"/>
+          </a:fillRef>
+          <a:effectRef idx="0">
+            <a:schemeClr val="accent1"/>
+          </a:effectRef>
+          <a:fontRef idx="minor">
+            <a:schemeClr val="lt1"/>
+          </a:fontRef>
+        </p:style>
+        <p:txBody>
+          <a:bodyPr anchor="ctr"/>
+          <a:lstStyle/>
+          <a:p>
+            <a:pPr algn="ctr">
+              <a:defRPr/>
+            </a:pPr>
+            <a:r>
+              <a:rPr lang="en-US" sz="3413" dirty="0"/>
+              <a:t> </a:t>
+            </a:r>
+          </a:p>
+        </p:txBody>
+      </p:sp>
+      <p:sp>
+        <p:nvSpPr>
+          <p:cNvPr id="39" name="Rectangle 38"/>
+          <p:cNvSpPr/>
+          <p:nvPr/>
+        </p:nvSpPr>
+        <p:spPr bwMode="auto">
+          <a:xfrm>
+            <a:off x="9303203" y="7418127"/>
+            <a:ext cx="3327474" cy="808600"/>
+          </a:xfrm>
+          <a:prstGeom prst="rect">
+            <a:avLst/>
+          </a:prstGeom>
+          <a:solidFill>
+            <a:srgbClr val="0070C0"/>
+          </a:solidFill>
+          <a:ln>
+            <a:solidFill>
+              <a:srgbClr val="0066FF"/>
+            </a:solidFill>
+          </a:ln>
+          <a:scene3d>
+            <a:camera prst="obliqueTopRight"/>
+            <a:lightRig rig="threePt" dir="t"/>
+          </a:scene3d>
+          <a:sp3d extrusionH="635000"/>
+        </p:spPr>
+        <p:style>
+          <a:lnRef idx="2">
+            <a:schemeClr val="accent1">
+              <a:shade val="50000"/>
+            </a:schemeClr>
+          </a:lnRef>
+          <a:fillRef idx="1">
+            <a:schemeClr val="accent1"/>
+          </a:fillRef>
+          <a:effectRef idx="0">
+            <a:schemeClr val="accent1"/>
+          </a:effectRef>
+          <a:fontRef idx="minor">
+            <a:schemeClr val="lt1"/>
+          </a:fontRef>
+        </p:style>
+        <p:txBody>
+          <a:bodyPr anchor="ctr"/>
+          <a:lstStyle/>
+          <a:p>
+            <a:pPr algn="ctr">
+              <a:defRPr/>
+            </a:pPr>
+            <a:r>
+              <a:rPr kumimoji="1" lang="en-US" altLang="zh-CN" sz="2844" kern="0" dirty="0">
+                <a:solidFill>
+                  <a:srgbClr val="FFFFFF"/>
+                </a:solidFill>
+                <a:latin typeface="Garamond"/>
+                <a:ea typeface="宋体" panose="02010600030101010101" pitchFamily="2" charset="-122"/>
+              </a:rPr>
+              <a:t>Physical node</a:t>
+            </a:r>
+            <a:endParaRPr kumimoji="1" lang="zh-CN" altLang="en-US" sz="2844" kern="0" dirty="0">
+              <a:solidFill>
+                <a:srgbClr val="FFFFFF"/>
+              </a:solidFill>
+              <a:latin typeface="Garamond"/>
+              <a:ea typeface="宋体" panose="02010600030101010101" pitchFamily="2" charset="-122"/>
+            </a:endParaRPr>
+          </a:p>
+        </p:txBody>
+      </p:sp>
+      <p:sp>
+        <p:nvSpPr>
+          <p:cNvPr id="40" name="Rectangle 39"/>
+          <p:cNvSpPr/>
+          <p:nvPr/>
+        </p:nvSpPr>
+        <p:spPr bwMode="auto">
+          <a:xfrm>
+            <a:off x="7727351" y="6422134"/>
+            <a:ext cx="903957" cy="571746"/>
+          </a:xfrm>
+          <a:prstGeom prst="rect">
+            <a:avLst/>
+          </a:prstGeom>
+          <a:solidFill>
+            <a:srgbClr val="7030A0"/>
+          </a:solidFill>
+          <a:ln w="25400" cap="flat" cmpd="sng" algn="ctr">
+            <a:solidFill>
+              <a:srgbClr val="7030A0"/>
+            </a:solidFill>
+            <a:prstDash val="solid"/>
+          </a:ln>
+          <a:effectLst/>
+          <a:scene3d>
+            <a:camera prst="obliqueTopRight"/>
+            <a:lightRig rig="threePt" dir="t"/>
+          </a:scene3d>
+          <a:sp3d extrusionH="635000"/>
+        </p:spPr>
+        <p:txBody>
+          <a:bodyPr anchor="ctr"/>
+          <a:lstStyle/>
+          <a:p>
+            <a:pPr algn="ctr" defTabSz="1300460">
+              <a:defRPr/>
+            </a:pPr>
+            <a:r>
+              <a:rPr lang="en-US" sz="1707" kern="0" dirty="0">
+                <a:solidFill>
+                  <a:prstClr val="white"/>
+                </a:solidFill>
+                <a:latin typeface="+mj-lt"/>
+              </a:rPr>
+              <a:t>DPI</a:t>
+            </a:r>
+            <a:endParaRPr lang="en-US" sz="1564" kern="0" dirty="0">
+              <a:solidFill>
+                <a:prstClr val="white"/>
+              </a:solidFill>
+              <a:latin typeface="+mj-lt"/>
+            </a:endParaRPr>
+          </a:p>
+        </p:txBody>
+      </p:sp>
+      <p:sp>
+        <p:nvSpPr>
+          <p:cNvPr id="41" name="Rectangle 40"/>
+          <p:cNvSpPr/>
+          <p:nvPr/>
+        </p:nvSpPr>
+        <p:spPr>
+          <a:xfrm>
+            <a:off x="9531648" y="4539949"/>
+            <a:ext cx="1359568" cy="2750071"/>
+          </a:xfrm>
+          <a:prstGeom prst="rect">
+            <a:avLst/>
+          </a:prstGeom>
+          <a:noFill/>
+          <a:ln>
+            <a:solidFill>
+              <a:srgbClr val="FFC000"/>
+            </a:solidFill>
+          </a:ln>
+          <a:effectLst>
+            <a:glow rad="228600">
+              <a:srgbClr val="92D050">
+                <a:alpha val="40000"/>
+              </a:srgbClr>
+            </a:glow>
+            <a:innerShdw blurRad="63500" dist="50800" dir="10800000">
+              <a:prstClr val="black">
+                <a:alpha val="50000"/>
+              </a:prstClr>
+            </a:innerShdw>
+          </a:effectLst>
+          <a:scene3d>
+            <a:camera prst="obliqueTopRight"/>
+            <a:lightRig rig="threePt" dir="t"/>
+          </a:scene3d>
+          <a:sp3d extrusionH="635000" contourW="12700" prstMaterial="translucentPowder">
+            <a:bevelT/>
+            <a:extrusionClr>
+              <a:srgbClr val="92D050"/>
+            </a:extrusionClr>
+            <a:contourClr>
+              <a:srgbClr val="92D050"/>
+            </a:contourClr>
+          </a:sp3d>
+        </p:spPr>
+        <p:style>
+          <a:lnRef idx="2">
+            <a:schemeClr val="accent1">
+              <a:shade val="50000"/>
+            </a:schemeClr>
+          </a:lnRef>
+          <a:fillRef idx="1">
+            <a:schemeClr val="accent1"/>
+          </a:fillRef>
+          <a:effectRef idx="0">
+            <a:schemeClr val="accent1"/>
+          </a:effectRef>
+          <a:fontRef idx="minor">
+            <a:schemeClr val="lt1"/>
+          </a:fontRef>
+        </p:style>
+        <p:txBody>
+          <a:bodyPr anchor="ctr"/>
+          <a:lstStyle/>
+          <a:p>
+            <a:pPr algn="ctr">
+              <a:defRPr/>
+            </a:pPr>
+            <a:r>
+              <a:rPr lang="en-US" sz="3413" dirty="0"/>
+              <a:t> </a:t>
+            </a:r>
+          </a:p>
+        </p:txBody>
+      </p:sp>
+      <p:sp>
+        <p:nvSpPr>
+          <p:cNvPr id="44" name="Rectangle 43"/>
+          <p:cNvSpPr/>
+          <p:nvPr/>
+        </p:nvSpPr>
+        <p:spPr bwMode="auto">
+          <a:xfrm>
+            <a:off x="9767207" y="5716176"/>
+            <a:ext cx="903957" cy="571746"/>
+          </a:xfrm>
+          <a:prstGeom prst="rect">
+            <a:avLst/>
+          </a:prstGeom>
+          <a:solidFill>
+            <a:schemeClr val="accent6">
+              <a:lumMod val="75000"/>
+            </a:schemeClr>
+          </a:solidFill>
+          <a:ln w="25400" cap="flat" cmpd="sng" algn="ctr">
+            <a:solidFill>
+              <a:schemeClr val="accent6">
+                <a:lumMod val="75000"/>
+              </a:schemeClr>
+            </a:solidFill>
+            <a:prstDash val="solid"/>
+          </a:ln>
+          <a:effectLst/>
+          <a:scene3d>
+            <a:camera prst="obliqueTopRight"/>
+            <a:lightRig rig="threePt" dir="t"/>
+          </a:scene3d>
+          <a:sp3d extrusionH="635000"/>
+        </p:spPr>
+        <p:txBody>
+          <a:bodyPr anchor="ctr"/>
+          <a:lstStyle/>
+          <a:p>
+            <a:pPr algn="ctr" defTabSz="1300460">
+              <a:defRPr/>
+            </a:pPr>
+            <a:r>
+              <a:rPr lang="en-US" sz="1707" kern="0" dirty="0">
+                <a:solidFill>
+                  <a:prstClr val="white"/>
+                </a:solidFill>
+                <a:latin typeface="+mj-lt"/>
+              </a:rPr>
+              <a:t>LB</a:t>
+            </a:r>
+            <a:endParaRPr lang="en-US" sz="1564" kern="0" dirty="0">
+              <a:solidFill>
+                <a:prstClr val="white"/>
+              </a:solidFill>
+              <a:latin typeface="+mj-lt"/>
+            </a:endParaRPr>
+          </a:p>
+        </p:txBody>
+      </p:sp>
+      <p:sp>
+        <p:nvSpPr>
+          <p:cNvPr id="45" name="Rectangle 44"/>
+          <p:cNvSpPr/>
+          <p:nvPr/>
+        </p:nvSpPr>
+        <p:spPr>
+          <a:xfrm>
+            <a:off x="11083639" y="4540008"/>
+            <a:ext cx="1359568" cy="2750071"/>
+          </a:xfrm>
+          <a:prstGeom prst="rect">
+            <a:avLst/>
+          </a:prstGeom>
+          <a:noFill/>
+          <a:ln>
+            <a:solidFill>
+              <a:srgbClr val="FFC000"/>
+            </a:solidFill>
+          </a:ln>
+          <a:effectLst>
+            <a:glow rad="228600">
+              <a:srgbClr val="92D050">
+                <a:alpha val="40000"/>
+              </a:srgbClr>
+            </a:glow>
+            <a:innerShdw blurRad="63500" dist="50800" dir="10800000">
+              <a:prstClr val="black">
+                <a:alpha val="50000"/>
+              </a:prstClr>
+            </a:innerShdw>
+          </a:effectLst>
+          <a:scene3d>
+            <a:camera prst="obliqueTopRight"/>
+            <a:lightRig rig="threePt" dir="t"/>
+          </a:scene3d>
+          <a:sp3d extrusionH="635000" contourW="12700" prstMaterial="translucentPowder">
+            <a:bevelT/>
+            <a:extrusionClr>
+              <a:srgbClr val="92D050"/>
+            </a:extrusionClr>
+            <a:contourClr>
+              <a:srgbClr val="92D050"/>
+            </a:contourClr>
+          </a:sp3d>
+        </p:spPr>
+        <p:style>
+          <a:lnRef idx="2">
+            <a:schemeClr val="accent1">
+              <a:shade val="50000"/>
+            </a:schemeClr>
+          </a:lnRef>
+          <a:fillRef idx="1">
+            <a:schemeClr val="accent1"/>
+          </a:fillRef>
+          <a:effectRef idx="0">
+            <a:schemeClr val="accent1"/>
+          </a:effectRef>
+          <a:fontRef idx="minor">
+            <a:schemeClr val="lt1"/>
+          </a:fontRef>
+        </p:style>
+        <p:txBody>
+          <a:bodyPr anchor="ctr"/>
+          <a:lstStyle/>
+          <a:p>
+            <a:pPr algn="ctr">
+              <a:defRPr/>
+            </a:pPr>
+            <a:r>
+              <a:rPr lang="en-US" sz="3413" dirty="0"/>
+              <a:t> </a:t>
+            </a:r>
+          </a:p>
+        </p:txBody>
+      </p:sp>
+      <p:sp>
+        <p:nvSpPr>
+          <p:cNvPr id="47" name="Rectangle 46"/>
+          <p:cNvSpPr/>
+          <p:nvPr/>
+        </p:nvSpPr>
+        <p:spPr bwMode="auto">
+          <a:xfrm>
+            <a:off x="9767207" y="6627088"/>
+            <a:ext cx="903957" cy="571746"/>
+          </a:xfrm>
+          <a:prstGeom prst="rect">
+            <a:avLst/>
+          </a:prstGeom>
+          <a:solidFill>
+            <a:schemeClr val="accent6">
+              <a:lumMod val="75000"/>
+            </a:schemeClr>
+          </a:solidFill>
+          <a:ln w="25400" cap="flat" cmpd="sng" algn="ctr">
+            <a:solidFill>
+              <a:schemeClr val="accent6">
+                <a:lumMod val="75000"/>
+              </a:schemeClr>
+            </a:solidFill>
+            <a:prstDash val="solid"/>
+          </a:ln>
+          <a:effectLst/>
+          <a:scene3d>
+            <a:camera prst="obliqueTopRight"/>
+            <a:lightRig rig="threePt" dir="t"/>
+          </a:scene3d>
+          <a:sp3d extrusionH="635000"/>
+        </p:spPr>
+        <p:txBody>
+          <a:bodyPr anchor="ctr"/>
+          <a:lstStyle/>
+          <a:p>
+            <a:pPr algn="ctr" defTabSz="1300460">
+              <a:defRPr/>
+            </a:pPr>
+            <a:r>
+              <a:rPr lang="en-US" sz="1707" kern="0" dirty="0">
+                <a:solidFill>
+                  <a:prstClr val="white"/>
+                </a:solidFill>
+                <a:latin typeface="+mj-lt"/>
+              </a:rPr>
+              <a:t>LB</a:t>
+            </a:r>
+            <a:endParaRPr lang="en-US" sz="1564" kern="0" dirty="0">
+              <a:solidFill>
+                <a:prstClr val="white"/>
+              </a:solidFill>
+              <a:latin typeface="+mj-lt"/>
+            </a:endParaRPr>
+          </a:p>
+        </p:txBody>
+      </p:sp>
+      <p:sp>
+        <p:nvSpPr>
+          <p:cNvPr id="48" name="Rectangle 47"/>
+          <p:cNvSpPr/>
+          <p:nvPr/>
+        </p:nvSpPr>
+        <p:spPr bwMode="auto">
+          <a:xfrm>
+            <a:off x="11311445" y="6590533"/>
+            <a:ext cx="903957" cy="571746"/>
+          </a:xfrm>
+          <a:prstGeom prst="rect">
+            <a:avLst/>
+          </a:prstGeom>
+          <a:solidFill>
+            <a:schemeClr val="accent6">
+              <a:lumMod val="75000"/>
+            </a:schemeClr>
+          </a:solidFill>
+          <a:ln w="25400" cap="flat" cmpd="sng" algn="ctr">
+            <a:solidFill>
+              <a:schemeClr val="accent6">
+                <a:lumMod val="75000"/>
+              </a:schemeClr>
+            </a:solidFill>
+            <a:prstDash val="solid"/>
+          </a:ln>
+          <a:effectLst/>
+          <a:scene3d>
+            <a:camera prst="obliqueTopRight"/>
+            <a:lightRig rig="threePt" dir="t"/>
+          </a:scene3d>
+          <a:sp3d extrusionH="635000"/>
+        </p:spPr>
+        <p:txBody>
+          <a:bodyPr anchor="ctr"/>
+          <a:lstStyle/>
+          <a:p>
+            <a:pPr algn="ctr" defTabSz="1300460">
+              <a:defRPr/>
+            </a:pPr>
+            <a:r>
+              <a:rPr lang="en-US" sz="1707" kern="0" dirty="0">
+                <a:solidFill>
+                  <a:prstClr val="white"/>
+                </a:solidFill>
+                <a:latin typeface="+mj-lt"/>
+              </a:rPr>
+              <a:t>LB</a:t>
+            </a:r>
+            <a:endParaRPr lang="en-US" sz="1564" kern="0" dirty="0">
+              <a:solidFill>
+                <a:prstClr val="white"/>
+              </a:solidFill>
+              <a:latin typeface="+mj-lt"/>
+            </a:endParaRPr>
+          </a:p>
+        </p:txBody>
+      </p:sp>
+      <p:sp>
+        <p:nvSpPr>
+          <p:cNvPr id="36" name="TextBox 35"/>
+          <p:cNvSpPr txBox="1"/>
+          <p:nvPr/>
+        </p:nvSpPr>
+        <p:spPr>
+          <a:xfrm>
+            <a:off x="7404588" y="4412266"/>
+            <a:ext cx="1653579" cy="1274195"/>
+          </a:xfrm>
+          <a:prstGeom prst="rect">
+            <a:avLst/>
+          </a:prstGeom>
+          <a:noFill/>
+        </p:spPr>
+        <p:txBody>
+          <a:bodyPr wrap="square" rtlCol="0">
+            <a:spAutoFit/>
+          </a:bodyPr>
+          <a:lstStyle/>
+          <a:p>
+            <a:pPr algn="ctr"/>
+            <a:r>
+              <a:rPr lang="en-US" altLang="en-US" sz="2560" b="1" kern="0" dirty="0">
+                <a:solidFill>
+                  <a:srgbClr val="FF0000"/>
+                </a:solidFill>
+                <a:latin typeface="Times New Roman" panose="02020603050405020304" pitchFamily="18" charset="0"/>
+                <a:cs typeface="Times New Roman" panose="02020603050405020304" pitchFamily="18" charset="0"/>
+              </a:rPr>
+              <a:t>Virtual</a:t>
+            </a:r>
+          </a:p>
+          <a:p>
+            <a:pPr algn="ctr"/>
+            <a:r>
+              <a:rPr lang="en-US" altLang="en-US" sz="2560" b="1" kern="0" dirty="0">
+                <a:solidFill>
+                  <a:srgbClr val="FF0000"/>
+                </a:solidFill>
+                <a:latin typeface="Times New Roman" panose="02020603050405020304" pitchFamily="18" charset="0"/>
+                <a:cs typeface="Times New Roman" panose="02020603050405020304" pitchFamily="18" charset="0"/>
+              </a:rPr>
+              <a:t> Network</a:t>
+            </a:r>
+          </a:p>
+          <a:p>
+            <a:pPr algn="ctr"/>
+            <a:r>
+              <a:rPr lang="en-US" altLang="en-US" sz="2560" b="1" kern="0" dirty="0">
+                <a:solidFill>
+                  <a:srgbClr val="FF0000"/>
+                </a:solidFill>
+                <a:latin typeface="Times New Roman" panose="02020603050405020304" pitchFamily="18" charset="0"/>
+                <a:cs typeface="Times New Roman" panose="02020603050405020304" pitchFamily="18" charset="0"/>
+              </a:rPr>
+              <a:t> Function</a:t>
+            </a:r>
+            <a:endParaRPr lang="en-US" sz="711" b="1" dirty="0">
+              <a:latin typeface="Times New Roman" panose="02020603050405020304" pitchFamily="18" charset="0"/>
+              <a:cs typeface="Times New Roman" panose="02020603050405020304" pitchFamily="18" charset="0"/>
+            </a:endParaRPr>
+          </a:p>
+        </p:txBody>
+      </p:sp>
+    </p:spTree>
+    <p:extLst>
+      <p:ext uri="{BB962C8B-B14F-4D97-AF65-F5344CB8AC3E}">
+        <p14:creationId xmlns:p14="http://schemas.microsoft.com/office/powerpoint/2010/main" val="3553202738"/>
+      </p:ext>
+    </p:extLst>
+  </p:cSld>
+  <p:clrMapOvr>
+    <a:masterClrMapping/>
+  </p:clrMapOvr>
+  <p:timing>
+    <p:tnLst>
+      <p:par>
+        <p:cTn id="1" dur="indefinite" restart="never" nodeType="tmRoot">
+          <p:childTnLst>
+            <p:seq concurrent="1" nextAc="seek">
+              <p:cTn id="2" dur="indefinite" nodeType="mainSeq">
+                <p:childTnLst>
+                  <p:par>
+                    <p:cTn id="3" fill="hold">
+                      <p:stCondLst>
+                        <p:cond delay="indefinite"/>
+                      </p:stCondLst>
+                      <p:childTnLst>
+                        <p:par>
+                          <p:cTn id="4" fill="hold">
+                            <p:stCondLst>
+                              <p:cond delay="0"/>
+                            </p:stCondLst>
+                            <p:childTnLst>
+                              <p:par>
+                                <p:cTn id="5" presetID="42" presetClass="entr" presetSubtype="0" fill="hold" grpId="0" nodeType="clickEffect">
+                                  <p:stCondLst>
+                                    <p:cond delay="0"/>
+                                  </p:stCondLst>
+                                  <p:childTnLst>
+                                    <p:set>
+                                      <p:cBhvr>
+                                        <p:cTn id="6" dur="1" fill="hold">
+                                          <p:stCondLst>
+                                            <p:cond delay="0"/>
+                                          </p:stCondLst>
+                                        </p:cTn>
+                                        <p:tgtEl>
+                                          <p:spTgt spid="39"/>
+                                        </p:tgtEl>
+                                        <p:attrNameLst>
+                                          <p:attrName>style.visibility</p:attrName>
+                                        </p:attrNameLst>
+                                      </p:cBhvr>
+                                      <p:to>
+                                        <p:strVal val="visible"/>
+                                      </p:to>
+                                    </p:set>
+                                    <p:animEffect transition="in" filter="fade">
+                                      <p:cBhvr>
+                                        <p:cTn id="7" dur="1000"/>
+                                        <p:tgtEl>
+                                          <p:spTgt spid="39"/>
+                                        </p:tgtEl>
+                                      </p:cBhvr>
+                                    </p:animEffect>
+                                    <p:anim calcmode="lin" valueType="num">
+                                      <p:cBhvr>
+                                        <p:cTn id="8" dur="1000" fill="hold"/>
+                                        <p:tgtEl>
+                                          <p:spTgt spid="39"/>
+                                        </p:tgtEl>
+                                        <p:attrNameLst>
+                                          <p:attrName>ppt_x</p:attrName>
+                                        </p:attrNameLst>
+                                      </p:cBhvr>
+                                      <p:tavLst>
+                                        <p:tav tm="0">
+                                          <p:val>
+                                            <p:strVal val="#ppt_x"/>
+                                          </p:val>
+                                        </p:tav>
+                                        <p:tav tm="100000">
+                                          <p:val>
+                                            <p:strVal val="#ppt_x"/>
+                                          </p:val>
+                                        </p:tav>
+                                      </p:tavLst>
+                                    </p:anim>
+                                    <p:anim calcmode="lin" valueType="num">
+                                      <p:cBhvr>
+                                        <p:cTn id="9" dur="1000" fill="hold"/>
+                                        <p:tgtEl>
+                                          <p:spTgt spid="39"/>
+                                        </p:tgtEl>
+                                        <p:attrNameLst>
+                                          <p:attrName>ppt_y</p:attrName>
+                                        </p:attrNameLst>
+                                      </p:cBhvr>
+                                      <p:tavLst>
+                                        <p:tav tm="0">
+                                          <p:val>
+                                            <p:strVal val="#ppt_y+.1"/>
+                                          </p:val>
+                                        </p:tav>
+                                        <p:tav tm="100000">
+                                          <p:val>
+                                            <p:strVal val="#ppt_y"/>
+                                          </p:val>
+                                        </p:tav>
+                                      </p:tavLst>
+                                    </p:anim>
+                                  </p:childTnLst>
+                                </p:cTn>
+                              </p:par>
+                              <p:par>
+                                <p:cTn id="10" presetID="42" presetClass="entr" presetSubtype="0" fill="hold" grpId="0" nodeType="withEffect">
+                                  <p:stCondLst>
+                                    <p:cond delay="0"/>
+                                  </p:stCondLst>
+                                  <p:childTnLst>
+                                    <p:set>
+                                      <p:cBhvr>
+                                        <p:cTn id="11" dur="1" fill="hold">
+                                          <p:stCondLst>
+                                            <p:cond delay="0"/>
+                                          </p:stCondLst>
+                                        </p:cTn>
+                                        <p:tgtEl>
+                                          <p:spTgt spid="27"/>
+                                        </p:tgtEl>
+                                        <p:attrNameLst>
+                                          <p:attrName>style.visibility</p:attrName>
+                                        </p:attrNameLst>
+                                      </p:cBhvr>
+                                      <p:to>
+                                        <p:strVal val="visible"/>
+                                      </p:to>
+                                    </p:set>
+                                    <p:animEffect transition="in" filter="fade">
+                                      <p:cBhvr>
+                                        <p:cTn id="12" dur="1000"/>
+                                        <p:tgtEl>
+                                          <p:spTgt spid="27"/>
+                                        </p:tgtEl>
+                                      </p:cBhvr>
+                                    </p:animEffect>
+                                    <p:anim calcmode="lin" valueType="num">
+                                      <p:cBhvr>
+                                        <p:cTn id="13" dur="1000" fill="hold"/>
+                                        <p:tgtEl>
+                                          <p:spTgt spid="27"/>
+                                        </p:tgtEl>
+                                        <p:attrNameLst>
+                                          <p:attrName>ppt_x</p:attrName>
+                                        </p:attrNameLst>
+                                      </p:cBhvr>
+                                      <p:tavLst>
+                                        <p:tav tm="0">
+                                          <p:val>
+                                            <p:strVal val="#ppt_x"/>
+                                          </p:val>
+                                        </p:tav>
+                                        <p:tav tm="100000">
+                                          <p:val>
+                                            <p:strVal val="#ppt_x"/>
+                                          </p:val>
+                                        </p:tav>
+                                      </p:tavLst>
+                                    </p:anim>
+                                    <p:anim calcmode="lin" valueType="num">
+                                      <p:cBhvr>
+                                        <p:cTn id="14" dur="1000" fill="hold"/>
+                                        <p:tgtEl>
+                                          <p:spTgt spid="27"/>
+                                        </p:tgtEl>
+                                        <p:attrNameLst>
+                                          <p:attrName>ppt_y</p:attrName>
+                                        </p:attrNameLst>
+                                      </p:cBhvr>
+                                      <p:tavLst>
+                                        <p:tav tm="0">
+                                          <p:val>
+                                            <p:strVal val="#ppt_y+.1"/>
+                                          </p:val>
+                                        </p:tav>
+                                        <p:tav tm="100000">
+                                          <p:val>
+                                            <p:strVal val="#ppt_y"/>
+                                          </p:val>
+                                        </p:tav>
+                                      </p:tavLst>
+                                    </p:anim>
+                                  </p:childTnLst>
+                                </p:cTn>
+                              </p:par>
+                            </p:childTnLst>
+                          </p:cTn>
+                        </p:par>
+                      </p:childTnLst>
+                    </p:cTn>
+                  </p:par>
+                  <p:par>
+                    <p:cTn id="15" fill="hold">
+                      <p:stCondLst>
+                        <p:cond delay="indefinite"/>
+                      </p:stCondLst>
+                      <p:childTnLst>
+                        <p:par>
+                          <p:cTn id="16" fill="hold">
+                            <p:stCondLst>
+                              <p:cond delay="0"/>
+                            </p:stCondLst>
+                            <p:childTnLst>
+                              <p:par>
+                                <p:cTn id="17" presetID="47" presetClass="entr" presetSubtype="0" fill="hold" grpId="0" nodeType="clickEffect">
+                                  <p:stCondLst>
+                                    <p:cond delay="0"/>
+                                  </p:stCondLst>
+                                  <p:childTnLst>
+                                    <p:set>
+                                      <p:cBhvr>
+                                        <p:cTn id="18" dur="1" fill="hold">
+                                          <p:stCondLst>
+                                            <p:cond delay="0"/>
+                                          </p:stCondLst>
+                                        </p:cTn>
+                                        <p:tgtEl>
+                                          <p:spTgt spid="25"/>
+                                        </p:tgtEl>
+                                        <p:attrNameLst>
+                                          <p:attrName>style.visibility</p:attrName>
+                                        </p:attrNameLst>
+                                      </p:cBhvr>
+                                      <p:to>
+                                        <p:strVal val="visible"/>
+                                      </p:to>
+                                    </p:set>
+                                    <p:animEffect transition="in" filter="fade">
+                                      <p:cBhvr>
+                                        <p:cTn id="19" dur="1000"/>
+                                        <p:tgtEl>
+                                          <p:spTgt spid="25"/>
+                                        </p:tgtEl>
+                                      </p:cBhvr>
+                                    </p:animEffect>
+                                    <p:anim calcmode="lin" valueType="num">
+                                      <p:cBhvr>
+                                        <p:cTn id="20" dur="1000" fill="hold"/>
+                                        <p:tgtEl>
+                                          <p:spTgt spid="25"/>
+                                        </p:tgtEl>
+                                        <p:attrNameLst>
+                                          <p:attrName>ppt_x</p:attrName>
+                                        </p:attrNameLst>
+                                      </p:cBhvr>
+                                      <p:tavLst>
+                                        <p:tav tm="0">
+                                          <p:val>
+                                            <p:strVal val="#ppt_x"/>
+                                          </p:val>
+                                        </p:tav>
+                                        <p:tav tm="100000">
+                                          <p:val>
+                                            <p:strVal val="#ppt_x"/>
+                                          </p:val>
+                                        </p:tav>
+                                      </p:tavLst>
+                                    </p:anim>
+                                    <p:anim calcmode="lin" valueType="num">
+                                      <p:cBhvr>
+                                        <p:cTn id="21" dur="1000" fill="hold"/>
+                                        <p:tgtEl>
+                                          <p:spTgt spid="25"/>
+                                        </p:tgtEl>
+                                        <p:attrNameLst>
+                                          <p:attrName>ppt_y</p:attrName>
+                                        </p:attrNameLst>
+                                      </p:cBhvr>
+                                      <p:tavLst>
+                                        <p:tav tm="0">
+                                          <p:val>
+                                            <p:strVal val="#ppt_y-.1"/>
+                                          </p:val>
+                                        </p:tav>
+                                        <p:tav tm="100000">
+                                          <p:val>
+                                            <p:strVal val="#ppt_y"/>
+                                          </p:val>
+                                        </p:tav>
+                                      </p:tavLst>
+                                    </p:anim>
+                                  </p:childTnLst>
+                                </p:cTn>
+                              </p:par>
+                              <p:par>
+                                <p:cTn id="22" presetID="47" presetClass="entr" presetSubtype="0" fill="hold" grpId="0" nodeType="withEffect">
+                                  <p:stCondLst>
+                                    <p:cond delay="0"/>
+                                  </p:stCondLst>
+                                  <p:childTnLst>
+                                    <p:set>
+                                      <p:cBhvr>
+                                        <p:cTn id="23" dur="1" fill="hold">
+                                          <p:stCondLst>
+                                            <p:cond delay="0"/>
+                                          </p:stCondLst>
+                                        </p:cTn>
+                                        <p:tgtEl>
+                                          <p:spTgt spid="38"/>
+                                        </p:tgtEl>
+                                        <p:attrNameLst>
+                                          <p:attrName>style.visibility</p:attrName>
+                                        </p:attrNameLst>
+                                      </p:cBhvr>
+                                      <p:to>
+                                        <p:strVal val="visible"/>
+                                      </p:to>
+                                    </p:set>
+                                    <p:animEffect transition="in" filter="fade">
+                                      <p:cBhvr>
+                                        <p:cTn id="24" dur="1000"/>
+                                        <p:tgtEl>
+                                          <p:spTgt spid="38"/>
+                                        </p:tgtEl>
+                                      </p:cBhvr>
+                                    </p:animEffect>
+                                    <p:anim calcmode="lin" valueType="num">
+                                      <p:cBhvr>
+                                        <p:cTn id="25" dur="1000" fill="hold"/>
+                                        <p:tgtEl>
+                                          <p:spTgt spid="38"/>
+                                        </p:tgtEl>
+                                        <p:attrNameLst>
+                                          <p:attrName>ppt_x</p:attrName>
+                                        </p:attrNameLst>
+                                      </p:cBhvr>
+                                      <p:tavLst>
+                                        <p:tav tm="0">
+                                          <p:val>
+                                            <p:strVal val="#ppt_x"/>
+                                          </p:val>
+                                        </p:tav>
+                                        <p:tav tm="100000">
+                                          <p:val>
+                                            <p:strVal val="#ppt_x"/>
+                                          </p:val>
+                                        </p:tav>
+                                      </p:tavLst>
+                                    </p:anim>
+                                    <p:anim calcmode="lin" valueType="num">
+                                      <p:cBhvr>
+                                        <p:cTn id="26" dur="1000" fill="hold"/>
+                                        <p:tgtEl>
+                                          <p:spTgt spid="38"/>
+                                        </p:tgtEl>
+                                        <p:attrNameLst>
+                                          <p:attrName>ppt_y</p:attrName>
+                                        </p:attrNameLst>
+                                      </p:cBhvr>
+                                      <p:tavLst>
+                                        <p:tav tm="0">
+                                          <p:val>
+                                            <p:strVal val="#ppt_y-.1"/>
+                                          </p:val>
+                                        </p:tav>
+                                        <p:tav tm="100000">
+                                          <p:val>
+                                            <p:strVal val="#ppt_y"/>
+                                          </p:val>
+                                        </p:tav>
+                                      </p:tavLst>
+                                    </p:anim>
+                                  </p:childTnLst>
+                                </p:cTn>
+                              </p:par>
+                              <p:par>
+                                <p:cTn id="27" presetID="47" presetClass="entr" presetSubtype="0" fill="hold" grpId="0" nodeType="withEffect">
+                                  <p:stCondLst>
+                                    <p:cond delay="0"/>
+                                  </p:stCondLst>
+                                  <p:childTnLst>
+                                    <p:set>
+                                      <p:cBhvr>
+                                        <p:cTn id="28" dur="1" fill="hold">
+                                          <p:stCondLst>
+                                            <p:cond delay="0"/>
+                                          </p:stCondLst>
+                                        </p:cTn>
+                                        <p:tgtEl>
+                                          <p:spTgt spid="41"/>
+                                        </p:tgtEl>
+                                        <p:attrNameLst>
+                                          <p:attrName>style.visibility</p:attrName>
+                                        </p:attrNameLst>
+                                      </p:cBhvr>
+                                      <p:to>
+                                        <p:strVal val="visible"/>
+                                      </p:to>
+                                    </p:set>
+                                    <p:animEffect transition="in" filter="fade">
+                                      <p:cBhvr>
+                                        <p:cTn id="29" dur="1000"/>
+                                        <p:tgtEl>
+                                          <p:spTgt spid="41"/>
+                                        </p:tgtEl>
+                                      </p:cBhvr>
+                                    </p:animEffect>
+                                    <p:anim calcmode="lin" valueType="num">
+                                      <p:cBhvr>
+                                        <p:cTn id="30" dur="1000" fill="hold"/>
+                                        <p:tgtEl>
+                                          <p:spTgt spid="41"/>
+                                        </p:tgtEl>
+                                        <p:attrNameLst>
+                                          <p:attrName>ppt_x</p:attrName>
+                                        </p:attrNameLst>
+                                      </p:cBhvr>
+                                      <p:tavLst>
+                                        <p:tav tm="0">
+                                          <p:val>
+                                            <p:strVal val="#ppt_x"/>
+                                          </p:val>
+                                        </p:tav>
+                                        <p:tav tm="100000">
+                                          <p:val>
+                                            <p:strVal val="#ppt_x"/>
+                                          </p:val>
+                                        </p:tav>
+                                      </p:tavLst>
+                                    </p:anim>
+                                    <p:anim calcmode="lin" valueType="num">
+                                      <p:cBhvr>
+                                        <p:cTn id="31" dur="1000" fill="hold"/>
+                                        <p:tgtEl>
+                                          <p:spTgt spid="41"/>
+                                        </p:tgtEl>
+                                        <p:attrNameLst>
+                                          <p:attrName>ppt_y</p:attrName>
+                                        </p:attrNameLst>
+                                      </p:cBhvr>
+                                      <p:tavLst>
+                                        <p:tav tm="0">
+                                          <p:val>
+                                            <p:strVal val="#ppt_y-.1"/>
+                                          </p:val>
+                                        </p:tav>
+                                        <p:tav tm="100000">
+                                          <p:val>
+                                            <p:strVal val="#ppt_y"/>
+                                          </p:val>
+                                        </p:tav>
+                                      </p:tavLst>
+                                    </p:anim>
+                                  </p:childTnLst>
+                                </p:cTn>
+                              </p:par>
+                              <p:par>
+                                <p:cTn id="32" presetID="47" presetClass="entr" presetSubtype="0" fill="hold" grpId="0" nodeType="withEffect">
+                                  <p:stCondLst>
+                                    <p:cond delay="0"/>
+                                  </p:stCondLst>
+                                  <p:childTnLst>
+                                    <p:set>
+                                      <p:cBhvr>
+                                        <p:cTn id="33" dur="1" fill="hold">
+                                          <p:stCondLst>
+                                            <p:cond delay="0"/>
+                                          </p:stCondLst>
+                                        </p:cTn>
+                                        <p:tgtEl>
+                                          <p:spTgt spid="45"/>
+                                        </p:tgtEl>
+                                        <p:attrNameLst>
+                                          <p:attrName>style.visibility</p:attrName>
+                                        </p:attrNameLst>
+                                      </p:cBhvr>
+                                      <p:to>
+                                        <p:strVal val="visible"/>
+                                      </p:to>
+                                    </p:set>
+                                    <p:animEffect transition="in" filter="fade">
+                                      <p:cBhvr>
+                                        <p:cTn id="34" dur="1000"/>
+                                        <p:tgtEl>
+                                          <p:spTgt spid="45"/>
+                                        </p:tgtEl>
+                                      </p:cBhvr>
+                                    </p:animEffect>
+                                    <p:anim calcmode="lin" valueType="num">
+                                      <p:cBhvr>
+                                        <p:cTn id="35" dur="1000" fill="hold"/>
+                                        <p:tgtEl>
+                                          <p:spTgt spid="45"/>
+                                        </p:tgtEl>
+                                        <p:attrNameLst>
+                                          <p:attrName>ppt_x</p:attrName>
+                                        </p:attrNameLst>
+                                      </p:cBhvr>
+                                      <p:tavLst>
+                                        <p:tav tm="0">
+                                          <p:val>
+                                            <p:strVal val="#ppt_x"/>
+                                          </p:val>
+                                        </p:tav>
+                                        <p:tav tm="100000">
+                                          <p:val>
+                                            <p:strVal val="#ppt_x"/>
+                                          </p:val>
+                                        </p:tav>
+                                      </p:tavLst>
+                                    </p:anim>
+                                    <p:anim calcmode="lin" valueType="num">
+                                      <p:cBhvr>
+                                        <p:cTn id="36" dur="1000" fill="hold"/>
+                                        <p:tgtEl>
+                                          <p:spTgt spid="45"/>
+                                        </p:tgtEl>
+                                        <p:attrNameLst>
+                                          <p:attrName>ppt_y</p:attrName>
+                                        </p:attrNameLst>
+                                      </p:cBhvr>
+                                      <p:tavLst>
+                                        <p:tav tm="0">
+                                          <p:val>
+                                            <p:strVal val="#ppt_y-.1"/>
+                                          </p:val>
+                                        </p:tav>
+                                        <p:tav tm="100000">
+                                          <p:val>
+                                            <p:strVal val="#ppt_y"/>
+                                          </p:val>
+                                        </p:tav>
+                                      </p:tavLst>
+                                    </p:anim>
+                                  </p:childTnLst>
+                                </p:cTn>
+                              </p:par>
+                            </p:childTnLst>
+                          </p:cTn>
+                        </p:par>
+                      </p:childTnLst>
+                    </p:cTn>
+                  </p:par>
+                  <p:par>
+                    <p:cTn id="37" fill="hold">
+                      <p:stCondLst>
+                        <p:cond delay="indefinite"/>
+                      </p:stCondLst>
+                      <p:childTnLst>
+                        <p:par>
+                          <p:cTn id="38" fill="hold">
+                            <p:stCondLst>
+                              <p:cond delay="0"/>
+                            </p:stCondLst>
+                            <p:childTnLst>
+                              <p:par>
+                                <p:cTn id="39" presetID="47" presetClass="entr" presetSubtype="0" fill="hold" grpId="0" nodeType="clickEffect">
+                                  <p:stCondLst>
+                                    <p:cond delay="0"/>
+                                  </p:stCondLst>
+                                  <p:childTnLst>
+                                    <p:set>
+                                      <p:cBhvr>
+                                        <p:cTn id="40" dur="1" fill="hold">
+                                          <p:stCondLst>
+                                            <p:cond delay="0"/>
+                                          </p:stCondLst>
+                                        </p:cTn>
+                                        <p:tgtEl>
+                                          <p:spTgt spid="34"/>
+                                        </p:tgtEl>
+                                        <p:attrNameLst>
+                                          <p:attrName>style.visibility</p:attrName>
+                                        </p:attrNameLst>
+                                      </p:cBhvr>
+                                      <p:to>
+                                        <p:strVal val="visible"/>
+                                      </p:to>
+                                    </p:set>
+                                    <p:animEffect transition="in" filter="fade">
+                                      <p:cBhvr>
+                                        <p:cTn id="41" dur="1000"/>
+                                        <p:tgtEl>
+                                          <p:spTgt spid="34"/>
+                                        </p:tgtEl>
+                                      </p:cBhvr>
+                                    </p:animEffect>
+                                    <p:anim calcmode="lin" valueType="num">
+                                      <p:cBhvr>
+                                        <p:cTn id="42" dur="1000" fill="hold"/>
+                                        <p:tgtEl>
+                                          <p:spTgt spid="34"/>
+                                        </p:tgtEl>
+                                        <p:attrNameLst>
+                                          <p:attrName>ppt_x</p:attrName>
+                                        </p:attrNameLst>
+                                      </p:cBhvr>
+                                      <p:tavLst>
+                                        <p:tav tm="0">
+                                          <p:val>
+                                            <p:strVal val="#ppt_x"/>
+                                          </p:val>
+                                        </p:tav>
+                                        <p:tav tm="100000">
+                                          <p:val>
+                                            <p:strVal val="#ppt_x"/>
+                                          </p:val>
+                                        </p:tav>
+                                      </p:tavLst>
+                                    </p:anim>
+                                    <p:anim calcmode="lin" valueType="num">
+                                      <p:cBhvr>
+                                        <p:cTn id="43" dur="1000" fill="hold"/>
+                                        <p:tgtEl>
+                                          <p:spTgt spid="34"/>
+                                        </p:tgtEl>
+                                        <p:attrNameLst>
+                                          <p:attrName>ppt_y</p:attrName>
+                                        </p:attrNameLst>
+                                      </p:cBhvr>
+                                      <p:tavLst>
+                                        <p:tav tm="0">
+                                          <p:val>
+                                            <p:strVal val="#ppt_y-.1"/>
+                                          </p:val>
+                                        </p:tav>
+                                        <p:tav tm="100000">
+                                          <p:val>
+                                            <p:strVal val="#ppt_y"/>
+                                          </p:val>
+                                        </p:tav>
+                                      </p:tavLst>
+                                    </p:anim>
+                                  </p:childTnLst>
+                                </p:cTn>
+                              </p:par>
+                              <p:par>
+                                <p:cTn id="44" presetID="47" presetClass="entr" presetSubtype="0" fill="hold" grpId="0" nodeType="withEffect">
+                                  <p:stCondLst>
+                                    <p:cond delay="0"/>
+                                  </p:stCondLst>
+                                  <p:childTnLst>
+                                    <p:set>
+                                      <p:cBhvr>
+                                        <p:cTn id="45" dur="1" fill="hold">
+                                          <p:stCondLst>
+                                            <p:cond delay="0"/>
+                                          </p:stCondLst>
+                                        </p:cTn>
+                                        <p:tgtEl>
+                                          <p:spTgt spid="31"/>
+                                        </p:tgtEl>
+                                        <p:attrNameLst>
+                                          <p:attrName>style.visibility</p:attrName>
+                                        </p:attrNameLst>
+                                      </p:cBhvr>
+                                      <p:to>
+                                        <p:strVal val="visible"/>
+                                      </p:to>
+                                    </p:set>
+                                    <p:animEffect transition="in" filter="fade">
+                                      <p:cBhvr>
+                                        <p:cTn id="46" dur="1000"/>
+                                        <p:tgtEl>
+                                          <p:spTgt spid="31"/>
+                                        </p:tgtEl>
+                                      </p:cBhvr>
+                                    </p:animEffect>
+                                    <p:anim calcmode="lin" valueType="num">
+                                      <p:cBhvr>
+                                        <p:cTn id="47" dur="1000" fill="hold"/>
+                                        <p:tgtEl>
+                                          <p:spTgt spid="31"/>
+                                        </p:tgtEl>
+                                        <p:attrNameLst>
+                                          <p:attrName>ppt_x</p:attrName>
+                                        </p:attrNameLst>
+                                      </p:cBhvr>
+                                      <p:tavLst>
+                                        <p:tav tm="0">
+                                          <p:val>
+                                            <p:strVal val="#ppt_x"/>
+                                          </p:val>
+                                        </p:tav>
+                                        <p:tav tm="100000">
+                                          <p:val>
+                                            <p:strVal val="#ppt_x"/>
+                                          </p:val>
+                                        </p:tav>
+                                      </p:tavLst>
+                                    </p:anim>
+                                    <p:anim calcmode="lin" valueType="num">
+                                      <p:cBhvr>
+                                        <p:cTn id="48" dur="1000" fill="hold"/>
+                                        <p:tgtEl>
+                                          <p:spTgt spid="31"/>
+                                        </p:tgtEl>
+                                        <p:attrNameLst>
+                                          <p:attrName>ppt_y</p:attrName>
+                                        </p:attrNameLst>
+                                      </p:cBhvr>
+                                      <p:tavLst>
+                                        <p:tav tm="0">
+                                          <p:val>
+                                            <p:strVal val="#ppt_y-.1"/>
+                                          </p:val>
+                                        </p:tav>
+                                        <p:tav tm="100000">
+                                          <p:val>
+                                            <p:strVal val="#ppt_y"/>
+                                          </p:val>
+                                        </p:tav>
+                                      </p:tavLst>
+                                    </p:anim>
+                                  </p:childTnLst>
+                                </p:cTn>
+                              </p:par>
+                              <p:par>
+                                <p:cTn id="49" presetID="47" presetClass="entr" presetSubtype="0" fill="hold" grpId="0" nodeType="withEffect">
+                                  <p:stCondLst>
+                                    <p:cond delay="0"/>
+                                  </p:stCondLst>
+                                  <p:childTnLst>
+                                    <p:set>
+                                      <p:cBhvr>
+                                        <p:cTn id="50" dur="1" fill="hold">
+                                          <p:stCondLst>
+                                            <p:cond delay="0"/>
+                                          </p:stCondLst>
+                                        </p:cTn>
+                                        <p:tgtEl>
+                                          <p:spTgt spid="30"/>
+                                        </p:tgtEl>
+                                        <p:attrNameLst>
+                                          <p:attrName>style.visibility</p:attrName>
+                                        </p:attrNameLst>
+                                      </p:cBhvr>
+                                      <p:to>
+                                        <p:strVal val="visible"/>
+                                      </p:to>
+                                    </p:set>
+                                    <p:animEffect transition="in" filter="fade">
+                                      <p:cBhvr>
+                                        <p:cTn id="51" dur="1000"/>
+                                        <p:tgtEl>
+                                          <p:spTgt spid="30"/>
+                                        </p:tgtEl>
+                                      </p:cBhvr>
+                                    </p:animEffect>
+                                    <p:anim calcmode="lin" valueType="num">
+                                      <p:cBhvr>
+                                        <p:cTn id="52" dur="1000" fill="hold"/>
+                                        <p:tgtEl>
+                                          <p:spTgt spid="30"/>
+                                        </p:tgtEl>
+                                        <p:attrNameLst>
+                                          <p:attrName>ppt_x</p:attrName>
+                                        </p:attrNameLst>
+                                      </p:cBhvr>
+                                      <p:tavLst>
+                                        <p:tav tm="0">
+                                          <p:val>
+                                            <p:strVal val="#ppt_x"/>
+                                          </p:val>
+                                        </p:tav>
+                                        <p:tav tm="100000">
+                                          <p:val>
+                                            <p:strVal val="#ppt_x"/>
+                                          </p:val>
+                                        </p:tav>
+                                      </p:tavLst>
+                                    </p:anim>
+                                    <p:anim calcmode="lin" valueType="num">
+                                      <p:cBhvr>
+                                        <p:cTn id="53" dur="1000" fill="hold"/>
+                                        <p:tgtEl>
+                                          <p:spTgt spid="30"/>
+                                        </p:tgtEl>
+                                        <p:attrNameLst>
+                                          <p:attrName>ppt_y</p:attrName>
+                                        </p:attrNameLst>
+                                      </p:cBhvr>
+                                      <p:tavLst>
+                                        <p:tav tm="0">
+                                          <p:val>
+                                            <p:strVal val="#ppt_y-.1"/>
+                                          </p:val>
+                                        </p:tav>
+                                        <p:tav tm="100000">
+                                          <p:val>
+                                            <p:strVal val="#ppt_y"/>
+                                          </p:val>
+                                        </p:tav>
+                                      </p:tavLst>
+                                    </p:anim>
+                                  </p:childTnLst>
+                                </p:cTn>
+                              </p:par>
+                              <p:par>
+                                <p:cTn id="54" presetID="47" presetClass="entr" presetSubtype="0" fill="hold" grpId="0" nodeType="withEffect">
+                                  <p:stCondLst>
+                                    <p:cond delay="0"/>
+                                  </p:stCondLst>
+                                  <p:childTnLst>
+                                    <p:set>
+                                      <p:cBhvr>
+                                        <p:cTn id="55" dur="1" fill="hold">
+                                          <p:stCondLst>
+                                            <p:cond delay="0"/>
+                                          </p:stCondLst>
+                                        </p:cTn>
+                                        <p:tgtEl>
+                                          <p:spTgt spid="40"/>
+                                        </p:tgtEl>
+                                        <p:attrNameLst>
+                                          <p:attrName>style.visibility</p:attrName>
+                                        </p:attrNameLst>
+                                      </p:cBhvr>
+                                      <p:to>
+                                        <p:strVal val="visible"/>
+                                      </p:to>
+                                    </p:set>
+                                    <p:animEffect transition="in" filter="fade">
+                                      <p:cBhvr>
+                                        <p:cTn id="56" dur="1000"/>
+                                        <p:tgtEl>
+                                          <p:spTgt spid="40"/>
+                                        </p:tgtEl>
+                                      </p:cBhvr>
+                                    </p:animEffect>
+                                    <p:anim calcmode="lin" valueType="num">
+                                      <p:cBhvr>
+                                        <p:cTn id="57" dur="1000" fill="hold"/>
+                                        <p:tgtEl>
+                                          <p:spTgt spid="40"/>
+                                        </p:tgtEl>
+                                        <p:attrNameLst>
+                                          <p:attrName>ppt_x</p:attrName>
+                                        </p:attrNameLst>
+                                      </p:cBhvr>
+                                      <p:tavLst>
+                                        <p:tav tm="0">
+                                          <p:val>
+                                            <p:strVal val="#ppt_x"/>
+                                          </p:val>
+                                        </p:tav>
+                                        <p:tav tm="100000">
+                                          <p:val>
+                                            <p:strVal val="#ppt_x"/>
+                                          </p:val>
+                                        </p:tav>
+                                      </p:tavLst>
+                                    </p:anim>
+                                    <p:anim calcmode="lin" valueType="num">
+                                      <p:cBhvr>
+                                        <p:cTn id="58" dur="1000" fill="hold"/>
+                                        <p:tgtEl>
+                                          <p:spTgt spid="40"/>
+                                        </p:tgtEl>
+                                        <p:attrNameLst>
+                                          <p:attrName>ppt_y</p:attrName>
+                                        </p:attrNameLst>
+                                      </p:cBhvr>
+                                      <p:tavLst>
+                                        <p:tav tm="0">
+                                          <p:val>
+                                            <p:strVal val="#ppt_y-.1"/>
+                                          </p:val>
+                                        </p:tav>
+                                        <p:tav tm="100000">
+                                          <p:val>
+                                            <p:strVal val="#ppt_y"/>
+                                          </p:val>
+                                        </p:tav>
+                                      </p:tavLst>
+                                    </p:anim>
+                                  </p:childTnLst>
+                                </p:cTn>
+                              </p:par>
+                              <p:par>
+                                <p:cTn id="59" presetID="47" presetClass="entr" presetSubtype="0" fill="hold" grpId="0" nodeType="withEffect">
+                                  <p:stCondLst>
+                                    <p:cond delay="0"/>
+                                  </p:stCondLst>
+                                  <p:childTnLst>
+                                    <p:set>
+                                      <p:cBhvr>
+                                        <p:cTn id="60" dur="1" fill="hold">
+                                          <p:stCondLst>
+                                            <p:cond delay="0"/>
+                                          </p:stCondLst>
+                                        </p:cTn>
+                                        <p:tgtEl>
+                                          <p:spTgt spid="44"/>
+                                        </p:tgtEl>
+                                        <p:attrNameLst>
+                                          <p:attrName>style.visibility</p:attrName>
+                                        </p:attrNameLst>
+                                      </p:cBhvr>
+                                      <p:to>
+                                        <p:strVal val="visible"/>
+                                      </p:to>
+                                    </p:set>
+                                    <p:animEffect transition="in" filter="fade">
+                                      <p:cBhvr>
+                                        <p:cTn id="61" dur="1000"/>
+                                        <p:tgtEl>
+                                          <p:spTgt spid="44"/>
+                                        </p:tgtEl>
+                                      </p:cBhvr>
+                                    </p:animEffect>
+                                    <p:anim calcmode="lin" valueType="num">
+                                      <p:cBhvr>
+                                        <p:cTn id="62" dur="1000" fill="hold"/>
+                                        <p:tgtEl>
+                                          <p:spTgt spid="44"/>
+                                        </p:tgtEl>
+                                        <p:attrNameLst>
+                                          <p:attrName>ppt_x</p:attrName>
+                                        </p:attrNameLst>
+                                      </p:cBhvr>
+                                      <p:tavLst>
+                                        <p:tav tm="0">
+                                          <p:val>
+                                            <p:strVal val="#ppt_x"/>
+                                          </p:val>
+                                        </p:tav>
+                                        <p:tav tm="100000">
+                                          <p:val>
+                                            <p:strVal val="#ppt_x"/>
+                                          </p:val>
+                                        </p:tav>
+                                      </p:tavLst>
+                                    </p:anim>
+                                    <p:anim calcmode="lin" valueType="num">
+                                      <p:cBhvr>
+                                        <p:cTn id="63" dur="1000" fill="hold"/>
+                                        <p:tgtEl>
+                                          <p:spTgt spid="44"/>
+                                        </p:tgtEl>
+                                        <p:attrNameLst>
+                                          <p:attrName>ppt_y</p:attrName>
+                                        </p:attrNameLst>
+                                      </p:cBhvr>
+                                      <p:tavLst>
+                                        <p:tav tm="0">
+                                          <p:val>
+                                            <p:strVal val="#ppt_y-.1"/>
+                                          </p:val>
+                                        </p:tav>
+                                        <p:tav tm="100000">
+                                          <p:val>
+                                            <p:strVal val="#ppt_y"/>
+                                          </p:val>
+                                        </p:tav>
+                                      </p:tavLst>
+                                    </p:anim>
+                                  </p:childTnLst>
+                                </p:cTn>
+                              </p:par>
+                              <p:par>
+                                <p:cTn id="64" presetID="47" presetClass="entr" presetSubtype="0" fill="hold" grpId="0" nodeType="withEffect">
+                                  <p:stCondLst>
+                                    <p:cond delay="0"/>
+                                  </p:stCondLst>
+                                  <p:childTnLst>
+                                    <p:set>
+                                      <p:cBhvr>
+                                        <p:cTn id="65" dur="1" fill="hold">
+                                          <p:stCondLst>
+                                            <p:cond delay="0"/>
+                                          </p:stCondLst>
+                                        </p:cTn>
+                                        <p:tgtEl>
+                                          <p:spTgt spid="47"/>
+                                        </p:tgtEl>
+                                        <p:attrNameLst>
+                                          <p:attrName>style.visibility</p:attrName>
+                                        </p:attrNameLst>
+                                      </p:cBhvr>
+                                      <p:to>
+                                        <p:strVal val="visible"/>
+                                      </p:to>
+                                    </p:set>
+                                    <p:animEffect transition="in" filter="fade">
+                                      <p:cBhvr>
+                                        <p:cTn id="66" dur="1000"/>
+                                        <p:tgtEl>
+                                          <p:spTgt spid="47"/>
+                                        </p:tgtEl>
+                                      </p:cBhvr>
+                                    </p:animEffect>
+                                    <p:anim calcmode="lin" valueType="num">
+                                      <p:cBhvr>
+                                        <p:cTn id="67" dur="1000" fill="hold"/>
+                                        <p:tgtEl>
+                                          <p:spTgt spid="47"/>
+                                        </p:tgtEl>
+                                        <p:attrNameLst>
+                                          <p:attrName>ppt_x</p:attrName>
+                                        </p:attrNameLst>
+                                      </p:cBhvr>
+                                      <p:tavLst>
+                                        <p:tav tm="0">
+                                          <p:val>
+                                            <p:strVal val="#ppt_x"/>
+                                          </p:val>
+                                        </p:tav>
+                                        <p:tav tm="100000">
+                                          <p:val>
+                                            <p:strVal val="#ppt_x"/>
+                                          </p:val>
+                                        </p:tav>
+                                      </p:tavLst>
+                                    </p:anim>
+                                    <p:anim calcmode="lin" valueType="num">
+                                      <p:cBhvr>
+                                        <p:cTn id="68" dur="1000" fill="hold"/>
+                                        <p:tgtEl>
+                                          <p:spTgt spid="47"/>
+                                        </p:tgtEl>
+                                        <p:attrNameLst>
+                                          <p:attrName>ppt_y</p:attrName>
+                                        </p:attrNameLst>
+                                      </p:cBhvr>
+                                      <p:tavLst>
+                                        <p:tav tm="0">
+                                          <p:val>
+                                            <p:strVal val="#ppt_y-.1"/>
+                                          </p:val>
+                                        </p:tav>
+                                        <p:tav tm="100000">
+                                          <p:val>
+                                            <p:strVal val="#ppt_y"/>
+                                          </p:val>
+                                        </p:tav>
+                                      </p:tavLst>
+                                    </p:anim>
+                                  </p:childTnLst>
+                                </p:cTn>
+                              </p:par>
+                              <p:par>
+                                <p:cTn id="69" presetID="47" presetClass="entr" presetSubtype="0" fill="hold" grpId="0" nodeType="withEffect">
+                                  <p:stCondLst>
+                                    <p:cond delay="0"/>
+                                  </p:stCondLst>
+                                  <p:childTnLst>
+                                    <p:set>
+                                      <p:cBhvr>
+                                        <p:cTn id="70" dur="1" fill="hold">
+                                          <p:stCondLst>
+                                            <p:cond delay="0"/>
+                                          </p:stCondLst>
+                                        </p:cTn>
+                                        <p:tgtEl>
+                                          <p:spTgt spid="48"/>
+                                        </p:tgtEl>
+                                        <p:attrNameLst>
+                                          <p:attrName>style.visibility</p:attrName>
+                                        </p:attrNameLst>
+                                      </p:cBhvr>
+                                      <p:to>
+                                        <p:strVal val="visible"/>
+                                      </p:to>
+                                    </p:set>
+                                    <p:animEffect transition="in" filter="fade">
+                                      <p:cBhvr>
+                                        <p:cTn id="71" dur="1000"/>
+                                        <p:tgtEl>
+                                          <p:spTgt spid="48"/>
+                                        </p:tgtEl>
+                                      </p:cBhvr>
+                                    </p:animEffect>
+                                    <p:anim calcmode="lin" valueType="num">
+                                      <p:cBhvr>
+                                        <p:cTn id="72" dur="1000" fill="hold"/>
+                                        <p:tgtEl>
+                                          <p:spTgt spid="48"/>
+                                        </p:tgtEl>
+                                        <p:attrNameLst>
+                                          <p:attrName>ppt_x</p:attrName>
+                                        </p:attrNameLst>
+                                      </p:cBhvr>
+                                      <p:tavLst>
+                                        <p:tav tm="0">
+                                          <p:val>
+                                            <p:strVal val="#ppt_x"/>
+                                          </p:val>
+                                        </p:tav>
+                                        <p:tav tm="100000">
+                                          <p:val>
+                                            <p:strVal val="#ppt_x"/>
+                                          </p:val>
+                                        </p:tav>
+                                      </p:tavLst>
+                                    </p:anim>
+                                    <p:anim calcmode="lin" valueType="num">
+                                      <p:cBhvr>
+                                        <p:cTn id="73" dur="1000" fill="hold"/>
+                                        <p:tgtEl>
+                                          <p:spTgt spid="48"/>
+                                        </p:tgtEl>
+                                        <p:attrNameLst>
+                                          <p:attrName>ppt_y</p:attrName>
+                                        </p:attrNameLst>
+                                      </p:cBhvr>
+                                      <p:tavLst>
+                                        <p:tav tm="0">
+                                          <p:val>
+                                            <p:strVal val="#ppt_y-.1"/>
+                                          </p:val>
+                                        </p:tav>
+                                        <p:tav tm="100000">
+                                          <p:val>
+                                            <p:strVal val="#ppt_y"/>
+                                          </p:val>
+                                        </p:tav>
+                                      </p:tavLst>
+                                    </p:anim>
+                                  </p:childTnLst>
+                                </p:cTn>
+                              </p:par>
+                            </p:childTnLst>
+                          </p:cTn>
+                        </p:par>
+                      </p:childTnLst>
+                    </p:cTn>
+                  </p:par>
+                  <p:par>
+                    <p:cTn id="74" fill="hold">
+                      <p:stCondLst>
+                        <p:cond delay="indefinite"/>
+                      </p:stCondLst>
+                      <p:childTnLst>
+                        <p:par>
+                          <p:cTn id="75" fill="hold">
+                            <p:stCondLst>
+                              <p:cond delay="0"/>
+                            </p:stCondLst>
+                            <p:childTnLst>
+                              <p:par>
+                                <p:cTn id="76" presetID="42" presetClass="entr" presetSubtype="0" fill="hold" grpId="0" nodeType="clickEffect">
+                                  <p:stCondLst>
+                                    <p:cond delay="0"/>
+                                  </p:stCondLst>
+                                  <p:childTnLst>
+                                    <p:set>
+                                      <p:cBhvr>
+                                        <p:cTn id="77" dur="1" fill="hold">
+                                          <p:stCondLst>
+                                            <p:cond delay="0"/>
+                                          </p:stCondLst>
+                                        </p:cTn>
+                                        <p:tgtEl>
+                                          <p:spTgt spid="37"/>
+                                        </p:tgtEl>
+                                        <p:attrNameLst>
+                                          <p:attrName>style.visibility</p:attrName>
+                                        </p:attrNameLst>
+                                      </p:cBhvr>
+                                      <p:to>
+                                        <p:strVal val="visible"/>
+                                      </p:to>
+                                    </p:set>
+                                    <p:animEffect transition="in" filter="fade">
+                                      <p:cBhvr>
+                                        <p:cTn id="78" dur="1000"/>
+                                        <p:tgtEl>
+                                          <p:spTgt spid="37"/>
+                                        </p:tgtEl>
+                                      </p:cBhvr>
+                                    </p:animEffect>
+                                    <p:anim calcmode="lin" valueType="num">
+                                      <p:cBhvr>
+                                        <p:cTn id="79" dur="1000" fill="hold"/>
+                                        <p:tgtEl>
+                                          <p:spTgt spid="37"/>
+                                        </p:tgtEl>
+                                        <p:attrNameLst>
+                                          <p:attrName>ppt_x</p:attrName>
+                                        </p:attrNameLst>
+                                      </p:cBhvr>
+                                      <p:tavLst>
+                                        <p:tav tm="0">
+                                          <p:val>
+                                            <p:strVal val="#ppt_x"/>
+                                          </p:val>
+                                        </p:tav>
+                                        <p:tav tm="100000">
+                                          <p:val>
+                                            <p:strVal val="#ppt_x"/>
+                                          </p:val>
+                                        </p:tav>
+                                      </p:tavLst>
+                                    </p:anim>
+                                    <p:anim calcmode="lin" valueType="num">
+                                      <p:cBhvr>
+                                        <p:cTn id="80" dur="1000" fill="hold"/>
+                                        <p:tgtEl>
+                                          <p:spTgt spid="37"/>
+                                        </p:tgtEl>
+                                        <p:attrNameLst>
+                                          <p:attrName>ppt_y</p:attrName>
+                                        </p:attrNameLst>
+                                      </p:cBhvr>
+                                      <p:tavLst>
+                                        <p:tav tm="0">
+                                          <p:val>
+                                            <p:strVal val="#ppt_y+.1"/>
+                                          </p:val>
+                                        </p:tav>
+                                        <p:tav tm="100000">
+                                          <p:val>
+                                            <p:strVal val="#ppt_y"/>
+                                          </p:val>
+                                        </p:tav>
+                                      </p:tavLst>
+                                    </p:anim>
+                                  </p:childTnLst>
+                                </p:cTn>
+                              </p:par>
+                              <p:par>
+                                <p:cTn id="81" presetID="42" presetClass="entr" presetSubtype="0" fill="hold" grpId="0" nodeType="withEffect">
+                                  <p:stCondLst>
+                                    <p:cond delay="0"/>
+                                  </p:stCondLst>
+                                  <p:childTnLst>
+                                    <p:set>
+                                      <p:cBhvr>
+                                        <p:cTn id="82" dur="1" fill="hold">
+                                          <p:stCondLst>
+                                            <p:cond delay="0"/>
+                                          </p:stCondLst>
+                                        </p:cTn>
+                                        <p:tgtEl>
+                                          <p:spTgt spid="36"/>
+                                        </p:tgtEl>
+                                        <p:attrNameLst>
+                                          <p:attrName>style.visibility</p:attrName>
+                                        </p:attrNameLst>
+                                      </p:cBhvr>
+                                      <p:to>
+                                        <p:strVal val="visible"/>
+                                      </p:to>
+                                    </p:set>
+                                    <p:animEffect transition="in" filter="fade">
+                                      <p:cBhvr>
+                                        <p:cTn id="83" dur="1000"/>
+                                        <p:tgtEl>
+                                          <p:spTgt spid="36"/>
+                                        </p:tgtEl>
+                                      </p:cBhvr>
+                                    </p:animEffect>
+                                    <p:anim calcmode="lin" valueType="num">
+                                      <p:cBhvr>
+                                        <p:cTn id="84" dur="1000" fill="hold"/>
+                                        <p:tgtEl>
+                                          <p:spTgt spid="36"/>
+                                        </p:tgtEl>
+                                        <p:attrNameLst>
+                                          <p:attrName>ppt_x</p:attrName>
+                                        </p:attrNameLst>
+                                      </p:cBhvr>
+                                      <p:tavLst>
+                                        <p:tav tm="0">
+                                          <p:val>
+                                            <p:strVal val="#ppt_x"/>
+                                          </p:val>
+                                        </p:tav>
+                                        <p:tav tm="100000">
+                                          <p:val>
+                                            <p:strVal val="#ppt_x"/>
+                                          </p:val>
+                                        </p:tav>
+                                      </p:tavLst>
+                                    </p:anim>
+                                    <p:anim calcmode="lin" valueType="num">
+                                      <p:cBhvr>
+                                        <p:cTn id="85" dur="1000" fill="hold"/>
+                                        <p:tgtEl>
+                                          <p:spTgt spid="36"/>
+                                        </p:tgtEl>
+                                        <p:attrNameLst>
+                                          <p:attrName>ppt_y</p:attrName>
+                                        </p:attrNameLst>
+                                      </p:cBhvr>
+                                      <p:tavLst>
+                                        <p:tav tm="0">
+                                          <p:val>
+                                            <p:strVal val="#ppt_y+.1"/>
+                                          </p:val>
+                                        </p:tav>
+                                        <p:tav tm="100000">
+                                          <p:val>
+                                            <p:strVal val="#ppt_y"/>
+                                          </p:val>
+                                        </p:tav>
+                                      </p:tavLst>
+                                    </p:anim>
+                                  </p:childTnLst>
+                                </p:cTn>
+                              </p:par>
+                            </p:childTnLst>
+                          </p:cTn>
+                        </p:par>
+                      </p:childTnLst>
+                    </p:cTn>
+                  </p:par>
+                  <p:par>
+                    <p:cTn id="86" fill="hold">
+                      <p:stCondLst>
+                        <p:cond delay="indefinite"/>
+                      </p:stCondLst>
+                      <p:childTnLst>
+                        <p:par>
+                          <p:cTn id="87" fill="hold">
+                            <p:stCondLst>
+                              <p:cond delay="0"/>
+                            </p:stCondLst>
+                            <p:childTnLst>
+                              <p:par>
+                                <p:cTn id="88" presetID="1" presetClass="entr" presetSubtype="0" fill="hold" grpId="0" nodeType="clickEffect">
+                                  <p:stCondLst>
+                                    <p:cond delay="0"/>
+                                  </p:stCondLst>
+                                  <p:childTnLst>
+                                    <p:set>
+                                      <p:cBhvr>
+                                        <p:cTn id="89" dur="1" fill="hold">
+                                          <p:stCondLst>
+                                            <p:cond delay="0"/>
+                                          </p:stCondLst>
+                                        </p:cTn>
+                                        <p:tgtEl>
+                                          <p:spTgt spid="35"/>
+                                        </p:tgtEl>
+                                        <p:attrNameLst>
+                                          <p:attrName>style.visibility</p:attrName>
+                                        </p:attrNameLst>
+                                      </p:cBhvr>
+                                      <p:to>
+                                        <p:strVal val="visible"/>
+                                      </p:to>
+                                    </p:set>
+                                  </p:childTnLst>
+                                </p:cTn>
+                              </p:par>
+                            </p:childTnLst>
+                          </p:cTn>
+                        </p:par>
+                      </p:childTnLst>
+                    </p:cTn>
+                  </p:par>
+                </p:childTnLst>
+              </p:cTn>
+              <p:prevCondLst>
+                <p:cond evt="onPrev" delay="0">
+                  <p:tgtEl>
+                    <p:sldTgt/>
+                  </p:tgtEl>
+                </p:cond>
+              </p:prevCondLst>
+              <p:nextCondLst>
+                <p:cond evt="onNext" delay="0">
+                  <p:tgtEl>
+                    <p:sldTgt/>
+                  </p:tgtEl>
+                </p:cond>
+              </p:nextCondLst>
+            </p:seq>
+          </p:childTnLst>
+        </p:cTn>
+      </p:par>
+    </p:tnLst>
+    <p:bldLst>
+      <p:bldP spid="37" grpId="0" animBg="1"/>
+      <p:bldP spid="27" grpId="0" animBg="1"/>
+      <p:bldP spid="25" grpId="0" animBg="1"/>
+      <p:bldP spid="30" grpId="0" animBg="1"/>
+      <p:bldP spid="34" grpId="0" animBg="1"/>
+      <p:bldP spid="35" grpId="0"/>
+      <p:bldP spid="31" grpId="0" animBg="1"/>
+      <p:bldP spid="38" grpId="0" animBg="1"/>
+      <p:bldP spid="39" grpId="0" animBg="1"/>
+      <p:bldP spid="40" grpId="0" animBg="1"/>
+      <p:bldP spid="41" grpId="0" animBg="1"/>
+      <p:bldP spid="44" grpId="0" animBg="1"/>
+      <p:bldP spid="45" grpId="0" animBg="1"/>
+      <p:bldP spid="47" grpId="0" animBg="1"/>
+      <p:bldP spid="48" grpId="0" animBg="1"/>
+      <p:bldP spid="36" grpId="0"/>
+    </p:bldLst>
+  </p:timing>
+</p:sld>
+</file>
+
+<file path=ppt/slides/slide4.xml><?xml version="1.0" encoding="utf-8"?>
+<p:sld xmlns:a="http://schemas.openxmlformats.org/drawingml/2006/main" xmlns:r="http://schemas.openxmlformats.org/officeDocument/2006/relationships" xmlns:p="http://schemas.openxmlformats.org/presentationml/2006/main" showMasterSp="0">
+  <p:cSld>
+    <p:spTree>
+      <p:nvGrpSpPr>
+        <p:cNvPr id="1" name=""/>
+        <p:cNvGrpSpPr/>
+        <p:nvPr/>
+      </p:nvGrpSpPr>
+      <p:grpSpPr>
+        <a:xfrm>
+          <a:off x="0" y="0"/>
+          <a:ext cx="0" cy="0"/>
+          <a:chOff x="0" y="0"/>
+          <a:chExt cx="0" cy="0"/>
+        </a:xfrm>
+      </p:grpSpPr>
+      <p:sp>
+        <p:nvSpPr>
           <p:cNvPr id="2" name="object 2"/>
           <p:cNvSpPr txBox="1">
             <a:spLocks noGrp="1"/>
@@ -5109,8 +8127,8 @@
         </p:nvSpPr>
         <p:spPr>
           <a:xfrm>
-            <a:off x="1244600" y="1050880"/>
-            <a:ext cx="10515600" cy="1120820"/>
+            <a:off x="4262338" y="762000"/>
+            <a:ext cx="4480560" cy="1305560"/>
           </a:xfrm>
           <a:prstGeom prst="rect">
             <a:avLst/>
@@ -5131,10 +8149,9 @@
               </a:spcBef>
             </a:pPr>
             <a:r>
-              <a:rPr lang="en-US" sz="7200" spc="-5" dirty="0"/>
-              <a:t>What is Computer Science? </a:t>
-            </a:r>
-            <a:endParaRPr sz="7200" spc="-5" dirty="0"/>
+              <a:rPr spc="-5" dirty="0"/>
+              <a:t>Questions</a:t>
+            </a:r>
           </a:p>
         </p:txBody>
       </p:sp>
@@ -5146,8 +8163,8 @@
         </p:nvSpPr>
         <p:spPr>
           <a:xfrm>
-            <a:off x="800100" y="2959100"/>
-            <a:ext cx="11404600" cy="5688737"/>
+            <a:off x="1600200" y="4343400"/>
+            <a:ext cx="6222365" cy="2595880"/>
           </a:xfrm>
           <a:prstGeom prst="rect">
             <a:avLst/>
@@ -5159,7 +8176,7 @@
           </a:bodyPr>
           <a:lstStyle/>
           <a:p>
-            <a:pPr marL="38100">
+            <a:pPr marL="609600" indent="-571500">
               <a:lnSpc>
                 <a:spcPct val="100000"/>
               </a:lnSpc>
@@ -5167,60 +8184,116 @@
                 <a:spcPts val="100"/>
               </a:spcBef>
               <a:buSzPct val="170238"/>
+              <a:buChar char="•"/>
               <a:tabLst>
                 <a:tab pos="609600" algn="l"/>
               </a:tabLst>
             </a:pPr>
             <a:r>
-              <a:rPr lang="en-US" sz="4200" spc="-5" dirty="0">
+              <a:rPr sz="4200" spc="-5" dirty="0">
                 <a:latin typeface="Gill Sans MT"/>
                 <a:cs typeface="Gill Sans MT"/>
               </a:rPr>
-              <a:t>“If you really want to understand something, the best way is to try and explain it to someone else. That forces you to sort it out in your own mind... that's really the essence of programming. </a:t>
-            </a:r>
-          </a:p>
-          <a:p>
-            <a:pPr marL="38100">
+              <a:t>CS</a:t>
+            </a:r>
+            <a:r>
+              <a:rPr sz="4200" spc="-15" dirty="0">
+                <a:latin typeface="Gill Sans MT"/>
+                <a:cs typeface="Gill Sans MT"/>
+              </a:rPr>
+              <a:t> </a:t>
+            </a:r>
+            <a:r>
+              <a:rPr sz="4200" spc="-5" dirty="0">
+                <a:latin typeface="Gill Sans MT"/>
+                <a:cs typeface="Gill Sans MT"/>
+              </a:rPr>
+              <a:t>Major/Non-major?</a:t>
+            </a:r>
+            <a:endParaRPr sz="4200" dirty="0">
+              <a:latin typeface="Gill Sans MT"/>
+              <a:cs typeface="Gill Sans MT"/>
+            </a:endParaRPr>
+          </a:p>
+          <a:p>
+            <a:pPr marL="609600" indent="-571500">
               <a:lnSpc>
                 <a:spcPct val="100000"/>
               </a:lnSpc>
               <a:spcBef>
-                <a:spcPts val="100"/>
+                <a:spcPts val="2260"/>
               </a:spcBef>
               <a:buSzPct val="170238"/>
+              <a:buChar char="•"/>
               <a:tabLst>
                 <a:tab pos="609600" algn="l"/>
               </a:tabLst>
             </a:pPr>
             <a:r>
-              <a:rPr lang="en-US" sz="4200" spc="-5" dirty="0">
+              <a:rPr sz="4200" spc="-10" dirty="0">
                 <a:latin typeface="Gill Sans MT"/>
                 <a:cs typeface="Gill Sans MT"/>
               </a:rPr>
-              <a:t>By the time you've sorted out a complicated idea into little steps that even a stupid machine can deal with, you've certainly learned something about it yourself.” - </a:t>
-            </a:r>
-            <a:r>
-              <a:rPr lang="en-US" sz="3200" i="1" spc="-5" dirty="0">
+              <a:t>Programming</a:t>
+            </a:r>
+            <a:r>
+              <a:rPr sz="4200" spc="-85" dirty="0">
                 <a:latin typeface="Gill Sans MT"/>
                 <a:cs typeface="Gill Sans MT"/>
               </a:rPr>
-              <a:t>Douglas Adams, Dirk </a:t>
-            </a:r>
-            <a:r>
-              <a:rPr lang="en-US" sz="3200" i="1" spc="-5" dirty="0" err="1">
+              <a:t> </a:t>
+            </a:r>
+            <a:r>
+              <a:rPr sz="4200" dirty="0">
                 <a:latin typeface="Gill Sans MT"/>
                 <a:cs typeface="Gill Sans MT"/>
               </a:rPr>
-              <a:t>Gently's</a:t>
-            </a:r>
-            <a:r>
-              <a:rPr lang="en-US" sz="3200" i="1" spc="-5" dirty="0">
+              <a:t>experience?</a:t>
+            </a:r>
+          </a:p>
+          <a:p>
+            <a:pPr marL="609600" indent="-571500">
+              <a:lnSpc>
+                <a:spcPct val="100000"/>
+              </a:lnSpc>
+              <a:spcBef>
+                <a:spcPts val="2260"/>
+              </a:spcBef>
+              <a:buSzPct val="170238"/>
+              <a:buChar char="•"/>
+              <a:tabLst>
+                <a:tab pos="609600" algn="l"/>
+              </a:tabLst>
+            </a:pPr>
+            <a:r>
+              <a:rPr sz="4200" dirty="0">
                 <a:latin typeface="Gill Sans MT"/>
                 <a:cs typeface="Gill Sans MT"/>
               </a:rPr>
-              <a:t> Holistic Detective Agency</a:t>
-            </a:r>
-            <a:endParaRPr sz="3200" i="1" dirty="0">
+              <a:t>Not </a:t>
+            </a:r>
+            <a:r>
+              <a:rPr sz="4200" spc="20" dirty="0">
+                <a:latin typeface="Gill Sans MT"/>
+                <a:cs typeface="Gill Sans MT"/>
+              </a:rPr>
+              <a:t>first</a:t>
+            </a:r>
+            <a:r>
+              <a:rPr sz="4200" spc="-20" dirty="0">
+                <a:latin typeface="Gill Sans MT"/>
+                <a:cs typeface="Gill Sans MT"/>
+              </a:rPr>
+              <a:t> </a:t>
+            </a:r>
+            <a:r>
+              <a:rPr sz="4200" spc="-5" dirty="0">
+                <a:latin typeface="Gill Sans MT"/>
+                <a:cs typeface="Gill Sans MT"/>
+              </a:rPr>
+              <a:t>semester?</a:t>
+            </a:r>
+            <a:endParaRPr sz="4200" dirty="0">
               <a:latin typeface="Gill Sans MT"/>
               <a:cs typeface="Gill Sans MT"/>
             </a:endParaRPr>
@@ -5280,11 +8353,6 @@
         </p:txBody>
       </p:sp>
     </p:spTree>
-    <p:extLst>
-      <p:ext uri="{BB962C8B-B14F-4D97-AF65-F5344CB8AC3E}">
-        <p14:creationId xmlns:p14="http://schemas.microsoft.com/office/powerpoint/2010/main" val="702371462"/>
-      </p:ext>
-    </p:extLst>
   </p:cSld>
   <p:clrMapOvr>
     <a:masterClrMapping/>
@@ -5359,7 +8427,7 @@
         <p:spPr>
           <a:xfrm>
             <a:off x="800100" y="2959100"/>
-            <a:ext cx="11404600" cy="5893921"/>
+            <a:ext cx="11404600" cy="5688737"/>
           </a:xfrm>
           <a:prstGeom prst="rect">
             <a:avLst/>
@@ -5371,7 +8439,7 @@
           </a:bodyPr>
           <a:lstStyle/>
           <a:p>
-            <a:pPr marL="609600" indent="-571500">
+            <a:pPr marL="38100">
               <a:lnSpc>
                 <a:spcPct val="100000"/>
               </a:lnSpc>
@@ -5379,22 +8447,20 @@
                 <a:spcPts val="100"/>
               </a:spcBef>
               <a:buSzPct val="170238"/>
-              <a:buFont typeface="Arial" panose="020B0604020202020204" pitchFamily="34" charset="0"/>
-              <a:buChar char="•"/>
               <a:tabLst>
                 <a:tab pos="609600" algn="l"/>
               </a:tabLst>
             </a:pPr>
             <a:r>
-              <a:rPr lang="en-US" sz="4200" dirty="0">
+              <a:rPr lang="en-US" sz="4200" spc="-5" dirty="0">
                 <a:latin typeface="Gill Sans MT"/>
                 <a:cs typeface="Gill Sans MT"/>
               </a:rPr>
-              <a:t>The fundamental core of Computer Science is problem solving.</a:t>
-            </a:r>
-          </a:p>
-          <a:p>
-            <a:pPr marL="609600" indent="-571500">
+              <a:t>“If you really want to understand something, the best way is to try and explain it to someone else. That forces you to sort it out in your own mind... that's really the essence of programming. </a:t>
+            </a:r>
+          </a:p>
+          <a:p>
+            <a:pPr marL="38100">
               <a:lnSpc>
                 <a:spcPct val="100000"/>
               </a:lnSpc>
@@ -5402,105 +8468,39 @@
                 <a:spcPts val="100"/>
               </a:spcBef>
               <a:buSzPct val="170238"/>
-              <a:buFont typeface="Arial" panose="020B0604020202020204" pitchFamily="34" charset="0"/>
-              <a:buChar char="•"/>
               <a:tabLst>
                 <a:tab pos="609600" algn="l"/>
               </a:tabLst>
             </a:pPr>
             <a:r>
-              <a:rPr lang="en-US" sz="4200" dirty="0">
+              <a:rPr lang="en-US" sz="4200" spc="-5" dirty="0">
                 <a:latin typeface="Gill Sans MT"/>
                 <a:cs typeface="Gill Sans MT"/>
               </a:rPr>
-              <a:t>Computers do not solve problems, you do</a:t>
-            </a:r>
-          </a:p>
-          <a:p>
-            <a:pPr marL="609600" indent="-571500">
-              <a:lnSpc>
-                <a:spcPct val="100000"/>
-              </a:lnSpc>
-              <a:spcBef>
-                <a:spcPts val="100"/>
-              </a:spcBef>
-              <a:buSzPct val="170238"/>
-              <a:buFont typeface="Arial" panose="020B0604020202020204" pitchFamily="34" charset="0"/>
-              <a:buChar char="•"/>
-              <a:tabLst>
-                <a:tab pos="609600" algn="l"/>
-              </a:tabLst>
-            </a:pPr>
-            <a:r>
-              <a:rPr lang="en-US" sz="4200" dirty="0">
+              <a:t>By the time you've sorted out a complicated idea into little steps that even a stupid machine can deal with, you've certainly learned something about it yourself.” - </a:t>
+            </a:r>
+            <a:r>
+              <a:rPr lang="en-US" sz="3200" i="1" spc="-5" dirty="0">
                 <a:latin typeface="Gill Sans MT"/>
                 <a:cs typeface="Gill Sans MT"/>
               </a:rPr>
-              <a:t>Computers are dumb!</a:t>
-            </a:r>
-          </a:p>
-          <a:p>
-            <a:pPr marL="609600" indent="-571500">
-              <a:lnSpc>
-                <a:spcPct val="100000"/>
-              </a:lnSpc>
-              <a:spcBef>
-                <a:spcPts val="100"/>
-              </a:spcBef>
-              <a:buSzPct val="170238"/>
-              <a:buFont typeface="Arial" panose="020B0604020202020204" pitchFamily="34" charset="0"/>
-              <a:buChar char="•"/>
-              <a:tabLst>
-                <a:tab pos="609600" algn="l"/>
-              </a:tabLst>
-            </a:pPr>
-            <a:r>
-              <a:rPr lang="en-US" sz="4200" dirty="0">
+              <a:t>Douglas Adams, Dirk </a:t>
+            </a:r>
+            <a:r>
+              <a:rPr lang="en-US" sz="3200" i="1" spc="-5" dirty="0" err="1">
                 <a:latin typeface="Gill Sans MT"/>
                 <a:cs typeface="Gill Sans MT"/>
               </a:rPr>
-              <a:t>It is up to you, the user, to approach a complex problem, study it, understand it, and develop a solution to it.</a:t>
-            </a:r>
-          </a:p>
-          <a:p>
-            <a:pPr marL="609600" indent="-571500">
-              <a:lnSpc>
-                <a:spcPct val="100000"/>
-              </a:lnSpc>
-              <a:spcBef>
-                <a:spcPts val="100"/>
-              </a:spcBef>
-              <a:buSzPct val="170238"/>
-              <a:buFont typeface="Arial" panose="020B0604020202020204" pitchFamily="34" charset="0"/>
-              <a:buChar char="•"/>
-              <a:tabLst>
-                <a:tab pos="609600" algn="l"/>
-              </a:tabLst>
-            </a:pPr>
-            <a:r>
-              <a:rPr lang="en-US" sz="4200" dirty="0">
+              <a:t>Gently's</a:t>
+            </a:r>
+            <a:r>
+              <a:rPr lang="en-US" sz="3200" i="1" spc="-5" dirty="0">
                 <a:latin typeface="Gill Sans MT"/>
                 <a:cs typeface="Gill Sans MT"/>
               </a:rPr>
-              <a:t>Computers only automate solutions</a:t>
-            </a:r>
-          </a:p>
-          <a:p>
-            <a:pPr marL="609600" indent="-571500">
-              <a:lnSpc>
-                <a:spcPct val="100000"/>
-              </a:lnSpc>
-              <a:spcBef>
-                <a:spcPts val="100"/>
-              </a:spcBef>
-              <a:buSzPct val="170238"/>
-              <a:buFont typeface="Arial" panose="020B0604020202020204" pitchFamily="34" charset="0"/>
-              <a:buChar char="•"/>
-              <a:tabLst>
-                <a:tab pos="609600" algn="l"/>
-              </a:tabLst>
-            </a:pPr>
-            <a:endParaRPr sz="4200" dirty="0">
+              <a:t> Holistic Detective Agency</a:t>
+            </a:r>
+            <a:endParaRPr sz="3200" i="1" dirty="0">
               <a:latin typeface="Gill Sans MT"/>
               <a:cs typeface="Gill Sans MT"/>
             </a:endParaRPr>
@@ -5562,7 +8562,7 @@
     </p:spTree>
     <p:extLst>
       <p:ext uri="{BB962C8B-B14F-4D97-AF65-F5344CB8AC3E}">
-        <p14:creationId xmlns:p14="http://schemas.microsoft.com/office/powerpoint/2010/main" val="4118561876"/>
+        <p14:creationId xmlns:p14="http://schemas.microsoft.com/office/powerpoint/2010/main" val="702371462"/>
       </p:ext>
     </p:extLst>
   </p:cSld>
@@ -5639,7 +8639,7 @@
         <p:spPr>
           <a:xfrm>
             <a:off x="800100" y="2959100"/>
-            <a:ext cx="11404600" cy="6527428"/>
+            <a:ext cx="11404600" cy="5893921"/>
           </a:xfrm>
           <a:prstGeom prst="rect">
             <a:avLst/>
@@ -5670,7 +8670,7 @@
                 <a:latin typeface="Gill Sans MT"/>
                 <a:cs typeface="Gill Sans MT"/>
               </a:rPr>
-              <a:t>Computational sciences have become a fundamental tool of almost every discipline.</a:t>
+              <a:t>The fundamental core of Computer Science is problem solving.</a:t>
             </a:r>
           </a:p>
           <a:p>
@@ -5693,7 +8693,7 @@
                 <a:latin typeface="Gill Sans MT"/>
                 <a:cs typeface="Gill Sans MT"/>
               </a:rPr>
-              <a:t>Biologists use massively distributed computing models to simulate protein folding and other complex processes.</a:t>
+              <a:t>Computers do not solve problems, you do</a:t>
             </a:r>
           </a:p>
           <a:p>
@@ -5716,7 +8716,7 @@
                 <a:latin typeface="Gill Sans MT"/>
                 <a:cs typeface="Gill Sans MT"/>
               </a:rPr>
-              <a:t>Meteorologists can predict weather and climactic changes with ever greater accuracy.</a:t>
+              <a:t>Computers are dumb!</a:t>
             </a:r>
           </a:p>
           <a:p>
@@ -5739,8 +8739,47 @@
                 <a:latin typeface="Gill Sans MT"/>
                 <a:cs typeface="Gill Sans MT"/>
               </a:rPr>
-              <a:t>Computer Science is not programming. Programming is a necessary skill, but it is only the beginning!</a:t>
-            </a:r>
+              <a:t>It is up to you, the user, to approach a complex problem, study it, understand it, and develop a solution to it.</a:t>
+            </a:r>
+          </a:p>
+          <a:p>
+            <a:pPr marL="609600" indent="-571500">
+              <a:lnSpc>
+                <a:spcPct val="100000"/>
+              </a:lnSpc>
+              <a:spcBef>
+                <a:spcPts val="100"/>
+              </a:spcBef>
+              <a:buSzPct val="170238"/>
+              <a:buFont typeface="Arial" panose="020B0604020202020204" pitchFamily="34" charset="0"/>
+              <a:buChar char="•"/>
+              <a:tabLst>
+                <a:tab pos="609600" algn="l"/>
+              </a:tabLst>
+            </a:pPr>
+            <a:r>
+              <a:rPr lang="en-US" sz="4200" dirty="0">
+                <a:latin typeface="Gill Sans MT"/>
+                <a:cs typeface="Gill Sans MT"/>
+              </a:rPr>
+              <a:t>Computers only automate solutions</a:t>
+            </a:r>
+          </a:p>
+          <a:p>
+            <a:pPr marL="609600" indent="-571500">
+              <a:lnSpc>
+                <a:spcPct val="100000"/>
+              </a:lnSpc>
+              <a:spcBef>
+                <a:spcPts val="100"/>
+              </a:spcBef>
+              <a:buSzPct val="170238"/>
+              <a:buFont typeface="Arial" panose="020B0604020202020204" pitchFamily="34" charset="0"/>
+              <a:buChar char="•"/>
+              <a:tabLst>
+                <a:tab pos="609600" algn="l"/>
+              </a:tabLst>
+            </a:pPr>
             <a:endParaRPr sz="4200" dirty="0">
               <a:latin typeface="Gill Sans MT"/>
               <a:cs typeface="Gill Sans MT"/>
@@ -5803,7 +8842,7 @@
     </p:spTree>
     <p:extLst>
       <p:ext uri="{BB962C8B-B14F-4D97-AF65-F5344CB8AC3E}">
-        <p14:creationId xmlns:p14="http://schemas.microsoft.com/office/powerpoint/2010/main" val="1466758408"/>
+        <p14:creationId xmlns:p14="http://schemas.microsoft.com/office/powerpoint/2010/main" val="4118561876"/>
       </p:ext>
     </p:extLst>
   </p:cSld>
@@ -5842,8 +8881,8 @@
         </p:nvSpPr>
         <p:spPr>
           <a:xfrm>
-            <a:off x="1460500" y="227413"/>
-            <a:ext cx="10083800" cy="2505814"/>
+            <a:off x="1244600" y="1050880"/>
+            <a:ext cx="10515600" cy="1120820"/>
           </a:xfrm>
           <a:prstGeom prst="rect">
             <a:avLst/>
@@ -5864,48 +8903,10 @@
               </a:spcBef>
             </a:pPr>
             <a:r>
-              <a:rPr lang="en-US" sz="5400" dirty="0"/>
-              <a:t>Wh</a:t>
-            </a:r>
-            <a:r>
-              <a:rPr lang="en-US" sz="5400" spc="-5" dirty="0"/>
-              <a:t>a</a:t>
-            </a:r>
-            <a:r>
-              <a:rPr lang="en-US" sz="5400" dirty="0"/>
-              <a:t>t</a:t>
-            </a:r>
-            <a:r>
-              <a:rPr lang="en-US" sz="5400" spc="-5" dirty="0"/>
-              <a:t> i</a:t>
-            </a:r>
-            <a:r>
-              <a:rPr lang="en-US" sz="5400" dirty="0"/>
-              <a:t>s softwa</a:t>
-            </a:r>
-            <a:r>
-              <a:rPr lang="en-US" sz="5400" spc="-170" dirty="0"/>
-              <a:t>r</a:t>
-            </a:r>
-            <a:r>
-              <a:rPr lang="en-US" sz="5400" dirty="0"/>
-              <a:t>e </a:t>
-            </a:r>
-            <a:r>
-              <a:rPr lang="en-US" sz="5400" spc="-25" dirty="0"/>
-              <a:t>development? </a:t>
-            </a:r>
-            <a:br>
-              <a:rPr lang="en-US" sz="5400" spc="-25" dirty="0"/>
-            </a:br>
-            <a:r>
-              <a:rPr lang="en-US" sz="5400" spc="-25" dirty="0"/>
-              <a:t>(General problem solving process)</a:t>
-            </a:r>
-            <a:br>
-              <a:rPr lang="en-US" sz="5400" spc="-25" dirty="0"/>
-            </a:br>
-            <a:endParaRPr sz="5400" spc="-5" dirty="0"/>
+              <a:rPr lang="en-US" sz="7200" spc="-5" dirty="0"/>
+              <a:t>What is Computer Science? </a:t>
+            </a:r>
+            <a:endParaRPr sz="7200" spc="-5" dirty="0"/>
           </a:p>
         </p:txBody>
       </p:sp>
@@ -5917,8 +8918,8 @@
         </p:nvSpPr>
         <p:spPr>
           <a:xfrm>
-            <a:off x="787400" y="2756813"/>
-            <a:ext cx="11988800" cy="6996787"/>
+            <a:off x="800100" y="2959100"/>
+            <a:ext cx="11404600" cy="6527428"/>
           </a:xfrm>
           <a:prstGeom prst="rect">
             <a:avLst/>
@@ -5938,36 +8939,18 @@
                 <a:spcPts val="100"/>
               </a:spcBef>
               <a:buSzPct val="170238"/>
+              <a:buFont typeface="Arial" panose="020B0604020202020204" pitchFamily="34" charset="0"/>
               <a:buChar char="•"/>
               <a:tabLst>
                 <a:tab pos="609600" algn="l"/>
               </a:tabLst>
             </a:pPr>
             <a:r>
-              <a:rPr lang="en-US" sz="4200" b="1" spc="-5" dirty="0">
+              <a:rPr lang="en-US" sz="4200" dirty="0">
                 <a:latin typeface="Gill Sans MT"/>
                 <a:cs typeface="Gill Sans MT"/>
               </a:rPr>
-              <a:t>Design</a:t>
-            </a:r>
-          </a:p>
-          <a:p>
-            <a:pPr marL="1066800" lvl="1" indent="-571500">
-              <a:spcBef>
-                <a:spcPts val="100"/>
-              </a:spcBef>
-              <a:buSzPct val="170238"/>
-              <a:buChar char="•"/>
-              <a:tabLst>
-                <a:tab pos="609600" algn="l"/>
-              </a:tabLst>
-            </a:pPr>
-            <a:r>
-              <a:rPr lang="en-US" sz="4000" spc="-5" dirty="0">
-                <a:latin typeface="Gill Sans MT"/>
-                <a:cs typeface="Gill Sans MT"/>
-              </a:rPr>
-              <a:t>Simply a plan on the construction of a solution</a:t>
+              <a:t>Computational sciences have become a fundamental tool of almost every discipline.</a:t>
             </a:r>
           </a:p>
           <a:p>
@@ -5979,36 +8962,18 @@
                 <a:spcPts val="100"/>
               </a:spcBef>
               <a:buSzPct val="170238"/>
+              <a:buFont typeface="Arial" panose="020B0604020202020204" pitchFamily="34" charset="0"/>
               <a:buChar char="•"/>
               <a:tabLst>
                 <a:tab pos="609600" algn="l"/>
               </a:tabLst>
             </a:pPr>
             <a:r>
-              <a:rPr lang="en-US" sz="4200" b="1" dirty="0">
+              <a:rPr lang="en-US" sz="4200" dirty="0">
                 <a:latin typeface="Gill Sans MT"/>
                 <a:cs typeface="Gill Sans MT"/>
               </a:rPr>
-              <a:t>Implementation</a:t>
-            </a:r>
-          </a:p>
-          <a:p>
-            <a:pPr marL="1066800" lvl="1" indent="-571500">
-              <a:spcBef>
-                <a:spcPts val="100"/>
-              </a:spcBef>
-              <a:buSzPct val="170238"/>
-              <a:buChar char="•"/>
-              <a:tabLst>
-                <a:tab pos="609600" algn="l"/>
-              </a:tabLst>
-            </a:pPr>
-            <a:r>
-              <a:rPr lang="en-US" sz="4000" dirty="0">
-                <a:latin typeface="Gill Sans MT"/>
-                <a:cs typeface="Gill Sans MT"/>
-              </a:rPr>
-              <a:t>Building prototype solutions to test the feasibility of the design.</a:t>
+              <a:t>Biologists use massively distributed computing models to simulate protein folding and other complex processes.</a:t>
             </a:r>
           </a:p>
           <a:p>
@@ -6020,36 +8985,18 @@
                 <a:spcPts val="100"/>
               </a:spcBef>
               <a:buSzPct val="170238"/>
+              <a:buFont typeface="Arial" panose="020B0604020202020204" pitchFamily="34" charset="0"/>
               <a:buChar char="•"/>
               <a:tabLst>
                 <a:tab pos="609600" algn="l"/>
               </a:tabLst>
             </a:pPr>
             <a:r>
-              <a:rPr lang="en-US" sz="4200" b="1" dirty="0">
+              <a:rPr lang="en-US" sz="4200" dirty="0">
                 <a:latin typeface="Gill Sans MT"/>
                 <a:cs typeface="Gill Sans MT"/>
               </a:rPr>
-              <a:t>Testing</a:t>
-            </a:r>
-          </a:p>
-          <a:p>
-            <a:pPr marL="1066800" lvl="1" indent="-571500">
-              <a:spcBef>
-                <a:spcPts val="100"/>
-              </a:spcBef>
-              <a:buSzPct val="170238"/>
-              <a:buChar char="•"/>
-              <a:tabLst>
-                <a:tab pos="609600" algn="l"/>
-              </a:tabLst>
-            </a:pPr>
-            <a:r>
-              <a:rPr lang="en-US" sz="4000" dirty="0">
-                <a:latin typeface="Gill Sans MT"/>
-                <a:cs typeface="Gill Sans MT"/>
-              </a:rPr>
-              <a:t>Finding, designing, and developing test cases that can be used to test your solution.</a:t>
+              <a:t>Meteorologists can predict weather and climactic changes with ever greater accuracy.</a:t>
             </a:r>
           </a:p>
           <a:p>
@@ -6061,38 +9008,20 @@
                 <a:spcPts val="100"/>
               </a:spcBef>
               <a:buSzPct val="170238"/>
+              <a:buFont typeface="Arial" panose="020B0604020202020204" pitchFamily="34" charset="0"/>
               <a:buChar char="•"/>
               <a:tabLst>
                 <a:tab pos="609600" algn="l"/>
               </a:tabLst>
             </a:pPr>
             <a:r>
-              <a:rPr lang="en-US" sz="4200" b="1" dirty="0">
+              <a:rPr lang="en-US" sz="4200" dirty="0">
                 <a:latin typeface="Gill Sans MT"/>
                 <a:cs typeface="Gill Sans MT"/>
               </a:rPr>
-              <a:t>Refinement</a:t>
-            </a:r>
-          </a:p>
-          <a:p>
-            <a:pPr marL="1066800" lvl="1" indent="-571500">
-              <a:spcBef>
-                <a:spcPts val="100"/>
-              </a:spcBef>
-              <a:buSzPct val="170238"/>
-              <a:buChar char="•"/>
-              <a:tabLst>
-                <a:tab pos="609600" algn="l"/>
-              </a:tabLst>
-            </a:pPr>
-            <a:r>
-              <a:rPr lang="en-US" sz="4000" dirty="0">
-                <a:latin typeface="Gill Sans MT"/>
-                <a:cs typeface="Gill Sans MT"/>
-              </a:rPr>
-              <a:t>We may want to make the solution more efficient, cheaper, simpler or more elegant.</a:t>
-            </a:r>
-            <a:endParaRPr sz="4000" dirty="0">
+              <a:t>Computer Science is not programming. Programming is a necessary skill, but it is only the beginning!</a:t>
+            </a:r>
+            <a:endParaRPr sz="4200" dirty="0">
               <a:latin typeface="Gill Sans MT"/>
               <a:cs typeface="Gill Sans MT"/>
             </a:endParaRPr>
@@ -6154,7 +9083,7 @@
     </p:spTree>
     <p:extLst>
       <p:ext uri="{BB962C8B-B14F-4D97-AF65-F5344CB8AC3E}">
-        <p14:creationId xmlns:p14="http://schemas.microsoft.com/office/powerpoint/2010/main" val="2226608946"/>
+        <p14:creationId xmlns:p14="http://schemas.microsoft.com/office/powerpoint/2010/main" val="1466758408"/>
       </p:ext>
     </p:extLst>
   </p:cSld>
@@ -6165,7 +9094,7 @@
 </file>
 
 <file path=ppt/slides/slide8.xml><?xml version="1.0" encoding="utf-8"?>
-<p:sld xmlns:a="http://schemas.openxmlformats.org/drawingml/2006/main" xmlns:r="http://schemas.openxmlformats.org/officeDocument/2006/relationships" xmlns:p="http://schemas.openxmlformats.org/presentationml/2006/main" showMasterSp="0" show="0">
+<p:sld xmlns:a="http://schemas.openxmlformats.org/drawingml/2006/main" xmlns:r="http://schemas.openxmlformats.org/officeDocument/2006/relationships" xmlns:p="http://schemas.openxmlformats.org/presentationml/2006/main">
   <p:cSld>
     <p:spTree>
       <p:nvGrpSpPr>
@@ -6188,63 +9117,13 @@
             <a:spLocks noGrp="1"/>
           </p:cNvSpPr>
           <p:nvPr>
-            <p:ph type="body" idx="1"/>
+            <p:ph type="title"/>
           </p:nvPr>
-        </p:nvSpPr>
-        <p:spPr>
-          <a:prstGeom prst="rect">
-            <a:avLst/>
-          </a:prstGeom>
-        </p:spPr>
-        <p:txBody>
-          <a:bodyPr vert="horz" wrap="square" lIns="0" tIns="93980" rIns="0" bIns="0" rtlCol="0">
-            <a:spAutoFit/>
-          </a:bodyPr>
-          <a:lstStyle/>
-          <a:p>
-            <a:pPr marL="2353945" marR="5080" indent="-1617345">
-              <a:lnSpc>
-                <a:spcPts val="9700"/>
-              </a:lnSpc>
-              <a:spcBef>
-                <a:spcPts val="740"/>
-              </a:spcBef>
-            </a:pPr>
-            <a:r>
-              <a:rPr spc="-5" dirty="0"/>
-              <a:t>What </a:t>
-            </a:r>
-            <a:r>
-              <a:rPr b="1" spc="425" dirty="0">
-                <a:latin typeface="Gill Sans MT"/>
-                <a:cs typeface="Gill Sans MT"/>
-              </a:rPr>
-              <a:t>isn’t</a:t>
-            </a:r>
-            <a:r>
-              <a:rPr b="1" spc="-55" dirty="0">
-                <a:latin typeface="Gill Sans MT"/>
-                <a:cs typeface="Gill Sans MT"/>
-              </a:rPr>
-              <a:t> </a:t>
-            </a:r>
-            <a:r>
-              <a:rPr spc="-25" dirty="0"/>
-              <a:t>software  development?</a:t>
-            </a:r>
-          </a:p>
-        </p:txBody>
-      </p:sp>
-      <p:sp>
-        <p:nvSpPr>
-          <p:cNvPr id="3" name="object 3"/>
-          <p:cNvSpPr txBox="1"/>
-          <p:nvPr/>
         </p:nvSpPr>
         <p:spPr>
           <a:xfrm>
-            <a:off x="869950" y="7378700"/>
-            <a:ext cx="11261725" cy="665480"/>
+            <a:off x="1460500" y="227413"/>
+            <a:ext cx="10083800" cy="2505814"/>
           </a:xfrm>
           <a:prstGeom prst="rect">
             <a:avLst/>
@@ -6265,43 +9144,235 @@
               </a:spcBef>
             </a:pPr>
             <a:r>
-              <a:rPr sz="4200" u="heavy" spc="-5" dirty="0">
-                <a:uFill>
-                  <a:solidFill>
-                    <a:srgbClr val="000000"/>
-                  </a:solidFill>
-                </a:uFill>
+              <a:rPr lang="en-US" sz="5400" dirty="0"/>
+              <a:t>Wh</a:t>
+            </a:r>
+            <a:r>
+              <a:rPr lang="en-US" sz="5400" spc="-5" dirty="0"/>
+              <a:t>a</a:t>
+            </a:r>
+            <a:r>
+              <a:rPr lang="en-US" sz="5400" dirty="0"/>
+              <a:t>t</a:t>
+            </a:r>
+            <a:r>
+              <a:rPr lang="en-US" sz="5400" spc="-5" dirty="0"/>
+              <a:t> i</a:t>
+            </a:r>
+            <a:r>
+              <a:rPr lang="en-US" sz="5400" dirty="0"/>
+              <a:t>s softwa</a:t>
+            </a:r>
+            <a:r>
+              <a:rPr lang="en-US" sz="5400" spc="-170" dirty="0"/>
+              <a:t>r</a:t>
+            </a:r>
+            <a:r>
+              <a:rPr lang="en-US" sz="5400" dirty="0"/>
+              <a:t>e </a:t>
+            </a:r>
+            <a:r>
+              <a:rPr lang="en-US" sz="5400" spc="-25" dirty="0"/>
+              <a:t>development? </a:t>
+            </a:r>
+            <a:br>
+              <a:rPr lang="en-US" sz="5400" spc="-25" dirty="0"/>
+            </a:br>
+            <a:r>
+              <a:rPr lang="en-US" sz="5400" spc="-25" dirty="0"/>
+              <a:t>(General problem solving process)</a:t>
+            </a:r>
+            <a:br>
+              <a:rPr lang="en-US" sz="5400" spc="-25" dirty="0"/>
+            </a:br>
+            <a:endParaRPr sz="5400" spc="-5" dirty="0"/>
+          </a:p>
+        </p:txBody>
+      </p:sp>
+      <p:sp>
+        <p:nvSpPr>
+          <p:cNvPr id="3" name="object 3"/>
+          <p:cNvSpPr txBox="1"/>
+          <p:nvPr/>
+        </p:nvSpPr>
+        <p:spPr>
+          <a:xfrm>
+            <a:off x="787400" y="2756813"/>
+            <a:ext cx="11988800" cy="6996787"/>
+          </a:xfrm>
+          <a:prstGeom prst="rect">
+            <a:avLst/>
+          </a:prstGeom>
+        </p:spPr>
+        <p:txBody>
+          <a:bodyPr vert="horz" wrap="square" lIns="0" tIns="12700" rIns="0" bIns="0" rtlCol="0">
+            <a:spAutoFit/>
+          </a:bodyPr>
+          <a:lstStyle/>
+          <a:p>
+            <a:pPr marL="609600" indent="-571500">
+              <a:lnSpc>
+                <a:spcPct val="100000"/>
+              </a:lnSpc>
+              <a:spcBef>
+                <a:spcPts val="100"/>
+              </a:spcBef>
+              <a:buSzPct val="170238"/>
+              <a:buChar char="•"/>
+              <a:tabLst>
+                <a:tab pos="609600" algn="l"/>
+              </a:tabLst>
+            </a:pPr>
+            <a:r>
+              <a:rPr lang="en-US" sz="4200" b="1" spc="-5" dirty="0">
                 <a:latin typeface="Gill Sans MT"/>
                 <a:cs typeface="Gill Sans MT"/>
               </a:rPr>
-              <a:t>https://</a:t>
-            </a:r>
-            <a:r>
-              <a:rPr sz="4200" u="heavy" spc="-5" dirty="0">
-                <a:uFill>
-                  <a:solidFill>
-                    <a:srgbClr val="000000"/>
-                  </a:solidFill>
-                </a:uFill>
+              <a:t>Design</a:t>
+            </a:r>
+          </a:p>
+          <a:p>
+            <a:pPr marL="1066800" lvl="1" indent="-571500">
+              <a:spcBef>
+                <a:spcPts val="100"/>
+              </a:spcBef>
+              <a:buSzPct val="170238"/>
+              <a:buChar char="•"/>
+              <a:tabLst>
+                <a:tab pos="609600" algn="l"/>
+              </a:tabLst>
+            </a:pPr>
+            <a:r>
+              <a:rPr lang="en-US" sz="4000" spc="-5" dirty="0">
                 <a:latin typeface="Gill Sans MT"/>
                 <a:cs typeface="Gill Sans MT"/>
-                <a:hlinkClick r:id="rId3"/>
-              </a:rPr>
-              <a:t>www.youtube.com/watch?v=dXDr</a:t>
-            </a:r>
-            <a:r>
-              <a:rPr sz="4200" u="heavy" spc="-5" dirty="0">
-                <a:uFill>
-                  <a:solidFill>
-                    <a:srgbClr val="000000"/>
-                  </a:solidFill>
-                </a:uFill>
+              </a:rPr>
+              <a:t>Simply a plan on the construction of a solution</a:t>
+            </a:r>
+          </a:p>
+          <a:p>
+            <a:pPr marL="609600" indent="-571500">
+              <a:lnSpc>
+                <a:spcPct val="100000"/>
+              </a:lnSpc>
+              <a:spcBef>
+                <a:spcPts val="100"/>
+              </a:spcBef>
+              <a:buSzPct val="170238"/>
+              <a:buChar char="•"/>
+              <a:tabLst>
+                <a:tab pos="609600" algn="l"/>
+              </a:tabLst>
+            </a:pPr>
+            <a:r>
+              <a:rPr lang="en-US" sz="4200" b="1" dirty="0">
                 <a:latin typeface="Gill Sans MT"/>
                 <a:cs typeface="Gill Sans MT"/>
               </a:rPr>
-              <a:t>vAxZDDc</a:t>
-            </a:r>
-            <a:endParaRPr sz="4200" dirty="0">
+              <a:t>Implementation</a:t>
+            </a:r>
+          </a:p>
+          <a:p>
+            <a:pPr marL="1066800" lvl="1" indent="-571500">
+              <a:spcBef>
+                <a:spcPts val="100"/>
+              </a:spcBef>
+              <a:buSzPct val="170238"/>
+              <a:buChar char="•"/>
+              <a:tabLst>
+                <a:tab pos="609600" algn="l"/>
+              </a:tabLst>
+            </a:pPr>
+            <a:r>
+              <a:rPr lang="en-US" sz="4000" dirty="0">
+                <a:latin typeface="Gill Sans MT"/>
+                <a:cs typeface="Gill Sans MT"/>
+              </a:rPr>
+              <a:t>Building prototype solutions to test the feasibility of the design.</a:t>
+            </a:r>
+          </a:p>
+          <a:p>
+            <a:pPr marL="609600" indent="-571500">
+              <a:lnSpc>
+                <a:spcPct val="100000"/>
+              </a:lnSpc>
+              <a:spcBef>
+                <a:spcPts val="100"/>
+              </a:spcBef>
+              <a:buSzPct val="170238"/>
+              <a:buChar char="•"/>
+              <a:tabLst>
+                <a:tab pos="609600" algn="l"/>
+              </a:tabLst>
+            </a:pPr>
+            <a:r>
+              <a:rPr lang="en-US" sz="4200" b="1" dirty="0">
+                <a:latin typeface="Gill Sans MT"/>
+                <a:cs typeface="Gill Sans MT"/>
+              </a:rPr>
+              <a:t>Testing</a:t>
+            </a:r>
+          </a:p>
+          <a:p>
+            <a:pPr marL="1066800" lvl="1" indent="-571500">
+              <a:spcBef>
+                <a:spcPts val="100"/>
+              </a:spcBef>
+              <a:buSzPct val="170238"/>
+              <a:buChar char="•"/>
+              <a:tabLst>
+                <a:tab pos="609600" algn="l"/>
+              </a:tabLst>
+            </a:pPr>
+            <a:r>
+              <a:rPr lang="en-US" sz="4000" dirty="0">
+                <a:latin typeface="Gill Sans MT"/>
+                <a:cs typeface="Gill Sans MT"/>
+              </a:rPr>
+              <a:t>Finding, designing, and developing test cases that can be used to test your solution.</a:t>
+            </a:r>
+          </a:p>
+          <a:p>
+            <a:pPr marL="609600" indent="-571500">
+              <a:lnSpc>
+                <a:spcPct val="100000"/>
+              </a:lnSpc>
+              <a:spcBef>
+                <a:spcPts val="100"/>
+              </a:spcBef>
+              <a:buSzPct val="170238"/>
+              <a:buChar char="•"/>
+              <a:tabLst>
+                <a:tab pos="609600" algn="l"/>
+              </a:tabLst>
+            </a:pPr>
+            <a:r>
+              <a:rPr lang="en-US" sz="4200" b="1" dirty="0">
+                <a:latin typeface="Gill Sans MT"/>
+                <a:cs typeface="Gill Sans MT"/>
+              </a:rPr>
+              <a:t>Refinement</a:t>
+            </a:r>
+          </a:p>
+          <a:p>
+            <a:pPr marL="1066800" lvl="1" indent="-571500">
+              <a:spcBef>
+                <a:spcPts val="100"/>
+              </a:spcBef>
+              <a:buSzPct val="170238"/>
+              <a:buChar char="•"/>
+              <a:tabLst>
+                <a:tab pos="609600" algn="l"/>
+              </a:tabLst>
+            </a:pPr>
+            <a:r>
+              <a:rPr lang="en-US" sz="4000" dirty="0">
+                <a:latin typeface="Gill Sans MT"/>
+                <a:cs typeface="Gill Sans MT"/>
+              </a:rPr>
+              <a:t>We may want to make the solution more efficient, cheaper, simpler or more elegant.</a:t>
+            </a:r>
+            <a:endParaRPr sz="4000" dirty="0">
               <a:latin typeface="Gill Sans MT"/>
               <a:cs typeface="Gill Sans MT"/>
             </a:endParaRPr>
@@ -6361,23 +9432,20 @@
         </p:txBody>
       </p:sp>
     </p:spTree>
+    <p:extLst>
+      <p:ext uri="{BB962C8B-B14F-4D97-AF65-F5344CB8AC3E}">
+        <p14:creationId xmlns:p14="http://schemas.microsoft.com/office/powerpoint/2010/main" val="2226608946"/>
+      </p:ext>
+    </p:extLst>
   </p:cSld>
   <p:clrMapOvr>
     <a:masterClrMapping/>
   </p:clrMapOvr>
-  <mc:AlternateContent xmlns:mc="http://schemas.openxmlformats.org/markup-compatibility/2006" xmlns:p14="http://schemas.microsoft.com/office/powerpoint/2010/main">
-    <mc:Choice Requires="p14">
-      <p:transition spd="slow" p14:dur="2000"/>
-    </mc:Choice>
-    <mc:Fallback xmlns="">
-      <p:transition spd="slow"/>
-    </mc:Fallback>
-  </mc:AlternateContent>
 </p:sld>
 </file>
 
 <file path=ppt/slides/slide9.xml><?xml version="1.0" encoding="utf-8"?>
-<p:sld xmlns:a="http://schemas.openxmlformats.org/drawingml/2006/main" xmlns:r="http://schemas.openxmlformats.org/officeDocument/2006/relationships" xmlns:p="http://schemas.openxmlformats.org/presentationml/2006/main" showMasterSp="0">
+<p:sld xmlns:a="http://schemas.openxmlformats.org/drawingml/2006/main" xmlns:r="http://schemas.openxmlformats.org/officeDocument/2006/relationships" xmlns:p="http://schemas.openxmlformats.org/presentationml/2006/main" showMasterSp="0" show="0">
   <p:cSld>
     <p:spTree>
       <p:nvGrpSpPr>
@@ -6400,13 +9468,63 @@
             <a:spLocks noGrp="1"/>
           </p:cNvSpPr>
           <p:nvPr>
-            <p:ph type="title"/>
+            <p:ph type="body" idx="1"/>
           </p:nvPr>
+        </p:nvSpPr>
+        <p:spPr>
+          <a:prstGeom prst="rect">
+            <a:avLst/>
+          </a:prstGeom>
+        </p:spPr>
+        <p:txBody>
+          <a:bodyPr vert="horz" wrap="square" lIns="0" tIns="93980" rIns="0" bIns="0" rtlCol="0">
+            <a:spAutoFit/>
+          </a:bodyPr>
+          <a:lstStyle/>
+          <a:p>
+            <a:pPr marL="2353945" marR="5080" indent="-1617345">
+              <a:lnSpc>
+                <a:spcPts val="9700"/>
+              </a:lnSpc>
+              <a:spcBef>
+                <a:spcPts val="740"/>
+              </a:spcBef>
+            </a:pPr>
+            <a:r>
+              <a:rPr spc="-5" dirty="0"/>
+              <a:t>What </a:t>
+            </a:r>
+            <a:r>
+              <a:rPr b="1" spc="425" dirty="0">
+                <a:latin typeface="Gill Sans MT"/>
+                <a:cs typeface="Gill Sans MT"/>
+              </a:rPr>
+              <a:t>isn’t</a:t>
+            </a:r>
+            <a:r>
+              <a:rPr b="1" spc="-55" dirty="0">
+                <a:latin typeface="Gill Sans MT"/>
+                <a:cs typeface="Gill Sans MT"/>
+              </a:rPr>
+              <a:t> </a:t>
+            </a:r>
+            <a:r>
+              <a:rPr spc="-25" dirty="0"/>
+              <a:t>software  development?</a:t>
+            </a:r>
+          </a:p>
+        </p:txBody>
+      </p:sp>
+      <p:sp>
+        <p:nvSpPr>
+          <p:cNvPr id="3" name="object 3"/>
+          <p:cNvSpPr txBox="1"/>
+          <p:nvPr/>
         </p:nvSpPr>
         <p:spPr>
           <a:xfrm>
-            <a:off x="1606537" y="4165600"/>
-            <a:ext cx="9791700" cy="1305560"/>
+            <a:off x="869950" y="7378700"/>
+            <a:ext cx="11261725" cy="665480"/>
           </a:xfrm>
           <a:prstGeom prst="rect">
             <a:avLst/>
@@ -6425,60 +9543,54 @@
               <a:spcBef>
                 <a:spcPts val="100"/>
               </a:spcBef>
-              <a:tabLst>
-                <a:tab pos="3704590" algn="l"/>
-              </a:tabLst>
             </a:pPr>
             <a:r>
-              <a:rPr dirty="0"/>
-              <a:t>Wh</a:t>
-            </a:r>
-            <a:r>
-              <a:rPr spc="-5" dirty="0"/>
-              <a:t>a</a:t>
-            </a:r>
-            <a:r>
-              <a:rPr dirty="0"/>
-              <a:t>t</a:t>
-            </a:r>
-            <a:r>
-              <a:rPr spc="-5" dirty="0"/>
-              <a:t> i</a:t>
-            </a:r>
-            <a:r>
-              <a:rPr dirty="0"/>
-              <a:t>s	p</a:t>
-            </a:r>
-            <a:r>
-              <a:rPr spc="-210" dirty="0"/>
-              <a:t>r</a:t>
-            </a:r>
-            <a:r>
-              <a:rPr dirty="0"/>
-              <a:t>ogr</a:t>
-            </a:r>
-            <a:r>
-              <a:rPr spc="-5" dirty="0"/>
-              <a:t>a</a:t>
-            </a:r>
-            <a:r>
-              <a:rPr dirty="0"/>
-              <a:t>mmin</a:t>
-            </a:r>
-            <a:r>
-              <a:rPr spc="-5" dirty="0"/>
-              <a:t>g</a:t>
-            </a:r>
-            <a:r>
-              <a:rPr dirty="0"/>
-              <a:t>?</a:t>
-            </a:r>
-          </a:p>
-        </p:txBody>
-      </p:sp>
-      <p:sp>
-        <p:nvSpPr>
-          <p:cNvPr id="3" name="object 3"/>
+              <a:rPr sz="4200" u="heavy" spc="-5" dirty="0">
+                <a:uFill>
+                  <a:solidFill>
+                    <a:srgbClr val="000000"/>
+                  </a:solidFill>
+                </a:uFill>
+                <a:latin typeface="Gill Sans MT"/>
+                <a:cs typeface="Gill Sans MT"/>
+              </a:rPr>
+              <a:t>https://</a:t>
+            </a:r>
+            <a:r>
+              <a:rPr sz="4200" u="heavy" spc="-5" dirty="0">
+                <a:uFill>
+                  <a:solidFill>
+                    <a:srgbClr val="000000"/>
+                  </a:solidFill>
+                </a:uFill>
+                <a:latin typeface="Gill Sans MT"/>
+                <a:cs typeface="Gill Sans MT"/>
+                <a:hlinkClick r:id="rId3"/>
+              </a:rPr>
+              <a:t>www.youtube.com/watch?v=dXDr</a:t>
+            </a:r>
+            <a:r>
+              <a:rPr sz="4200" u="heavy" spc="-5" dirty="0">
+                <a:uFill>
+                  <a:solidFill>
+                    <a:srgbClr val="000000"/>
+                  </a:solidFill>
+                </a:uFill>
+                <a:latin typeface="Gill Sans MT"/>
+                <a:cs typeface="Gill Sans MT"/>
+              </a:rPr>
+              <a:t>vAxZDDc</a:t>
+            </a:r>
+            <a:endParaRPr sz="4200" dirty="0">
+              <a:latin typeface="Gill Sans MT"/>
+              <a:cs typeface="Gill Sans MT"/>
+            </a:endParaRPr>
+          </a:p>
+        </p:txBody>
+      </p:sp>
+      <p:sp>
+        <p:nvSpPr>
+          <p:cNvPr id="4" name="object 4"/>
           <p:cNvSpPr/>
           <p:nvPr/>
         </p:nvSpPr>

--- a/lecture/week_1/week_1_notes_1.pptx
+++ b/lecture/week_1/week_1_notes_1.pptx
@@ -258,7 +258,7 @@
           <a:p>
             <a:fld id="{AC8AFE44-E840-4CA3-A040-6A82550111D5}" type="datetimeFigureOut">
               <a:rPr lang="en-US" smtClean="0"/>
-              <a:t>8/14/2020</a:t>
+              <a:t>8/27/23</a:t>
             </a:fld>
             <a:endParaRPr lang="en-US"/>
           </a:p>
@@ -569,6 +569,22 @@
           <a:bodyPr/>
           <a:lstStyle/>
           <a:p>
+            <a:r>
+              <a:rPr lang="en-US" dirty="0"/>
+              <a:t>https://</a:t>
+            </a:r>
+            <a:r>
+              <a:rPr lang="en-US" dirty="0" err="1"/>
+              <a:t>pollev.com</a:t>
+            </a:r>
+            <a:r>
+              <a:rPr lang="en-US" dirty="0"/>
+              <a:t>/</a:t>
+            </a:r>
+            <a:r>
+              <a:rPr lang="en-US" dirty="0" err="1"/>
+              <a:t>mjalali</a:t>
+            </a:r>
             <a:endParaRPr lang="en-US" dirty="0"/>
           </a:p>
         </p:txBody>
@@ -580,7 +596,7 @@
             <a:spLocks noGrp="1"/>
           </p:cNvSpPr>
           <p:nvPr>
-            <p:ph type="sldNum" sz="quarter" idx="10"/>
+            <p:ph type="sldNum" sz="quarter" idx="5"/>
           </p:nvPr>
         </p:nvSpPr>
         <p:spPr/>
@@ -590,7 +606,7 @@
           <a:p>
             <a:fld id="{E3FB5458-7096-4ABB-810B-D4FB5505A567}" type="slidenum">
               <a:rPr lang="en-US" smtClean="0"/>
-              <a:t>4</a:t>
+              <a:t>3</a:t>
             </a:fld>
             <a:endParaRPr lang="en-US"/>
           </a:p>
@@ -599,7 +615,7 @@
     </p:spTree>
     <p:extLst>
       <p:ext uri="{BB962C8B-B14F-4D97-AF65-F5344CB8AC3E}">
-        <p14:creationId xmlns:p14="http://schemas.microsoft.com/office/powerpoint/2010/main" val="3651688686"/>
+        <p14:creationId xmlns:p14="http://schemas.microsoft.com/office/powerpoint/2010/main" val="965464664"/>
       </p:ext>
     </p:extLst>
   </p:cSld>
@@ -674,7 +690,7 @@
           <a:p>
             <a:fld id="{E3FB5458-7096-4ABB-810B-D4FB5505A567}" type="slidenum">
               <a:rPr lang="en-US" smtClean="0"/>
-              <a:t>5</a:t>
+              <a:t>4</a:t>
             </a:fld>
             <a:endParaRPr lang="en-US"/>
           </a:p>
@@ -683,7 +699,7 @@
     </p:spTree>
     <p:extLst>
       <p:ext uri="{BB962C8B-B14F-4D97-AF65-F5344CB8AC3E}">
-        <p14:creationId xmlns:p14="http://schemas.microsoft.com/office/powerpoint/2010/main" val="684179688"/>
+        <p14:creationId xmlns:p14="http://schemas.microsoft.com/office/powerpoint/2010/main" val="3651688686"/>
       </p:ext>
     </p:extLst>
   </p:cSld>
@@ -758,7 +774,7 @@
           <a:p>
             <a:fld id="{E3FB5458-7096-4ABB-810B-D4FB5505A567}" type="slidenum">
               <a:rPr lang="en-US" smtClean="0"/>
-              <a:t>6</a:t>
+              <a:t>5</a:t>
             </a:fld>
             <a:endParaRPr lang="en-US"/>
           </a:p>
@@ -767,7 +783,7 @@
     </p:spTree>
     <p:extLst>
       <p:ext uri="{BB962C8B-B14F-4D97-AF65-F5344CB8AC3E}">
-        <p14:creationId xmlns:p14="http://schemas.microsoft.com/office/powerpoint/2010/main" val="3744534223"/>
+        <p14:creationId xmlns:p14="http://schemas.microsoft.com/office/powerpoint/2010/main" val="684179688"/>
       </p:ext>
     </p:extLst>
   </p:cSld>
@@ -821,229 +837,6 @@
           <a:bodyPr/>
           <a:lstStyle/>
           <a:p>
-            <a:pPr marL="12700">
-              <a:lnSpc>
-                <a:spcPts val="2620"/>
-              </a:lnSpc>
-              <a:spcBef>
-                <a:spcPts val="100"/>
-              </a:spcBef>
-            </a:pPr>
-            <a:r>
-              <a:rPr lang="en-US" sz="1200" dirty="0">
-                <a:latin typeface="Lucida Sans Unicode"/>
-                <a:cs typeface="Lucida Sans Unicode"/>
-              </a:rPr>
-              <a:t>-I </a:t>
-            </a:r>
-            <a:r>
-              <a:rPr lang="en-US" sz="1200" spc="-5" dirty="0">
-                <a:latin typeface="Lucida Sans Unicode"/>
-                <a:cs typeface="Lucida Sans Unicode"/>
-              </a:rPr>
-              <a:t>want to manage </a:t>
-            </a:r>
-            <a:r>
-              <a:rPr lang="en-US" sz="1200" dirty="0">
-                <a:latin typeface="Lucida Sans Unicode"/>
-                <a:cs typeface="Lucida Sans Unicode"/>
-              </a:rPr>
-              <a:t>some </a:t>
-            </a:r>
-            <a:r>
-              <a:rPr lang="en-US" sz="1200" spc="-5" dirty="0">
-                <a:latin typeface="Lucida Sans Unicode"/>
-                <a:cs typeface="Lucida Sans Unicode"/>
-              </a:rPr>
-              <a:t>expectations here</a:t>
-            </a:r>
-            <a:endParaRPr lang="en-US" sz="1200" dirty="0">
-              <a:latin typeface="Lucida Sans Unicode"/>
-              <a:cs typeface="Lucida Sans Unicode"/>
-            </a:endParaRPr>
-          </a:p>
-          <a:p>
-            <a:pPr marL="12700">
-              <a:lnSpc>
-                <a:spcPts val="2600"/>
-              </a:lnSpc>
-            </a:pPr>
-            <a:r>
-              <a:rPr lang="en-US" sz="1200" spc="-5" dirty="0">
-                <a:latin typeface="Lucida Sans Unicode"/>
-                <a:cs typeface="Lucida Sans Unicode"/>
-              </a:rPr>
-              <a:t>-Perception: </a:t>
-            </a:r>
-            <a:r>
-              <a:rPr lang="en-US" sz="1200" dirty="0">
-                <a:latin typeface="Lucida Sans Unicode"/>
-                <a:cs typeface="Lucida Sans Unicode"/>
-              </a:rPr>
-              <a:t>pure</a:t>
-            </a:r>
-            <a:r>
-              <a:rPr lang="en-US" sz="1200" spc="-5" dirty="0">
-                <a:latin typeface="Lucida Sans Unicode"/>
-                <a:cs typeface="Lucida Sans Unicode"/>
-              </a:rPr>
-              <a:t> typing</a:t>
-            </a:r>
-            <a:endParaRPr lang="en-US" sz="1200" dirty="0">
-              <a:latin typeface="Lucida Sans Unicode"/>
-              <a:cs typeface="Lucida Sans Unicode"/>
-            </a:endParaRPr>
-          </a:p>
-          <a:p>
-            <a:pPr marL="12700" marR="5080">
-              <a:lnSpc>
-                <a:spcPts val="2600"/>
-              </a:lnSpc>
-              <a:spcBef>
-                <a:spcPts val="100"/>
-              </a:spcBef>
-              <a:tabLst>
-                <a:tab pos="4653280" algn="l"/>
-              </a:tabLst>
-            </a:pPr>
-            <a:r>
-              <a:rPr lang="en-US" sz="1200" spc="-5" dirty="0">
-                <a:latin typeface="Lucida Sans Unicode"/>
-                <a:cs typeface="Lucida Sans Unicode"/>
-              </a:rPr>
-              <a:t>-Reality: mostly </a:t>
-            </a:r>
-            <a:r>
-              <a:rPr lang="en-US" sz="1200" dirty="0">
-                <a:latin typeface="Lucida Sans Unicode"/>
-                <a:cs typeface="Lucida Sans Unicode"/>
-              </a:rPr>
-              <a:t>not </a:t>
-            </a:r>
-            <a:r>
-              <a:rPr lang="en-US" sz="1200" spc="-5" dirty="0">
-                <a:latin typeface="Lucida Sans Unicode"/>
-                <a:cs typeface="Lucida Sans Unicode"/>
-              </a:rPr>
-              <a:t>typing</a:t>
-            </a:r>
-            <a:r>
-              <a:rPr lang="en-US" sz="1200" spc="50" dirty="0">
-                <a:latin typeface="Lucida Sans Unicode"/>
-                <a:cs typeface="Lucida Sans Unicode"/>
-              </a:rPr>
-              <a:t> </a:t>
-            </a:r>
-            <a:r>
-              <a:rPr lang="en-US" sz="1200" spc="-5" dirty="0">
-                <a:latin typeface="Lucida Sans Unicode"/>
-                <a:cs typeface="Lucida Sans Unicode"/>
-              </a:rPr>
-              <a:t>at</a:t>
-            </a:r>
-            <a:r>
-              <a:rPr lang="en-US" sz="1200" spc="10" dirty="0">
-                <a:latin typeface="Lucida Sans Unicode"/>
-                <a:cs typeface="Lucida Sans Unicode"/>
-              </a:rPr>
-              <a:t> </a:t>
-            </a:r>
-            <a:r>
-              <a:rPr lang="en-US" sz="1200" spc="-5" dirty="0">
-                <a:latin typeface="Lucida Sans Unicode"/>
-                <a:cs typeface="Lucida Sans Unicode"/>
-              </a:rPr>
-              <a:t>all.</a:t>
-            </a:r>
-          </a:p>
-          <a:p>
-            <a:pPr marL="12700" marR="5080">
-              <a:lnSpc>
-                <a:spcPts val="2600"/>
-              </a:lnSpc>
-              <a:spcBef>
-                <a:spcPts val="100"/>
-              </a:spcBef>
-              <a:tabLst>
-                <a:tab pos="4653280" algn="l"/>
-              </a:tabLst>
-            </a:pPr>
-            <a:r>
-              <a:rPr lang="en-US" sz="1200" dirty="0">
-                <a:latin typeface="Lucida Sans Unicode"/>
-                <a:cs typeface="Lucida Sans Unicode"/>
-              </a:rPr>
-              <a:t>If most of your </a:t>
-            </a:r>
-            <a:r>
-              <a:rPr lang="en-US" sz="1200" spc="-5" dirty="0">
-                <a:latin typeface="Lucida Sans Unicode"/>
-                <a:cs typeface="Lucida Sans Unicode"/>
-              </a:rPr>
-              <a:t>time </a:t>
-            </a:r>
-            <a:r>
-              <a:rPr lang="en-US" sz="1200" dirty="0">
-                <a:latin typeface="Lucida Sans Unicode"/>
-                <a:cs typeface="Lucida Sans Unicode"/>
-              </a:rPr>
-              <a:t>is </a:t>
-            </a:r>
-            <a:r>
-              <a:rPr lang="en-US" sz="1200" spc="-5" dirty="0">
-                <a:latin typeface="Lucida Sans Unicode"/>
-                <a:cs typeface="Lucida Sans Unicode"/>
-              </a:rPr>
-              <a:t>spent typing, </a:t>
-            </a:r>
-            <a:r>
-              <a:rPr lang="en-US" sz="1200" dirty="0">
-                <a:latin typeface="Lucida Sans Unicode"/>
-                <a:cs typeface="Lucida Sans Unicode"/>
-              </a:rPr>
-              <a:t>you’re </a:t>
-            </a:r>
-            <a:r>
-              <a:rPr lang="en-US" sz="1200" spc="-5" dirty="0">
-                <a:latin typeface="Lucida Sans Unicode"/>
-                <a:cs typeface="Lucida Sans Unicode"/>
-              </a:rPr>
-              <a:t>probably </a:t>
-            </a:r>
-            <a:r>
-              <a:rPr lang="en-US" sz="1200" dirty="0">
-                <a:latin typeface="Lucida Sans Unicode"/>
-                <a:cs typeface="Lucida Sans Unicode"/>
-              </a:rPr>
-              <a:t>doing  </a:t>
-            </a:r>
-            <a:r>
-              <a:rPr lang="en-US" sz="1200" spc="-5" dirty="0">
-                <a:latin typeface="Lucida Sans Unicode"/>
-                <a:cs typeface="Lucida Sans Unicode"/>
-              </a:rPr>
-              <a:t>something</a:t>
-            </a:r>
-            <a:r>
-              <a:rPr lang="en-US" sz="1200" spc="-10" dirty="0">
-                <a:latin typeface="Lucida Sans Unicode"/>
-                <a:cs typeface="Lucida Sans Unicode"/>
-              </a:rPr>
-              <a:t> </a:t>
-            </a:r>
-            <a:r>
-              <a:rPr lang="en-US" sz="1200" spc="-5" dirty="0">
-                <a:latin typeface="Lucida Sans Unicode"/>
-                <a:cs typeface="Lucida Sans Unicode"/>
-              </a:rPr>
-              <a:t>wrong.</a:t>
-            </a:r>
-            <a:endParaRPr lang="en-US" sz="1200" dirty="0">
-              <a:latin typeface="Lucida Sans Unicode"/>
-              <a:cs typeface="Lucida Sans Unicode"/>
-            </a:endParaRPr>
-          </a:p>
-          <a:p>
             <a:endParaRPr lang="en-US" dirty="0"/>
           </a:p>
         </p:txBody>
@@ -1055,7 +848,7 @@
             <a:spLocks noGrp="1"/>
           </p:cNvSpPr>
           <p:nvPr>
-            <p:ph type="sldNum" sz="quarter" idx="5"/>
+            <p:ph type="sldNum" sz="quarter" idx="10"/>
           </p:nvPr>
         </p:nvSpPr>
         <p:spPr/>
@@ -1065,7 +858,7 @@
           <a:p>
             <a:fld id="{E3FB5458-7096-4ABB-810B-D4FB5505A567}" type="slidenum">
               <a:rPr lang="en-US" smtClean="0"/>
-              <a:t>8</a:t>
+              <a:t>6</a:t>
             </a:fld>
             <a:endParaRPr lang="en-US"/>
           </a:p>
@@ -1074,7 +867,7 @@
     </p:spTree>
     <p:extLst>
       <p:ext uri="{BB962C8B-B14F-4D97-AF65-F5344CB8AC3E}">
-        <p14:creationId xmlns:p14="http://schemas.microsoft.com/office/powerpoint/2010/main" val="1716308229"/>
+        <p14:creationId xmlns:p14="http://schemas.microsoft.com/office/powerpoint/2010/main" val="3744534223"/>
       </p:ext>
     </p:extLst>
   </p:cSld>
@@ -1137,39 +930,64 @@
               </a:spcBef>
             </a:pPr>
             <a:r>
+              <a:rPr lang="en-US" sz="1200" dirty="0">
+                <a:latin typeface="Lucida Sans Unicode"/>
+                <a:cs typeface="Lucida Sans Unicode"/>
+              </a:rPr>
+              <a:t>-I </a:t>
+            </a:r>
+            <a:r>
               <a:rPr lang="en-US" sz="1200" spc="-5" dirty="0">
                 <a:latin typeface="Lucida Sans Unicode"/>
                 <a:cs typeface="Lucida Sans Unicode"/>
               </a:rPr>
-              <a:t>-Programming </a:t>
+              <a:t>want to manage </a:t>
             </a:r>
             <a:r>
               <a:rPr lang="en-US" sz="1200" dirty="0">
                 <a:latin typeface="Lucida Sans Unicode"/>
                 <a:cs typeface="Lucida Sans Unicode"/>
               </a:rPr>
-              <a:t>is </a:t>
+              <a:t>some </a:t>
             </a:r>
             <a:r>
               <a:rPr lang="en-US" sz="1200" spc="-5" dirty="0">
                 <a:latin typeface="Lucida Sans Unicode"/>
                 <a:cs typeface="Lucida Sans Unicode"/>
               </a:rPr>
-              <a:t>about </a:t>
+              <a:t>expectations here</a:t>
+            </a:r>
+            <a:endParaRPr lang="en-US" sz="1200" dirty="0">
+              <a:latin typeface="Lucida Sans Unicode"/>
+              <a:cs typeface="Lucida Sans Unicode"/>
+            </a:endParaRPr>
+          </a:p>
+          <a:p>
+            <a:pPr marL="12700">
+              <a:lnSpc>
+                <a:spcPts val="2600"/>
+              </a:lnSpc>
+            </a:pPr>
+            <a:r>
+              <a:rPr lang="en-US" sz="1200" spc="-5" dirty="0">
+                <a:latin typeface="Lucida Sans Unicode"/>
+                <a:cs typeface="Lucida Sans Unicode"/>
+              </a:rPr>
+              <a:t>-Perception: </a:t>
             </a:r>
             <a:r>
               <a:rPr lang="en-US" sz="1200" dirty="0">
                 <a:latin typeface="Lucida Sans Unicode"/>
                 <a:cs typeface="Lucida Sans Unicode"/>
               </a:rPr>
-              <a:t>solving</a:t>
+              <a:t>pure</a:t>
             </a:r>
             <a:r>
               <a:rPr lang="en-US" sz="1200" spc="-5" dirty="0">
                 <a:latin typeface="Lucida Sans Unicode"/>
                 <a:cs typeface="Lucida Sans Unicode"/>
               </a:rPr>
-              <a:t> problems.</a:t>
+              <a:t> typing</a:t>
             </a:r>
             <a:endParaRPr lang="en-US" sz="1200" dirty="0">
               <a:latin typeface="Lucida Sans Unicode"/>
@@ -1185,7 +1003,7 @@
                 <a:spcPts val="100"/>
               </a:spcBef>
               <a:tabLst>
-                <a:tab pos="2992755" algn="l"/>
+                <a:tab pos="4653280" algn="l"/>
               </a:tabLst>
             </a:pPr>
             <a:r>
@@ -1193,105 +1011,49 @@
                 <a:latin typeface="Lucida Sans Unicode"/>
                 <a:cs typeface="Lucida Sans Unicode"/>
               </a:rPr>
-              <a:t>-You give </a:t>
+              <a:t>-Reality: mostly </a:t>
             </a:r>
             <a:r>
               <a:rPr lang="en-US" sz="1200" dirty="0">
                 <a:latin typeface="Lucida Sans Unicode"/>
                 <a:cs typeface="Lucida Sans Unicode"/>
               </a:rPr>
-              <a:t>a </a:t>
+              <a:t>not </a:t>
             </a:r>
             <a:r>
               <a:rPr lang="en-US" sz="1200" spc="-5" dirty="0">
                 <a:latin typeface="Lucida Sans Unicode"/>
                 <a:cs typeface="Lucida Sans Unicode"/>
               </a:rPr>
-              <a:t>series </a:t>
-            </a:r>
-            <a:r>
-              <a:rPr lang="en-US" sz="1200" dirty="0">
+              <a:t>typing</a:t>
+            </a:r>
+            <a:r>
+              <a:rPr lang="en-US" sz="1200" spc="50" dirty="0">
                 <a:latin typeface="Lucida Sans Unicode"/>
                 <a:cs typeface="Lucida Sans Unicode"/>
               </a:rPr>
-              <a:t>of </a:t>
+              <a:t> </a:t>
             </a:r>
             <a:r>
               <a:rPr lang="en-US" sz="1200" spc="-5" dirty="0">
                 <a:latin typeface="Lucida Sans Unicode"/>
                 <a:cs typeface="Lucida Sans Unicode"/>
               </a:rPr>
-              <a:t>instructions to </a:t>
-            </a:r>
-            <a:r>
-              <a:rPr lang="en-US" sz="1200" dirty="0">
+              <a:t>at</a:t>
+            </a:r>
+            <a:r>
+              <a:rPr lang="en-US" sz="1200" spc="10" dirty="0">
                 <a:latin typeface="Lucida Sans Unicode"/>
                 <a:cs typeface="Lucida Sans Unicode"/>
               </a:rPr>
-              <a:t>a </a:t>
+              <a:t> </a:t>
             </a:r>
             <a:r>
               <a:rPr lang="en-US" sz="1200" spc="-5" dirty="0">
                 <a:latin typeface="Lucida Sans Unicode"/>
                 <a:cs typeface="Lucida Sans Unicode"/>
               </a:rPr>
-              <a:t>machine </a:t>
-            </a:r>
-            <a:r>
-              <a:rPr lang="en-US" sz="1200" dirty="0">
-                <a:latin typeface="Lucida Sans Unicode"/>
-                <a:cs typeface="Lucida Sans Unicode"/>
-              </a:rPr>
-              <a:t>which will </a:t>
-            </a:r>
-            <a:r>
-              <a:rPr lang="en-US" sz="1200" spc="-5" dirty="0">
-                <a:latin typeface="Lucida Sans Unicode"/>
-                <a:cs typeface="Lucida Sans Unicode"/>
-              </a:rPr>
-              <a:t>diligently carry them </a:t>
-            </a:r>
-            <a:r>
-              <a:rPr lang="en-US" sz="1200" dirty="0">
-                <a:latin typeface="Lucida Sans Unicode"/>
-                <a:cs typeface="Lucida Sans Unicode"/>
-              </a:rPr>
-              <a:t>out </a:t>
-            </a:r>
-            <a:r>
-              <a:rPr lang="en-US" sz="1200" spc="-5" dirty="0">
-                <a:latin typeface="Lucida Sans Unicode"/>
-                <a:cs typeface="Lucida Sans Unicode"/>
-              </a:rPr>
-              <a:t>without concern</a:t>
-            </a:r>
-            <a:r>
-              <a:rPr lang="en-US" sz="1200" spc="15" dirty="0">
-                <a:latin typeface="Lucida Sans Unicode"/>
-                <a:cs typeface="Lucida Sans Unicode"/>
-              </a:rPr>
-              <a:t> </a:t>
-            </a:r>
-            <a:r>
-              <a:rPr lang="en-US" sz="1200" dirty="0">
-                <a:latin typeface="Lucida Sans Unicode"/>
-                <a:cs typeface="Lucida Sans Unicode"/>
-              </a:rPr>
-              <a:t>or</a:t>
-            </a:r>
-            <a:r>
-              <a:rPr lang="en-US" sz="1200" spc="15" dirty="0">
-                <a:latin typeface="Lucida Sans Unicode"/>
-                <a:cs typeface="Lucida Sans Unicode"/>
-              </a:rPr>
-              <a:t> </a:t>
-            </a:r>
-            <a:r>
-              <a:rPr lang="en-US" sz="1200" spc="-5" dirty="0">
-                <a:latin typeface="Lucida Sans Unicode"/>
-                <a:cs typeface="Lucida Sans Unicode"/>
-              </a:rPr>
-              <a:t>question.	</a:t>
+              <a:t>all.</a:t>
             </a:r>
           </a:p>
           <a:p>
@@ -1303,50 +1065,78 @@
                 <a:spcPts val="100"/>
               </a:spcBef>
               <a:tabLst>
-                <a:tab pos="2992755" algn="l"/>
+                <a:tab pos="4653280" algn="l"/>
               </a:tabLst>
             </a:pPr>
+            <a:r>
+              <a:rPr lang="en-US" sz="1200" dirty="0">
+                <a:latin typeface="Lucida Sans Unicode"/>
+                <a:cs typeface="Lucida Sans Unicode"/>
+              </a:rPr>
+              <a:t>If most of your </a:t>
+            </a:r>
             <a:r>
               <a:rPr lang="en-US" sz="1200" spc="-5" dirty="0">
                 <a:latin typeface="Lucida Sans Unicode"/>
                 <a:cs typeface="Lucida Sans Unicode"/>
               </a:rPr>
-              <a:t>This, again, </a:t>
+              <a:t>time </a:t>
             </a:r>
             <a:r>
               <a:rPr lang="en-US" sz="1200" dirty="0">
                 <a:latin typeface="Lucida Sans Unicode"/>
                 <a:cs typeface="Lucida Sans Unicode"/>
               </a:rPr>
-              <a:t>is for </a:t>
+              <a:t>is </a:t>
             </a:r>
             <a:r>
               <a:rPr lang="en-US" sz="1200" spc="-5" dirty="0">
                 <a:latin typeface="Lucida Sans Unicode"/>
                 <a:cs typeface="Lucida Sans Unicode"/>
               </a:rPr>
-              <a:t>better </a:t>
+              <a:t>spent typing, </a:t>
             </a:r>
             <a:r>
               <a:rPr lang="en-US" sz="1200" dirty="0">
                 <a:latin typeface="Lucida Sans Unicode"/>
                 <a:cs typeface="Lucida Sans Unicode"/>
               </a:rPr>
-              <a:t>or for</a:t>
-            </a:r>
-            <a:r>
-              <a:rPr lang="en-US" sz="1200" spc="10" dirty="0">
-                <a:latin typeface="Lucida Sans Unicode"/>
-                <a:cs typeface="Lucida Sans Unicode"/>
-              </a:rPr>
-              <a:t> </a:t>
+              <a:t>you’re </a:t>
             </a:r>
             <a:r>
               <a:rPr lang="en-US" sz="1200" spc="-5" dirty="0">
                 <a:latin typeface="Lucida Sans Unicode"/>
                 <a:cs typeface="Lucida Sans Unicode"/>
               </a:rPr>
-              <a:t>worse.</a:t>
+              <a:t>probably </a:t>
+            </a:r>
+            <a:r>
+              <a:rPr lang="en-US" sz="1200" dirty="0">
+                <a:latin typeface="Lucida Sans Unicode"/>
+                <a:cs typeface="Lucida Sans Unicode"/>
+              </a:rPr>
+              <a:t>doing  </a:t>
+            </a:r>
+            <a:r>
+              <a:rPr lang="en-US" sz="1200" spc="-5" dirty="0">
+                <a:latin typeface="Lucida Sans Unicode"/>
+                <a:cs typeface="Lucida Sans Unicode"/>
+              </a:rPr>
+              <a:t>something</a:t>
+            </a:r>
+            <a:r>
+              <a:rPr lang="en-US" sz="1200" spc="-10" dirty="0">
+                <a:latin typeface="Lucida Sans Unicode"/>
+                <a:cs typeface="Lucida Sans Unicode"/>
+              </a:rPr>
+              <a:t> </a:t>
+            </a:r>
+            <a:r>
+              <a:rPr lang="en-US" sz="1200" spc="-5" dirty="0">
+                <a:latin typeface="Lucida Sans Unicode"/>
+                <a:cs typeface="Lucida Sans Unicode"/>
+              </a:rPr>
+              <a:t>wrong.</a:t>
             </a:r>
             <a:endParaRPr lang="en-US" sz="1200" dirty="0">
               <a:latin typeface="Lucida Sans Unicode"/>
@@ -1375,7 +1165,7 @@
           <a:p>
             <a:fld id="{E3FB5458-7096-4ABB-810B-D4FB5505A567}" type="slidenum">
               <a:rPr lang="en-US" smtClean="0"/>
-              <a:t>9</a:t>
+              <a:t>8</a:t>
             </a:fld>
             <a:endParaRPr lang="en-US"/>
           </a:p>
@@ -1384,7 +1174,7 @@
     </p:spTree>
     <p:extLst>
       <p:ext uri="{BB962C8B-B14F-4D97-AF65-F5344CB8AC3E}">
-        <p14:creationId xmlns:p14="http://schemas.microsoft.com/office/powerpoint/2010/main" val="311362653"/>
+        <p14:creationId xmlns:p14="http://schemas.microsoft.com/office/powerpoint/2010/main" val="1716308229"/>
       </p:ext>
     </p:extLst>
   </p:cSld>
@@ -1438,6 +1228,316 @@
           <a:bodyPr/>
           <a:lstStyle/>
           <a:p>
+            <a:pPr marL="12700">
+              <a:lnSpc>
+                <a:spcPts val="2620"/>
+              </a:lnSpc>
+              <a:spcBef>
+                <a:spcPts val="100"/>
+              </a:spcBef>
+            </a:pPr>
+            <a:r>
+              <a:rPr lang="en-US" sz="1200" spc="-5" dirty="0">
+                <a:latin typeface="Lucida Sans Unicode"/>
+                <a:cs typeface="Lucida Sans Unicode"/>
+              </a:rPr>
+              <a:t>-Programming </a:t>
+            </a:r>
+            <a:r>
+              <a:rPr lang="en-US" sz="1200" dirty="0">
+                <a:latin typeface="Lucida Sans Unicode"/>
+                <a:cs typeface="Lucida Sans Unicode"/>
+              </a:rPr>
+              <a:t>is </a:t>
+            </a:r>
+            <a:r>
+              <a:rPr lang="en-US" sz="1200" spc="-5" dirty="0">
+                <a:latin typeface="Lucida Sans Unicode"/>
+                <a:cs typeface="Lucida Sans Unicode"/>
+              </a:rPr>
+              <a:t>about </a:t>
+            </a:r>
+            <a:r>
+              <a:rPr lang="en-US" sz="1200" dirty="0">
+                <a:latin typeface="Lucida Sans Unicode"/>
+                <a:cs typeface="Lucida Sans Unicode"/>
+              </a:rPr>
+              <a:t>solving</a:t>
+            </a:r>
+            <a:r>
+              <a:rPr lang="en-US" sz="1200" spc="-5" dirty="0">
+                <a:latin typeface="Lucida Sans Unicode"/>
+                <a:cs typeface="Lucida Sans Unicode"/>
+              </a:rPr>
+              <a:t> problems.</a:t>
+            </a:r>
+            <a:endParaRPr lang="en-US" sz="1200" dirty="0">
+              <a:latin typeface="Lucida Sans Unicode"/>
+              <a:cs typeface="Lucida Sans Unicode"/>
+            </a:endParaRPr>
+          </a:p>
+          <a:p>
+            <a:pPr marL="12700" marR="5080">
+              <a:lnSpc>
+                <a:spcPts val="2600"/>
+              </a:lnSpc>
+              <a:spcBef>
+                <a:spcPts val="100"/>
+              </a:spcBef>
+              <a:tabLst>
+                <a:tab pos="2992755" algn="l"/>
+              </a:tabLst>
+            </a:pPr>
+            <a:r>
+              <a:rPr lang="en-US" sz="1200" spc="-5" dirty="0">
+                <a:latin typeface="Lucida Sans Unicode"/>
+                <a:cs typeface="Lucida Sans Unicode"/>
+              </a:rPr>
+              <a:t>-You give </a:t>
+            </a:r>
+            <a:r>
+              <a:rPr lang="en-US" sz="1200" dirty="0">
+                <a:latin typeface="Lucida Sans Unicode"/>
+                <a:cs typeface="Lucida Sans Unicode"/>
+              </a:rPr>
+              <a:t>a </a:t>
+            </a:r>
+            <a:r>
+              <a:rPr lang="en-US" sz="1200" spc="-5" dirty="0">
+                <a:latin typeface="Lucida Sans Unicode"/>
+                <a:cs typeface="Lucida Sans Unicode"/>
+              </a:rPr>
+              <a:t>series </a:t>
+            </a:r>
+            <a:r>
+              <a:rPr lang="en-US" sz="1200" dirty="0">
+                <a:latin typeface="Lucida Sans Unicode"/>
+                <a:cs typeface="Lucida Sans Unicode"/>
+              </a:rPr>
+              <a:t>of </a:t>
+            </a:r>
+            <a:r>
+              <a:rPr lang="en-US" sz="1200" spc="-5" dirty="0">
+                <a:latin typeface="Lucida Sans Unicode"/>
+                <a:cs typeface="Lucida Sans Unicode"/>
+              </a:rPr>
+              <a:t>instructions to </a:t>
+            </a:r>
+            <a:r>
+              <a:rPr lang="en-US" sz="1200" dirty="0">
+                <a:latin typeface="Lucida Sans Unicode"/>
+                <a:cs typeface="Lucida Sans Unicode"/>
+              </a:rPr>
+              <a:t>a </a:t>
+            </a:r>
+            <a:r>
+              <a:rPr lang="en-US" sz="1200" spc="-5" dirty="0">
+                <a:latin typeface="Lucida Sans Unicode"/>
+                <a:cs typeface="Lucida Sans Unicode"/>
+              </a:rPr>
+              <a:t>machine </a:t>
+            </a:r>
+            <a:r>
+              <a:rPr lang="en-US" sz="1200" dirty="0">
+                <a:latin typeface="Lucida Sans Unicode"/>
+                <a:cs typeface="Lucida Sans Unicode"/>
+              </a:rPr>
+              <a:t>which will </a:t>
+            </a:r>
+            <a:r>
+              <a:rPr lang="en-US" sz="1200" spc="-5" dirty="0">
+                <a:latin typeface="Lucida Sans Unicode"/>
+                <a:cs typeface="Lucida Sans Unicode"/>
+              </a:rPr>
+              <a:t>diligently carry them </a:t>
+            </a:r>
+            <a:r>
+              <a:rPr lang="en-US" sz="1200" dirty="0">
+                <a:latin typeface="Lucida Sans Unicode"/>
+                <a:cs typeface="Lucida Sans Unicode"/>
+              </a:rPr>
+              <a:t>out </a:t>
+            </a:r>
+            <a:r>
+              <a:rPr lang="en-US" sz="1200" spc="-5" dirty="0">
+                <a:latin typeface="Lucida Sans Unicode"/>
+                <a:cs typeface="Lucida Sans Unicode"/>
+              </a:rPr>
+              <a:t>without concern</a:t>
+            </a:r>
+            <a:r>
+              <a:rPr lang="en-US" sz="1200" spc="15" dirty="0">
+                <a:latin typeface="Lucida Sans Unicode"/>
+                <a:cs typeface="Lucida Sans Unicode"/>
+              </a:rPr>
+              <a:t> </a:t>
+            </a:r>
+            <a:r>
+              <a:rPr lang="en-US" sz="1200" dirty="0">
+                <a:latin typeface="Lucida Sans Unicode"/>
+                <a:cs typeface="Lucida Sans Unicode"/>
+              </a:rPr>
+              <a:t>or</a:t>
+            </a:r>
+            <a:r>
+              <a:rPr lang="en-US" sz="1200" spc="15" dirty="0">
+                <a:latin typeface="Lucida Sans Unicode"/>
+                <a:cs typeface="Lucida Sans Unicode"/>
+              </a:rPr>
+              <a:t> </a:t>
+            </a:r>
+            <a:r>
+              <a:rPr lang="en-US" sz="1200" spc="-5" dirty="0">
+                <a:latin typeface="Lucida Sans Unicode"/>
+                <a:cs typeface="Lucida Sans Unicode"/>
+              </a:rPr>
+              <a:t>question.	</a:t>
+            </a:r>
+          </a:p>
+          <a:p>
+            <a:pPr marL="12700" marR="5080">
+              <a:lnSpc>
+                <a:spcPts val="2600"/>
+              </a:lnSpc>
+              <a:spcBef>
+                <a:spcPts val="100"/>
+              </a:spcBef>
+              <a:tabLst>
+                <a:tab pos="2992755" algn="l"/>
+              </a:tabLst>
+            </a:pPr>
+            <a:r>
+              <a:rPr lang="en-US" sz="1200" spc="-5" dirty="0">
+                <a:latin typeface="Lucida Sans Unicode"/>
+                <a:cs typeface="Lucida Sans Unicode"/>
+              </a:rPr>
+              <a:t>This, again, </a:t>
+            </a:r>
+            <a:r>
+              <a:rPr lang="en-US" sz="1200" dirty="0">
+                <a:latin typeface="Lucida Sans Unicode"/>
+                <a:cs typeface="Lucida Sans Unicode"/>
+              </a:rPr>
+              <a:t>is for </a:t>
+            </a:r>
+            <a:r>
+              <a:rPr lang="en-US" sz="1200" spc="-5" dirty="0">
+                <a:latin typeface="Lucida Sans Unicode"/>
+                <a:cs typeface="Lucida Sans Unicode"/>
+              </a:rPr>
+              <a:t>better </a:t>
+            </a:r>
+            <a:r>
+              <a:rPr lang="en-US" sz="1200" dirty="0">
+                <a:latin typeface="Lucida Sans Unicode"/>
+                <a:cs typeface="Lucida Sans Unicode"/>
+              </a:rPr>
+              <a:t>or for</a:t>
+            </a:r>
+            <a:r>
+              <a:rPr lang="en-US" sz="1200" spc="10" dirty="0">
+                <a:latin typeface="Lucida Sans Unicode"/>
+                <a:cs typeface="Lucida Sans Unicode"/>
+              </a:rPr>
+              <a:t> </a:t>
+            </a:r>
+            <a:r>
+              <a:rPr lang="en-US" sz="1200" spc="-5" dirty="0">
+                <a:latin typeface="Lucida Sans Unicode"/>
+                <a:cs typeface="Lucida Sans Unicode"/>
+              </a:rPr>
+              <a:t>worse.</a:t>
+            </a:r>
+            <a:endParaRPr lang="en-US" sz="1200" dirty="0">
+              <a:latin typeface="Lucida Sans Unicode"/>
+              <a:cs typeface="Lucida Sans Unicode"/>
+            </a:endParaRPr>
+          </a:p>
+          <a:p>
+            <a:endParaRPr lang="en-US" dirty="0"/>
+          </a:p>
+        </p:txBody>
+      </p:sp>
+      <p:sp>
+        <p:nvSpPr>
+          <p:cNvPr id="4" name="Slide Number Placeholder 3"/>
+          <p:cNvSpPr>
+            <a:spLocks noGrp="1"/>
+          </p:cNvSpPr>
+          <p:nvPr>
+            <p:ph type="sldNum" sz="quarter" idx="5"/>
+          </p:nvPr>
+        </p:nvSpPr>
+        <p:spPr/>
+        <p:txBody>
+          <a:bodyPr/>
+          <a:lstStyle/>
+          <a:p>
+            <a:fld id="{E3FB5458-7096-4ABB-810B-D4FB5505A567}" type="slidenum">
+              <a:rPr lang="en-US" smtClean="0"/>
+              <a:t>9</a:t>
+            </a:fld>
+            <a:endParaRPr lang="en-US"/>
+          </a:p>
+        </p:txBody>
+      </p:sp>
+    </p:spTree>
+    <p:extLst>
+      <p:ext uri="{BB962C8B-B14F-4D97-AF65-F5344CB8AC3E}">
+        <p14:creationId xmlns:p14="http://schemas.microsoft.com/office/powerpoint/2010/main" val="311362653"/>
+      </p:ext>
+    </p:extLst>
+  </p:cSld>
+  <p:clrMapOvr>
+    <a:masterClrMapping/>
+  </p:clrMapOvr>
+</p:notes>
+</file>
+
+<file path=ppt/notesSlides/notesSlide7.xml><?xml version="1.0" encoding="utf-8"?>
+<p:notes xmlns:a="http://schemas.openxmlformats.org/drawingml/2006/main" xmlns:r="http://schemas.openxmlformats.org/officeDocument/2006/relationships" xmlns:p="http://schemas.openxmlformats.org/presentationml/2006/main">
+  <p:cSld>
+    <p:spTree>
+      <p:nvGrpSpPr>
+        <p:cNvPr id="1" name=""/>
+        <p:cNvGrpSpPr/>
+        <p:nvPr/>
+      </p:nvGrpSpPr>
+      <p:grpSpPr>
+        <a:xfrm>
+          <a:off x="0" y="0"/>
+          <a:ext cx="0" cy="0"/>
+          <a:chOff x="0" y="0"/>
+          <a:chExt cx="0" cy="0"/>
+        </a:xfrm>
+      </p:grpSpPr>
+      <p:sp>
+        <p:nvSpPr>
+          <p:cNvPr id="2" name="Slide Image Placeholder 1"/>
+          <p:cNvSpPr>
+            <a:spLocks noGrp="1" noRot="1" noChangeAspect="1"/>
+          </p:cNvSpPr>
+          <p:nvPr>
+            <p:ph type="sldImg"/>
+          </p:nvPr>
+        </p:nvSpPr>
+        <p:spPr/>
+      </p:sp>
+      <p:sp>
+        <p:nvSpPr>
+          <p:cNvPr id="3" name="Notes Placeholder 2"/>
+          <p:cNvSpPr>
+            <a:spLocks noGrp="1"/>
+          </p:cNvSpPr>
+          <p:nvPr>
+            <p:ph type="body" idx="1"/>
+          </p:nvPr>
+        </p:nvSpPr>
+        <p:spPr/>
+        <p:txBody>
+          <a:bodyPr/>
+          <a:lstStyle/>
+          <a:p>
             <a:r>
               <a:rPr lang="en-US" dirty="0"/>
               <a:t>*</a:t>
@@ -1493,7 +1593,7 @@
 </p:notes>
 </file>
 
-<file path=ppt/notesSlides/notesSlide7.xml><?xml version="1.0" encoding="utf-8"?>
+<file path=ppt/notesSlides/notesSlide8.xml><?xml version="1.0" encoding="utf-8"?>
 <p:notes xmlns:a="http://schemas.openxmlformats.org/drawingml/2006/main" xmlns:r="http://schemas.openxmlformats.org/officeDocument/2006/relationships" xmlns:p="http://schemas.openxmlformats.org/presentationml/2006/main">
   <p:cSld>
     <p:spTree>
@@ -1774,7 +1874,7 @@
           <a:p>
             <a:fld id="{1D8BD707-D9CF-40AE-B4C6-C98DA3205C09}" type="datetimeFigureOut">
               <a:rPr lang="en-US"/>
-              <a:t>8/14/2020</a:t>
+              <a:t>8/27/23</a:t>
             </a:fld>
             <a:endParaRPr lang="en-US"/>
           </a:p>
@@ -1951,7 +2051,7 @@
           <a:p>
             <a:fld id="{1D8BD707-D9CF-40AE-B4C6-C98DA3205C09}" type="datetimeFigureOut">
               <a:rPr lang="en-US"/>
-              <a:t>8/14/2020</a:t>
+              <a:t>8/27/23</a:t>
             </a:fld>
             <a:endParaRPr lang="en-US"/>
           </a:p>
@@ -2165,7 +2265,7 @@
           <a:p>
             <a:fld id="{1D8BD707-D9CF-40AE-B4C6-C98DA3205C09}" type="datetimeFigureOut">
               <a:rPr lang="en-US"/>
-              <a:t>8/14/2020</a:t>
+              <a:t>8/27/23</a:t>
             </a:fld>
             <a:endParaRPr lang="en-US"/>
           </a:p>
@@ -2313,7 +2413,7 @@
           <a:p>
             <a:fld id="{1D8BD707-D9CF-40AE-B4C6-C98DA3205C09}" type="datetimeFigureOut">
               <a:rPr lang="en-US"/>
-              <a:t>8/14/2020</a:t>
+              <a:t>8/27/23</a:t>
             </a:fld>
             <a:endParaRPr lang="en-US"/>
           </a:p>
@@ -2592,7 +2692,7 @@
           <a:p>
             <a:fld id="{1D8BD707-D9CF-40AE-B4C6-C98DA3205C09}" type="datetimeFigureOut">
               <a:rPr lang="en-US"/>
-              <a:t>8/14/2020</a:t>
+              <a:t>8/27/23</a:t>
             </a:fld>
             <a:endParaRPr lang="en-US"/>
           </a:p>
@@ -2817,7 +2917,7 @@
           <a:p>
             <a:fld id="{1D8BD707-D9CF-40AE-B4C6-C98DA3205C09}" type="datetimeFigureOut">
               <a:rPr lang="en-US"/>
-              <a:t>8/14/2020</a:t>
+              <a:t>8/27/23</a:t>
             </a:fld>
             <a:endParaRPr lang="en-US"/>
           </a:p>
@@ -3106,45 +3206,21 @@
               <a:rPr lang="en-US" sz="3600" spc="-70" dirty="0" err="1"/>
               <a:t>Jalali</a:t>
             </a:r>
-            <a:r>
-              <a:rPr lang="en-US" sz="3600" spc="-70" dirty="0"/>
-              <a:t/>
-            </a:r>
             <a:br>
               <a:rPr lang="en-US" sz="3600" spc="-70" dirty="0"/>
             </a:br>
-            <a:r>
-              <a:rPr lang="en-US" sz="3600" spc="-70" dirty="0"/>
-              <a:t/>
-            </a:r>
             <a:br>
               <a:rPr lang="en-US" sz="3600" spc="-70" dirty="0"/>
             </a:br>
-            <a:r>
-              <a:rPr lang="en-US" sz="3600" spc="-70" dirty="0"/>
-              <a:t/>
-            </a:r>
             <a:br>
               <a:rPr lang="en-US" sz="3600" spc="-70" dirty="0"/>
             </a:br>
-            <a:r>
-              <a:rPr lang="en-US" sz="3600" spc="-70" dirty="0"/>
-              <a:t/>
-            </a:r>
             <a:br>
               <a:rPr lang="en-US" sz="3600" spc="-70" dirty="0"/>
             </a:br>
-            <a:r>
-              <a:rPr lang="en-US" sz="3600" spc="-70" dirty="0"/>
-              <a:t/>
-            </a:r>
             <a:br>
               <a:rPr lang="en-US" sz="3600" spc="-70" dirty="0"/>
             </a:br>
-            <a:r>
-              <a:rPr lang="en-US" sz="3600" spc="-70" dirty="0"/>
-              <a:t/>
-            </a:r>
             <a:br>
               <a:rPr lang="en-US" sz="3600" spc="-70" dirty="0"/>
             </a:br>
@@ -4664,13 +4740,11 @@
           </a:p>
           <a:p>
             <a:pPr marL="622300" indent="-571500">
-              <a:lnSpc>
-                <a:spcPct val="100000"/>
-              </a:lnSpc>
               <a:spcBef>
                 <a:spcPts val="2120"/>
               </a:spcBef>
               <a:buSzPct val="170238"/>
+              <a:buFontTx/>
               <a:buChar char="•"/>
               <a:tabLst>
                 <a:tab pos="622300" algn="l"/>
@@ -4705,14 +4779,28 @@
                 <a:latin typeface="Gill Sans MT"/>
                 <a:cs typeface="Gill Sans MT"/>
               </a:rPr>
-              <a:t>first</a:t>
+              <a:t>fourth</a:t>
             </a:r>
             <a:r>
               <a:rPr sz="4200" spc="-5" dirty="0">
                 <a:latin typeface="Gill Sans MT"/>
                 <a:cs typeface="Gill Sans MT"/>
               </a:rPr>
-              <a:t> semester </a:t>
+              <a:t> </a:t>
+            </a:r>
+            <a:r>
+              <a:rPr lang="en-US" sz="4200" spc="-5" dirty="0">
+                <a:latin typeface="Gill Sans MT"/>
+                <a:cs typeface="Gill Sans MT"/>
+              </a:rPr>
+              <a:t>year</a:t>
+            </a:r>
+            <a:r>
+              <a:rPr sz="4200" spc="-5" dirty="0">
+                <a:latin typeface="Gill Sans MT"/>
+                <a:cs typeface="Gill Sans MT"/>
+              </a:rPr>
+              <a:t> </a:t>
             </a:r>
             <a:r>
               <a:rPr sz="4200" dirty="0">
@@ -4735,6 +4823,17 @@
               </a:rPr>
               <a:t>CSUN</a:t>
             </a:r>
+            <a:r>
+              <a:rPr lang="en-US" sz="4200" dirty="0">
+                <a:latin typeface="Gill Sans MT"/>
+                <a:cs typeface="Gill Sans MT"/>
+              </a:rPr>
+              <a:t>!</a:t>
+            </a:r>
+            <a:endParaRPr sz="4200" dirty="0">
+              <a:latin typeface="Gill Sans MT"/>
+              <a:cs typeface="Gill Sans MT"/>
+            </a:endParaRPr>
           </a:p>
           <a:p>
             <a:pPr marL="50800">
@@ -4884,7 +4983,7 @@
         <p:spPr>
           <a:xfrm>
             <a:off x="1600200" y="4343400"/>
-            <a:ext cx="6222365" cy="2595880"/>
+            <a:ext cx="9626600" cy="4455066"/>
           </a:xfrm>
           <a:prstGeom prst="rect">
             <a:avLst/>
@@ -4970,6 +5069,10 @@
               </a:rPr>
               <a:t>experience?</a:t>
             </a:r>
+            <a:endParaRPr lang="en-US" sz="4200" dirty="0">
+              <a:latin typeface="Gill Sans MT"/>
+              <a:cs typeface="Gill Sans MT"/>
+            </a:endParaRPr>
           </a:p>
           <a:p>
             <a:pPr marL="609600" indent="-571500">
@@ -4985,34 +5088,55 @@
                 <a:tab pos="609600" algn="l"/>
               </a:tabLst>
             </a:pPr>
-            <a:r>
-              <a:rPr sz="4200" dirty="0">
-                <a:latin typeface="Gill Sans MT"/>
-                <a:cs typeface="Gill Sans MT"/>
-              </a:rPr>
-              <a:t>Not </a:t>
-            </a:r>
-            <a:r>
-              <a:rPr sz="4200" spc="20" dirty="0">
-                <a:latin typeface="Gill Sans MT"/>
-                <a:cs typeface="Gill Sans MT"/>
-              </a:rPr>
-              <a:t>first</a:t>
-            </a:r>
-            <a:r>
-              <a:rPr sz="4200" spc="-20" dirty="0">
-                <a:latin typeface="Gill Sans MT"/>
-                <a:cs typeface="Gill Sans MT"/>
-              </a:rPr>
-              <a:t> </a:t>
-            </a:r>
-            <a:r>
-              <a:rPr sz="4200" spc="-5" dirty="0">
-                <a:latin typeface="Gill Sans MT"/>
-                <a:cs typeface="Gill Sans MT"/>
-              </a:rPr>
-              <a:t>semester?</a:t>
-            </a:r>
+            <a:endParaRPr lang="en-US" sz="4200" dirty="0">
+              <a:latin typeface="Gill Sans MT"/>
+              <a:cs typeface="Gill Sans MT"/>
+            </a:endParaRPr>
+          </a:p>
+          <a:p>
+            <a:pPr marL="609600" indent="-571500">
+              <a:spcBef>
+                <a:spcPts val="2260"/>
+              </a:spcBef>
+              <a:buSzPct val="170238"/>
+              <a:buFontTx/>
+              <a:buChar char="•"/>
+              <a:tabLst>
+                <a:tab pos="609600" algn="l"/>
+              </a:tabLst>
+            </a:pPr>
+            <a:r>
+              <a:rPr lang="en-US" sz="4400" dirty="0"/>
+              <a:t>https://</a:t>
+            </a:r>
+            <a:r>
+              <a:rPr lang="en-US" sz="4400" dirty="0" err="1"/>
+              <a:t>pollev.com</a:t>
+            </a:r>
+            <a:r>
+              <a:rPr lang="en-US" sz="4400" dirty="0"/>
+              <a:t>/</a:t>
+            </a:r>
+            <a:r>
+              <a:rPr lang="en-US" sz="4400" dirty="0" err="1"/>
+              <a:t>mjalali</a:t>
+            </a:r>
+            <a:endParaRPr lang="en-US" sz="4400" dirty="0"/>
+          </a:p>
+          <a:p>
+            <a:pPr marL="609600" indent="-571500">
+              <a:lnSpc>
+                <a:spcPct val="100000"/>
+              </a:lnSpc>
+              <a:spcBef>
+                <a:spcPts val="2260"/>
+              </a:spcBef>
+              <a:buSzPct val="170238"/>
+              <a:buChar char="•"/>
+              <a:tabLst>
+                <a:tab pos="609600" algn="l"/>
+              </a:tabLst>
+            </a:pPr>
             <a:endParaRPr sz="4200" dirty="0">
               <a:latin typeface="Gill Sans MT"/>
               <a:cs typeface="Gill Sans MT"/>
@@ -6365,14 +6489,6 @@
   <p:clrMapOvr>
     <a:masterClrMapping/>
   </p:clrMapOvr>
-  <mc:AlternateContent xmlns:mc="http://schemas.openxmlformats.org/markup-compatibility/2006">
-    <mc:Choice xmlns:p14="http://schemas.microsoft.com/office/powerpoint/2010/main" Requires="p14">
-      <p:transition spd="slow" p14:dur="2000"/>
-    </mc:Choice>
-    <mc:Fallback>
-      <p:transition spd="slow"/>
-    </mc:Fallback>
-  </mc:AlternateContent>
 </p:sld>
 </file>
 

--- a/lecture/week_1/week_1_notes_1.pptx
+++ b/lecture/week_1/week_1_notes_1.pptx
@@ -258,7 +258,7 @@
           <a:p>
             <a:fld id="{AC8AFE44-E840-4CA3-A040-6A82550111D5}" type="datetimeFigureOut">
               <a:rPr lang="en-US" smtClean="0"/>
-              <a:t>8/27/23</a:t>
+              <a:t>7/9/24</a:t>
             </a:fld>
             <a:endParaRPr lang="en-US"/>
           </a:p>
@@ -1874,7 +1874,7 @@
           <a:p>
             <a:fld id="{1D8BD707-D9CF-40AE-B4C6-C98DA3205C09}" type="datetimeFigureOut">
               <a:rPr lang="en-US"/>
-              <a:t>8/27/23</a:t>
+              <a:t>7/9/24</a:t>
             </a:fld>
             <a:endParaRPr lang="en-US"/>
           </a:p>
@@ -2051,7 +2051,7 @@
           <a:p>
             <a:fld id="{1D8BD707-D9CF-40AE-B4C6-C98DA3205C09}" type="datetimeFigureOut">
               <a:rPr lang="en-US"/>
-              <a:t>8/27/23</a:t>
+              <a:t>7/9/24</a:t>
             </a:fld>
             <a:endParaRPr lang="en-US"/>
           </a:p>
@@ -2265,7 +2265,7 @@
           <a:p>
             <a:fld id="{1D8BD707-D9CF-40AE-B4C6-C98DA3205C09}" type="datetimeFigureOut">
               <a:rPr lang="en-US"/>
-              <a:t>8/27/23</a:t>
+              <a:t>7/9/24</a:t>
             </a:fld>
             <a:endParaRPr lang="en-US"/>
           </a:p>
@@ -2413,7 +2413,7 @@
           <a:p>
             <a:fld id="{1D8BD707-D9CF-40AE-B4C6-C98DA3205C09}" type="datetimeFigureOut">
               <a:rPr lang="en-US"/>
-              <a:t>8/27/23</a:t>
+              <a:t>7/9/24</a:t>
             </a:fld>
             <a:endParaRPr lang="en-US"/>
           </a:p>
@@ -2692,7 +2692,7 @@
           <a:p>
             <a:fld id="{1D8BD707-D9CF-40AE-B4C6-C98DA3205C09}" type="datetimeFigureOut">
               <a:rPr lang="en-US"/>
-              <a:t>8/27/23</a:t>
+              <a:t>7/9/24</a:t>
             </a:fld>
             <a:endParaRPr lang="en-US"/>
           </a:p>
@@ -2917,7 +2917,7 @@
           <a:p>
             <a:fld id="{1D8BD707-D9CF-40AE-B4C6-C98DA3205C09}" type="datetimeFigureOut">
               <a:rPr lang="en-US"/>
-              <a:t>8/27/23</a:t>
+              <a:t>7/9/24</a:t>
             </a:fld>
             <a:endParaRPr lang="en-US"/>
           </a:p>
@@ -4779,7 +4779,7 @@
                 <a:latin typeface="Gill Sans MT"/>
                 <a:cs typeface="Gill Sans MT"/>
               </a:rPr>
-              <a:t>fourth</a:t>
+              <a:t>fifth</a:t>
             </a:r>
             <a:r>
               <a:rPr sz="4200" spc="-5" dirty="0">
